--- a/output/topic_neural_networks.pptx
+++ b/output/topic_neural_networks.pptx
@@ -2,7 +2,7 @@
 <file path=ppt/presentation.xml><?xml version="1.0" encoding="utf-8"?>
 <p:presentation xmlns:a="http://schemas.openxmlformats.org/drawingml/2006/main" xmlns:r="http://schemas.openxmlformats.org/officeDocument/2006/relationships" xmlns:p="http://schemas.openxmlformats.org/presentationml/2006/main" saveSubsetFonts="1">
   <p:sldMasterIdLst>
-    <p:sldMasterId id="2147483756" r:id="rId1"/>
+    <p:sldMasterId id="2147483804" r:id="rId1"/>
   </p:sldMasterIdLst>
   <p:sldIdLst>
     <p:sldId id="256" r:id="rId2"/>
@@ -15,8 +15,6 @@
     <p:sldId id="263" r:id="rId13"/>
     <p:sldId id="264" r:id="rId14"/>
     <p:sldId id="265" r:id="rId15"/>
-    <p:sldId id="266" r:id="rId16"/>
-    <p:sldId id="267" r:id="rId17"/>
   </p:sldIdLst>
   <p:sldSz cx="12192000" cy="6858000"/>
   <p:notesSz cx="6858000" cy="9144000"/>
@@ -124,7 +122,7 @@
 </file>
 
 <file path=ppt/slideLayouts/slideLayout1.xml><?xml version="1.0" encoding="utf-8"?>
-<p:sldLayout xmlns:a="http://schemas.openxmlformats.org/drawingml/2006/main" xmlns:r="http://schemas.openxmlformats.org/officeDocument/2006/relationships" xmlns:p="http://schemas.openxmlformats.org/presentationml/2006/main" type="title" preserve="1">
+<p:sldLayout xmlns:a="http://schemas.openxmlformats.org/drawingml/2006/main" xmlns:r="http://schemas.openxmlformats.org/officeDocument/2006/relationships" xmlns:p="http://schemas.openxmlformats.org/presentationml/2006/main" showMasterSp="0" type="title" preserve="1">
   <p:cSld name="Title Slide">
     <p:spTree>
       <p:nvGrpSpPr>
@@ -140,6 +138,536 @@
           <a:chExt cx="0" cy="0"/>
         </a:xfrm>
       </p:grpSpPr>
+      <p:grpSp>
+        <p:nvGrpSpPr>
+          <p:cNvPr id="7" name="Group 6"/>
+          <p:cNvGrpSpPr/>
+          <p:nvPr/>
+        </p:nvGrpSpPr>
+        <p:grpSpPr>
+          <a:xfrm>
+            <a:off x="0" y="-8467"/>
+            <a:ext cx="12192000" cy="6866467"/>
+            <a:chOff x="0" y="-8467"/>
+            <a:chExt cx="12192000" cy="6866467"/>
+          </a:xfrm>
+        </p:grpSpPr>
+        <p:cxnSp>
+          <p:nvCxnSpPr>
+            <p:cNvPr id="32" name="Straight Connector 31"/>
+            <p:cNvCxnSpPr/>
+            <p:nvPr/>
+          </p:nvCxnSpPr>
+          <p:spPr>
+            <a:xfrm>
+              <a:off x="9371012" y="0"/>
+              <a:ext cx="1219200" cy="6858000"/>
+            </a:xfrm>
+            <a:prstGeom prst="line">
+              <a:avLst/>
+            </a:prstGeom>
+            <a:ln w="9525">
+              <a:solidFill>
+                <a:schemeClr val="bg1">
+                  <a:lumMod val="75000"/>
+                </a:schemeClr>
+              </a:solidFill>
+            </a:ln>
+          </p:spPr>
+          <p:style>
+            <a:lnRef idx="2">
+              <a:schemeClr val="accent1"/>
+            </a:lnRef>
+            <a:fillRef idx="0">
+              <a:schemeClr val="accent1"/>
+            </a:fillRef>
+            <a:effectRef idx="1">
+              <a:schemeClr val="accent1"/>
+            </a:effectRef>
+            <a:fontRef idx="minor">
+              <a:schemeClr val="tx1"/>
+            </a:fontRef>
+          </p:style>
+        </p:cxnSp>
+        <p:cxnSp>
+          <p:nvCxnSpPr>
+            <p:cNvPr id="21" name="Straight Connector 20"/>
+            <p:cNvCxnSpPr/>
+            <p:nvPr/>
+          </p:nvCxnSpPr>
+          <p:spPr>
+            <a:xfrm flipH="1">
+              <a:off x="7425267" y="3681413"/>
+              <a:ext cx="4763558" cy="3176587"/>
+            </a:xfrm>
+            <a:prstGeom prst="line">
+              <a:avLst/>
+            </a:prstGeom>
+            <a:ln w="9525">
+              <a:solidFill>
+                <a:schemeClr val="bg1">
+                  <a:lumMod val="85000"/>
+                </a:schemeClr>
+              </a:solidFill>
+            </a:ln>
+          </p:spPr>
+          <p:style>
+            <a:lnRef idx="2">
+              <a:schemeClr val="accent1"/>
+            </a:lnRef>
+            <a:fillRef idx="0">
+              <a:schemeClr val="accent1"/>
+            </a:fillRef>
+            <a:effectRef idx="1">
+              <a:schemeClr val="accent1"/>
+            </a:effectRef>
+            <a:fontRef idx="minor">
+              <a:schemeClr val="tx1"/>
+            </a:fontRef>
+          </p:style>
+        </p:cxnSp>
+        <p:sp>
+          <p:nvSpPr>
+            <p:cNvPr id="24" name="Rectangle 23"/>
+            <p:cNvSpPr/>
+            <p:nvPr/>
+          </p:nvSpPr>
+          <p:spPr>
+            <a:xfrm>
+              <a:off x="9181476" y="-8467"/>
+              <a:ext cx="3007349" cy="6866467"/>
+            </a:xfrm>
+            <a:custGeom>
+              <a:avLst/>
+              <a:gdLst/>
+              <a:ahLst/>
+              <a:cxnLst/>
+              <a:rect l="l" t="t" r="r" b="b"/>
+              <a:pathLst>
+                <a:path w="3007349" h="6866467">
+                  <a:moveTo>
+                    <a:pt x="2045532" y="0"/>
+                  </a:moveTo>
+                  <a:lnTo>
+                    <a:pt x="3007349" y="0"/>
+                  </a:lnTo>
+                  <a:lnTo>
+                    <a:pt x="3007349" y="6866467"/>
+                  </a:lnTo>
+                  <a:lnTo>
+                    <a:pt x="0" y="6866467"/>
+                  </a:lnTo>
+                  <a:lnTo>
+                    <a:pt x="2045532" y="0"/>
+                  </a:lnTo>
+                  <a:close/>
+                </a:path>
+              </a:pathLst>
+            </a:custGeom>
+            <a:solidFill>
+              <a:schemeClr val="accent1">
+                <a:alpha val="30000"/>
+              </a:schemeClr>
+            </a:solidFill>
+            <a:ln>
+              <a:noFill/>
+            </a:ln>
+            <a:effectLst/>
+          </p:spPr>
+          <p:style>
+            <a:lnRef idx="1">
+              <a:schemeClr val="accent1"/>
+            </a:lnRef>
+            <a:fillRef idx="3">
+              <a:schemeClr val="accent1"/>
+            </a:fillRef>
+            <a:effectRef idx="2">
+              <a:schemeClr val="accent1"/>
+            </a:effectRef>
+            <a:fontRef idx="minor">
+              <a:schemeClr val="lt1"/>
+            </a:fontRef>
+          </p:style>
+        </p:sp>
+        <p:sp>
+          <p:nvSpPr>
+            <p:cNvPr id="26" name="Rectangle 25"/>
+            <p:cNvSpPr/>
+            <p:nvPr/>
+          </p:nvSpPr>
+          <p:spPr>
+            <a:xfrm>
+              <a:off x="9603442" y="-8467"/>
+              <a:ext cx="2588558" cy="6866467"/>
+            </a:xfrm>
+            <a:custGeom>
+              <a:avLst/>
+              <a:gdLst/>
+              <a:ahLst/>
+              <a:cxnLst/>
+              <a:rect l="l" t="t" r="r" b="b"/>
+              <a:pathLst>
+                <a:path w="2573311" h="6866467">
+                  <a:moveTo>
+                    <a:pt x="0" y="0"/>
+                  </a:moveTo>
+                  <a:lnTo>
+                    <a:pt x="2573311" y="0"/>
+                  </a:lnTo>
+                  <a:lnTo>
+                    <a:pt x="2573311" y="6866467"/>
+                  </a:lnTo>
+                  <a:lnTo>
+                    <a:pt x="1202336" y="6866467"/>
+                  </a:lnTo>
+                  <a:lnTo>
+                    <a:pt x="0" y="0"/>
+                  </a:lnTo>
+                  <a:close/>
+                </a:path>
+              </a:pathLst>
+            </a:custGeom>
+            <a:solidFill>
+              <a:schemeClr val="accent1">
+                <a:alpha val="20000"/>
+              </a:schemeClr>
+            </a:solidFill>
+            <a:ln>
+              <a:noFill/>
+            </a:ln>
+            <a:effectLst/>
+          </p:spPr>
+          <p:style>
+            <a:lnRef idx="1">
+              <a:schemeClr val="accent1"/>
+            </a:lnRef>
+            <a:fillRef idx="3">
+              <a:schemeClr val="accent1"/>
+            </a:fillRef>
+            <a:effectRef idx="2">
+              <a:schemeClr val="accent1"/>
+            </a:effectRef>
+            <a:fontRef idx="minor">
+              <a:schemeClr val="lt1"/>
+            </a:fontRef>
+          </p:style>
+        </p:sp>
+        <p:sp>
+          <p:nvSpPr>
+            <p:cNvPr id="27" name="Isosceles Triangle 26"/>
+            <p:cNvSpPr/>
+            <p:nvPr/>
+          </p:nvSpPr>
+          <p:spPr>
+            <a:xfrm>
+              <a:off x="8932333" y="3048000"/>
+              <a:ext cx="3259667" cy="3810000"/>
+            </a:xfrm>
+            <a:prstGeom prst="triangle">
+              <a:avLst>
+                <a:gd name="adj" fmla="val 100000"/>
+              </a:avLst>
+            </a:prstGeom>
+            <a:solidFill>
+              <a:schemeClr val="accent2">
+                <a:alpha val="72000"/>
+              </a:schemeClr>
+            </a:solidFill>
+            <a:ln>
+              <a:noFill/>
+            </a:ln>
+            <a:effectLst/>
+          </p:spPr>
+          <p:style>
+            <a:lnRef idx="1">
+              <a:schemeClr val="accent1"/>
+            </a:lnRef>
+            <a:fillRef idx="3">
+              <a:schemeClr val="accent1"/>
+            </a:fillRef>
+            <a:effectRef idx="2">
+              <a:schemeClr val="accent1"/>
+            </a:effectRef>
+            <a:fontRef idx="minor">
+              <a:schemeClr val="lt1"/>
+            </a:fontRef>
+          </p:style>
+        </p:sp>
+        <p:sp>
+          <p:nvSpPr>
+            <p:cNvPr id="28" name="Rectangle 27"/>
+            <p:cNvSpPr/>
+            <p:nvPr/>
+          </p:nvSpPr>
+          <p:spPr>
+            <a:xfrm>
+              <a:off x="9334500" y="-8467"/>
+              <a:ext cx="2854326" cy="6866467"/>
+            </a:xfrm>
+            <a:custGeom>
+              <a:avLst/>
+              <a:gdLst/>
+              <a:ahLst/>
+              <a:cxnLst/>
+              <a:rect l="l" t="t" r="r" b="b"/>
+              <a:pathLst>
+                <a:path w="2858013" h="6866467">
+                  <a:moveTo>
+                    <a:pt x="0" y="0"/>
+                  </a:moveTo>
+                  <a:lnTo>
+                    <a:pt x="2858013" y="0"/>
+                  </a:lnTo>
+                  <a:lnTo>
+                    <a:pt x="2858013" y="6866467"/>
+                  </a:lnTo>
+                  <a:lnTo>
+                    <a:pt x="2473942" y="6866467"/>
+                  </a:lnTo>
+                  <a:lnTo>
+                    <a:pt x="0" y="0"/>
+                  </a:lnTo>
+                  <a:close/>
+                </a:path>
+              </a:pathLst>
+            </a:custGeom>
+            <a:solidFill>
+              <a:schemeClr val="accent2">
+                <a:lumMod val="75000"/>
+                <a:alpha val="70000"/>
+              </a:schemeClr>
+            </a:solidFill>
+            <a:ln>
+              <a:noFill/>
+            </a:ln>
+            <a:effectLst/>
+          </p:spPr>
+          <p:style>
+            <a:lnRef idx="1">
+              <a:schemeClr val="accent1"/>
+            </a:lnRef>
+            <a:fillRef idx="3">
+              <a:schemeClr val="accent1"/>
+            </a:fillRef>
+            <a:effectRef idx="2">
+              <a:schemeClr val="accent1"/>
+            </a:effectRef>
+            <a:fontRef idx="minor">
+              <a:schemeClr val="lt1"/>
+            </a:fontRef>
+          </p:style>
+        </p:sp>
+        <p:sp>
+          <p:nvSpPr>
+            <p:cNvPr id="29" name="Rectangle 28"/>
+            <p:cNvSpPr/>
+            <p:nvPr/>
+          </p:nvSpPr>
+          <p:spPr>
+            <a:xfrm>
+              <a:off x="10898730" y="-8467"/>
+              <a:ext cx="1290094" cy="6866467"/>
+            </a:xfrm>
+            <a:custGeom>
+              <a:avLst/>
+              <a:gdLst/>
+              <a:ahLst/>
+              <a:cxnLst/>
+              <a:rect l="l" t="t" r="r" b="b"/>
+              <a:pathLst>
+                <a:path w="1290094" h="6858000">
+                  <a:moveTo>
+                    <a:pt x="1019735" y="0"/>
+                  </a:moveTo>
+                  <a:lnTo>
+                    <a:pt x="1290094" y="0"/>
+                  </a:lnTo>
+                  <a:lnTo>
+                    <a:pt x="1290094" y="6858000"/>
+                  </a:lnTo>
+                  <a:lnTo>
+                    <a:pt x="0" y="6858000"/>
+                  </a:lnTo>
+                  <a:lnTo>
+                    <a:pt x="1019735" y="0"/>
+                  </a:lnTo>
+                  <a:close/>
+                </a:path>
+              </a:pathLst>
+            </a:custGeom>
+            <a:solidFill>
+              <a:schemeClr val="accent1">
+                <a:lumMod val="60000"/>
+                <a:lumOff val="40000"/>
+                <a:alpha val="70000"/>
+              </a:schemeClr>
+            </a:solidFill>
+            <a:ln>
+              <a:noFill/>
+            </a:ln>
+            <a:effectLst/>
+          </p:spPr>
+          <p:style>
+            <a:lnRef idx="1">
+              <a:schemeClr val="accent1"/>
+            </a:lnRef>
+            <a:fillRef idx="3">
+              <a:schemeClr val="accent1"/>
+            </a:fillRef>
+            <a:effectRef idx="2">
+              <a:schemeClr val="accent1"/>
+            </a:effectRef>
+            <a:fontRef idx="minor">
+              <a:schemeClr val="lt1"/>
+            </a:fontRef>
+          </p:style>
+        </p:sp>
+        <p:sp>
+          <p:nvSpPr>
+            <p:cNvPr id="30" name="Rectangle 29"/>
+            <p:cNvSpPr/>
+            <p:nvPr/>
+          </p:nvSpPr>
+          <p:spPr>
+            <a:xfrm>
+              <a:off x="10938999" y="-8467"/>
+              <a:ext cx="1249825" cy="6866467"/>
+            </a:xfrm>
+            <a:custGeom>
+              <a:avLst/>
+              <a:gdLst/>
+              <a:ahLst/>
+              <a:cxnLst/>
+              <a:rect l="l" t="t" r="r" b="b"/>
+              <a:pathLst>
+                <a:path w="1249825" h="6858000">
+                  <a:moveTo>
+                    <a:pt x="0" y="0"/>
+                  </a:moveTo>
+                  <a:lnTo>
+                    <a:pt x="1249825" y="0"/>
+                  </a:lnTo>
+                  <a:lnTo>
+                    <a:pt x="1249825" y="6858000"/>
+                  </a:lnTo>
+                  <a:lnTo>
+                    <a:pt x="1109382" y="6858000"/>
+                  </a:lnTo>
+                  <a:lnTo>
+                    <a:pt x="0" y="0"/>
+                  </a:lnTo>
+                  <a:close/>
+                </a:path>
+              </a:pathLst>
+            </a:custGeom>
+            <a:solidFill>
+              <a:schemeClr val="accent1">
+                <a:alpha val="65000"/>
+              </a:schemeClr>
+            </a:solidFill>
+            <a:ln>
+              <a:noFill/>
+            </a:ln>
+            <a:effectLst/>
+          </p:spPr>
+          <p:style>
+            <a:lnRef idx="1">
+              <a:schemeClr val="accent1"/>
+            </a:lnRef>
+            <a:fillRef idx="3">
+              <a:schemeClr val="accent1"/>
+            </a:fillRef>
+            <a:effectRef idx="2">
+              <a:schemeClr val="accent1"/>
+            </a:effectRef>
+            <a:fontRef idx="minor">
+              <a:schemeClr val="lt1"/>
+            </a:fontRef>
+          </p:style>
+        </p:sp>
+        <p:sp>
+          <p:nvSpPr>
+            <p:cNvPr id="31" name="Isosceles Triangle 30"/>
+            <p:cNvSpPr/>
+            <p:nvPr/>
+          </p:nvSpPr>
+          <p:spPr>
+            <a:xfrm>
+              <a:off x="10371666" y="3589867"/>
+              <a:ext cx="1817159" cy="3268133"/>
+            </a:xfrm>
+            <a:prstGeom prst="triangle">
+              <a:avLst>
+                <a:gd name="adj" fmla="val 100000"/>
+              </a:avLst>
+            </a:prstGeom>
+            <a:solidFill>
+              <a:schemeClr val="accent1">
+                <a:alpha val="80000"/>
+              </a:schemeClr>
+            </a:solidFill>
+            <a:ln>
+              <a:noFill/>
+            </a:ln>
+            <a:effectLst/>
+          </p:spPr>
+          <p:style>
+            <a:lnRef idx="1">
+              <a:schemeClr val="accent1"/>
+            </a:lnRef>
+            <a:fillRef idx="3">
+              <a:schemeClr val="accent1"/>
+            </a:fillRef>
+            <a:effectRef idx="2">
+              <a:schemeClr val="accent1"/>
+            </a:effectRef>
+            <a:fontRef idx="minor">
+              <a:schemeClr val="lt1"/>
+            </a:fontRef>
+          </p:style>
+        </p:sp>
+        <p:sp>
+          <p:nvSpPr>
+            <p:cNvPr id="19" name="Isosceles Triangle 18"/>
+            <p:cNvSpPr/>
+            <p:nvPr/>
+          </p:nvSpPr>
+          <p:spPr>
+            <a:xfrm rot="10800000">
+              <a:off x="0" y="0"/>
+              <a:ext cx="842596" cy="5666154"/>
+            </a:xfrm>
+            <a:prstGeom prst="triangle">
+              <a:avLst>
+                <a:gd name="adj" fmla="val 100000"/>
+              </a:avLst>
+            </a:prstGeom>
+            <a:solidFill>
+              <a:schemeClr val="accent1">
+                <a:alpha val="85000"/>
+              </a:schemeClr>
+            </a:solidFill>
+            <a:ln>
+              <a:noFill/>
+            </a:ln>
+            <a:effectLst/>
+          </p:spPr>
+          <p:style>
+            <a:lnRef idx="1">
+              <a:schemeClr val="accent1"/>
+            </a:lnRef>
+            <a:fillRef idx="3">
+              <a:schemeClr val="accent1"/>
+            </a:fillRef>
+            <a:effectRef idx="2">
+              <a:schemeClr val="accent1"/>
+            </a:effectRef>
+            <a:fontRef idx="minor">
+              <a:schemeClr val="lt1"/>
+            </a:fontRef>
+          </p:style>
+        </p:sp>
+      </p:grpSp>
       <p:sp>
         <p:nvSpPr>
           <p:cNvPr id="2" name="Title 1"/>
@@ -152,31 +680,20 @@
         </p:nvSpPr>
         <p:spPr>
           <a:xfrm>
-            <a:off x="1751012" y="609601"/>
-            <a:ext cx="8676222" cy="3200400"/>
+            <a:off x="1507067" y="2404534"/>
+            <a:ext cx="7766936" cy="1646302"/>
           </a:xfrm>
         </p:spPr>
         <p:txBody>
           <a:bodyPr anchor="b">
-            <a:normAutofit/>
+            <a:noAutofit/>
           </a:bodyPr>
           <a:lstStyle>
-            <a:lvl1pPr algn="ctr">
-              <a:defRPr sz="4800">
-                <a:effectLst>
-                  <a:glow rad="38100">
-                    <a:schemeClr val="bg1">
-                      <a:lumMod val="65000"/>
-                      <a:lumOff val="35000"/>
-                      <a:alpha val="50000"/>
-                    </a:schemeClr>
-                  </a:glow>
-                  <a:outerShdw blurRad="28575" dist="31750" dir="13200000" algn="tl" rotWithShape="0">
-                    <a:srgbClr val="000000">
-                      <a:alpha val="25000"/>
-                    </a:srgbClr>
-                  </a:outerShdw>
-                </a:effectLst>
+            <a:lvl1pPr algn="r">
+              <a:defRPr sz="5400">
+                <a:solidFill>
+                  <a:schemeClr val="accent1"/>
+                </a:solidFill>
               </a:defRPr>
             </a:lvl1pPr>
           </a:lstStyle>
@@ -201,32 +718,22 @@
         </p:nvSpPr>
         <p:spPr>
           <a:xfrm>
-            <a:off x="1751012" y="3886200"/>
-            <a:ext cx="8676222" cy="1905000"/>
+            <a:off x="1507067" y="4050833"/>
+            <a:ext cx="7766936" cy="1096899"/>
           </a:xfrm>
         </p:spPr>
         <p:txBody>
-          <a:bodyPr anchor="t">
-            <a:normAutofit/>
-          </a:bodyPr>
+          <a:bodyPr anchor="t"/>
           <a:lstStyle>
-            <a:lvl1pPr marL="0" indent="0" algn="ctr">
-              <a:buNone/>
-              <a:defRPr sz="2100">
-                <a:gradFill flip="none" rotWithShape="1">
-                  <a:gsLst>
-                    <a:gs pos="0">
-                      <a:schemeClr val="tx1"/>
-                    </a:gs>
-                    <a:gs pos="100000">
-                      <a:schemeClr val="tx1">
-                        <a:lumMod val="75000"/>
-                      </a:schemeClr>
-                    </a:gs>
-                  </a:gsLst>
-                  <a:lin ang="5400000" scaled="0"/>
-                  <a:tileRect/>
-                </a:gradFill>
+            <a:lvl1pPr marL="0" indent="0" algn="r">
+              <a:buNone/>
+              <a:defRPr>
+                <a:solidFill>
+                  <a:schemeClr val="tx1">
+                    <a:lumMod val="50000"/>
+                    <a:lumOff val="50000"/>
+                  </a:schemeClr>
+                </a:solidFill>
               </a:defRPr>
             </a:lvl1pPr>
             <a:lvl2pPr marL="457200" indent="0" algn="ctr">
@@ -387,7 +894,7 @@
     </p:spTree>
     <p:extLst>
       <p:ext uri="{BB962C8B-B14F-4D97-AF65-F5344CB8AC3E}">
-        <p14:creationId xmlns:p14="http://schemas.microsoft.com/office/powerpoint/2010/main" val="1355845252"/>
+        <p14:creationId xmlns:p14="http://schemas.microsoft.com/office/powerpoint/2010/main" val="2539772685"/>
       </p:ext>
     </p:extLst>
   </p:cSld>
@@ -398,297 +905,6 @@
 </file>
 
 <file path=ppt/slideLayouts/slideLayout10.xml><?xml version="1.0" encoding="utf-8"?>
-<p:sldLayout xmlns:a="http://schemas.openxmlformats.org/drawingml/2006/main" xmlns:r="http://schemas.openxmlformats.org/officeDocument/2006/relationships" xmlns:p="http://schemas.openxmlformats.org/presentationml/2006/main" preserve="1">
-  <p:cSld name="Panoramic Picture with Caption">
-    <p:spTree>
-      <p:nvGrpSpPr>
-        <p:cNvPr id="1" name=""/>
-        <p:cNvGrpSpPr/>
-        <p:nvPr/>
-      </p:nvGrpSpPr>
-      <p:grpSpPr>
-        <a:xfrm>
-          <a:off x="0" y="0"/>
-          <a:ext cx="0" cy="0"/>
-          <a:chOff x="0" y="0"/>
-          <a:chExt cx="0" cy="0"/>
-        </a:xfrm>
-      </p:grpSpPr>
-      <p:sp>
-        <p:nvSpPr>
-          <p:cNvPr id="2" name="Title 1"/>
-          <p:cNvSpPr>
-            <a:spLocks noGrp="1"/>
-          </p:cNvSpPr>
-          <p:nvPr>
-            <p:ph type="title"/>
-          </p:nvPr>
-        </p:nvSpPr>
-        <p:spPr>
-          <a:xfrm>
-            <a:off x="1141413" y="4732865"/>
-            <a:ext cx="9906000" cy="566738"/>
-          </a:xfrm>
-        </p:spPr>
-        <p:txBody>
-          <a:bodyPr anchor="b">
-            <a:normAutofit/>
-          </a:bodyPr>
-          <a:lstStyle>
-            <a:lvl1pPr algn="l">
-              <a:defRPr sz="2400" b="0"/>
-            </a:lvl1pPr>
-          </a:lstStyle>
-          <a:p>
-            <a:r>
-              <a:rPr lang="en-US"/>
-              <a:t>Click to edit Master title style</a:t>
-            </a:r>
-            <a:endParaRPr lang="en-US" dirty="0"/>
-          </a:p>
-        </p:txBody>
-      </p:sp>
-      <p:sp>
-        <p:nvSpPr>
-          <p:cNvPr id="3" name="Picture Placeholder 2"/>
-          <p:cNvSpPr>
-            <a:spLocks noGrp="1" noChangeAspect="1"/>
-          </p:cNvSpPr>
-          <p:nvPr>
-            <p:ph type="pic" idx="1"/>
-          </p:nvPr>
-        </p:nvSpPr>
-        <p:spPr>
-          <a:xfrm>
-            <a:off x="1979612" y="932112"/>
-            <a:ext cx="8225944" cy="3164976"/>
-          </a:xfrm>
-          <a:prstGeom prst="roundRect">
-            <a:avLst>
-              <a:gd name="adj" fmla="val 4380"/>
-            </a:avLst>
-          </a:prstGeom>
-          <a:ln w="38100">
-            <a:gradFill flip="none" rotWithShape="1">
-              <a:gsLst>
-                <a:gs pos="0">
-                  <a:schemeClr val="bg2"/>
-                </a:gs>
-                <a:gs pos="100000">
-                  <a:schemeClr val="bg2">
-                    <a:lumMod val="75000"/>
-                  </a:schemeClr>
-                </a:gs>
-              </a:gsLst>
-              <a:lin ang="5400000" scaled="0"/>
-              <a:tileRect/>
-            </a:gradFill>
-          </a:ln>
-          <a:effectLst>
-            <a:innerShdw blurRad="57150" dist="38100" dir="14460000">
-              <a:srgbClr val="000000">
-                <a:alpha val="70000"/>
-              </a:srgbClr>
-            </a:innerShdw>
-          </a:effectLst>
-        </p:spPr>
-        <p:txBody>
-          <a:bodyPr anchor="t">
-            <a:normAutofit/>
-          </a:bodyPr>
-          <a:lstStyle>
-            <a:lvl1pPr marL="0" indent="0" algn="ctr">
-              <a:buNone/>
-              <a:defRPr sz="1600"/>
-            </a:lvl1pPr>
-            <a:lvl2pPr marL="457200" indent="0">
-              <a:buNone/>
-              <a:defRPr sz="1600"/>
-            </a:lvl2pPr>
-            <a:lvl3pPr marL="914400" indent="0">
-              <a:buNone/>
-              <a:defRPr sz="1600"/>
-            </a:lvl3pPr>
-            <a:lvl4pPr marL="1371600" indent="0">
-              <a:buNone/>
-              <a:defRPr sz="1600"/>
-            </a:lvl4pPr>
-            <a:lvl5pPr marL="1828800" indent="0">
-              <a:buNone/>
-              <a:defRPr sz="1600"/>
-            </a:lvl5pPr>
-            <a:lvl6pPr marL="2286000" indent="0">
-              <a:buNone/>
-              <a:defRPr sz="1600"/>
-            </a:lvl6pPr>
-            <a:lvl7pPr marL="2743200" indent="0">
-              <a:buNone/>
-              <a:defRPr sz="1600"/>
-            </a:lvl7pPr>
-            <a:lvl8pPr marL="3200400" indent="0">
-              <a:buNone/>
-              <a:defRPr sz="1600"/>
-            </a:lvl8pPr>
-            <a:lvl9pPr marL="3657600" indent="0">
-              <a:buNone/>
-              <a:defRPr sz="1600"/>
-            </a:lvl9pPr>
-          </a:lstStyle>
-          <a:p>
-            <a:r>
-              <a:rPr lang="en-US"/>
-              <a:t>Click icon to add picture</a:t>
-            </a:r>
-            <a:endParaRPr lang="en-US" dirty="0"/>
-          </a:p>
-        </p:txBody>
-      </p:sp>
-      <p:sp>
-        <p:nvSpPr>
-          <p:cNvPr id="4" name="Text Placeholder 3"/>
-          <p:cNvSpPr>
-            <a:spLocks noGrp="1"/>
-          </p:cNvSpPr>
-          <p:nvPr>
-            <p:ph type="body" sz="half" idx="2"/>
-          </p:nvPr>
-        </p:nvSpPr>
-        <p:spPr>
-          <a:xfrm>
-            <a:off x="1141413" y="5299603"/>
-            <a:ext cx="9906000" cy="493712"/>
-          </a:xfrm>
-        </p:spPr>
-        <p:txBody>
-          <a:bodyPr>
-            <a:normAutofit/>
-          </a:bodyPr>
-          <a:lstStyle>
-            <a:lvl1pPr marL="0" indent="0">
-              <a:buNone/>
-              <a:defRPr sz="1400"/>
-            </a:lvl1pPr>
-            <a:lvl2pPr marL="457200" indent="0">
-              <a:buNone/>
-              <a:defRPr sz="1200"/>
-            </a:lvl2pPr>
-            <a:lvl3pPr marL="914400" indent="0">
-              <a:buNone/>
-              <a:defRPr sz="1000"/>
-            </a:lvl3pPr>
-            <a:lvl4pPr marL="1371600" indent="0">
-              <a:buNone/>
-              <a:defRPr sz="900"/>
-            </a:lvl4pPr>
-            <a:lvl5pPr marL="1828800" indent="0">
-              <a:buNone/>
-              <a:defRPr sz="900"/>
-            </a:lvl5pPr>
-            <a:lvl6pPr marL="2286000" indent="0">
-              <a:buNone/>
-              <a:defRPr sz="900"/>
-            </a:lvl6pPr>
-            <a:lvl7pPr marL="2743200" indent="0">
-              <a:buNone/>
-              <a:defRPr sz="900"/>
-            </a:lvl7pPr>
-            <a:lvl8pPr marL="3200400" indent="0">
-              <a:buNone/>
-              <a:defRPr sz="900"/>
-            </a:lvl8pPr>
-            <a:lvl9pPr marL="3657600" indent="0">
-              <a:buNone/>
-              <a:defRPr sz="900"/>
-            </a:lvl9pPr>
-          </a:lstStyle>
-          <a:p>
-            <a:pPr lvl="0"/>
-            <a:r>
-              <a:rPr lang="en-US"/>
-              <a:t>Click to edit Master text styles</a:t>
-            </a:r>
-          </a:p>
-        </p:txBody>
-      </p:sp>
-      <p:sp>
-        <p:nvSpPr>
-          <p:cNvPr id="5" name="Date Placeholder 4"/>
-          <p:cNvSpPr>
-            <a:spLocks noGrp="1"/>
-          </p:cNvSpPr>
-          <p:nvPr>
-            <p:ph type="dt" sz="half" idx="10"/>
-          </p:nvPr>
-        </p:nvSpPr>
-        <p:spPr/>
-        <p:txBody>
-          <a:bodyPr/>
-          <a:lstStyle/>
-          <a:p>
-            <a:fld id="{874FFE33-465F-4E9E-89CE-5F79E84B8B4B}" type="datetimeFigureOut">
-              <a:rPr lang="en-IN" smtClean="0"/>
-              <a:t>28-02-2025</a:t>
-            </a:fld>
-            <a:endParaRPr lang="en-IN"/>
-          </a:p>
-        </p:txBody>
-      </p:sp>
-      <p:sp>
-        <p:nvSpPr>
-          <p:cNvPr id="6" name="Footer Placeholder 5"/>
-          <p:cNvSpPr>
-            <a:spLocks noGrp="1"/>
-          </p:cNvSpPr>
-          <p:nvPr>
-            <p:ph type="ftr" sz="quarter" idx="11"/>
-          </p:nvPr>
-        </p:nvSpPr>
-        <p:spPr/>
-        <p:txBody>
-          <a:bodyPr/>
-          <a:lstStyle/>
-          <a:p>
-            <a:endParaRPr lang="en-IN"/>
-          </a:p>
-        </p:txBody>
-      </p:sp>
-      <p:sp>
-        <p:nvSpPr>
-          <p:cNvPr id="7" name="Slide Number Placeholder 6"/>
-          <p:cNvSpPr>
-            <a:spLocks noGrp="1"/>
-          </p:cNvSpPr>
-          <p:nvPr>
-            <p:ph type="sldNum" sz="quarter" idx="12"/>
-          </p:nvPr>
-        </p:nvSpPr>
-        <p:spPr/>
-        <p:txBody>
-          <a:bodyPr/>
-          <a:lstStyle/>
-          <a:p>
-            <a:fld id="{54BE194E-5C1C-4569-9491-10264D79D787}" type="slidenum">
-              <a:rPr lang="en-IN" smtClean="0"/>
-              <a:t>‹#›</a:t>
-            </a:fld>
-            <a:endParaRPr lang="en-IN"/>
-          </a:p>
-        </p:txBody>
-      </p:sp>
-    </p:spTree>
-    <p:extLst>
-      <p:ext uri="{BB962C8B-B14F-4D97-AF65-F5344CB8AC3E}">
-        <p14:creationId xmlns:p14="http://schemas.microsoft.com/office/powerpoint/2010/main" val="2693340215"/>
-      </p:ext>
-    </p:extLst>
-  </p:cSld>
-  <p:clrMapOvr>
-    <a:masterClrMapping/>
-  </p:clrMapOvr>
-</p:sldLayout>
-</file>
-
-<file path=ppt/slideLayouts/slideLayout11.xml><?xml version="1.0" encoding="utf-8"?>
 <p:sldLayout xmlns:a="http://schemas.openxmlformats.org/drawingml/2006/main" xmlns:r="http://schemas.openxmlformats.org/officeDocument/2006/relationships" xmlns:p="http://schemas.openxmlformats.org/presentationml/2006/main" preserve="1">
   <p:cSld name="Title and Caption">
     <p:spTree>
@@ -717,8 +933,8 @@
         </p:nvSpPr>
         <p:spPr>
           <a:xfrm>
-            <a:off x="1141412" y="609601"/>
-            <a:ext cx="9905999" cy="3124199"/>
+            <a:off x="677335" y="609600"/>
+            <a:ext cx="8596668" cy="3403600"/>
           </a:xfrm>
         </p:spPr>
         <p:txBody>
@@ -727,7 +943,7 @@
           </a:bodyPr>
           <a:lstStyle>
             <a:lvl1pPr algn="l">
-              <a:defRPr sz="3200" b="0" cap="all"/>
+              <a:defRPr sz="4400" b="0" cap="none"/>
             </a:lvl1pPr>
           </a:lstStyle>
           <a:p>
@@ -751,8 +967,8 @@
         </p:nvSpPr>
         <p:spPr>
           <a:xfrm>
-            <a:off x="1141411" y="4343400"/>
-            <a:ext cx="9906000" cy="1447800"/>
+            <a:off x="677335" y="4470400"/>
+            <a:ext cx="8596668" cy="1570962"/>
           </a:xfrm>
         </p:spPr>
         <p:txBody>
@@ -762,21 +978,13 @@
           <a:lstStyle>
             <a:lvl1pPr marL="0" indent="0" algn="l">
               <a:buNone/>
-              <a:defRPr sz="2000">
-                <a:gradFill flip="none" rotWithShape="1">
-                  <a:gsLst>
-                    <a:gs pos="0">
-                      <a:schemeClr val="tx1"/>
-                    </a:gs>
-                    <a:gs pos="100000">
-                      <a:schemeClr val="tx1">
-                        <a:lumMod val="75000"/>
-                      </a:schemeClr>
-                    </a:gs>
-                  </a:gsLst>
-                  <a:lin ang="5400000" scaled="0"/>
-                  <a:tileRect/>
-                </a:gradFill>
+              <a:defRPr sz="1800">
+                <a:solidFill>
+                  <a:schemeClr val="tx1">
+                    <a:lumMod val="75000"/>
+                    <a:lumOff val="25000"/>
+                  </a:schemeClr>
+                </a:solidFill>
               </a:defRPr>
             </a:lvl1pPr>
             <a:lvl2pPr marL="457200" indent="0">
@@ -937,7 +1145,7 @@
     </p:spTree>
     <p:extLst>
       <p:ext uri="{BB962C8B-B14F-4D97-AF65-F5344CB8AC3E}">
-        <p14:creationId xmlns:p14="http://schemas.microsoft.com/office/powerpoint/2010/main" val="1343636869"/>
+        <p14:creationId xmlns:p14="http://schemas.microsoft.com/office/powerpoint/2010/main" val="594993472"/>
       </p:ext>
     </p:extLst>
   </p:cSld>
@@ -947,7 +1155,7 @@
 </p:sldLayout>
 </file>
 
-<file path=ppt/slideLayouts/slideLayout12.xml><?xml version="1.0" encoding="utf-8"?>
+<file path=ppt/slideLayouts/slideLayout11.xml><?xml version="1.0" encoding="utf-8"?>
 <p:sldLayout xmlns:a="http://schemas.openxmlformats.org/drawingml/2006/main" xmlns:r="http://schemas.openxmlformats.org/officeDocument/2006/relationships" xmlns:p="http://schemas.openxmlformats.org/presentationml/2006/main" preserve="1">
   <p:cSld name="Quote with Caption">
     <p:spTree>
@@ -966,13 +1174,297 @@
       </p:grpSpPr>
       <p:sp>
         <p:nvSpPr>
-          <p:cNvPr id="14" name="TextBox 13"/>
+          <p:cNvPr id="2" name="Title 1"/>
+          <p:cNvSpPr>
+            <a:spLocks noGrp="1"/>
+          </p:cNvSpPr>
+          <p:nvPr>
+            <p:ph type="title"/>
+          </p:nvPr>
+        </p:nvSpPr>
+        <p:spPr>
+          <a:xfrm>
+            <a:off x="931334" y="609600"/>
+            <a:ext cx="8094134" cy="3022600"/>
+          </a:xfrm>
+        </p:spPr>
+        <p:txBody>
+          <a:bodyPr anchor="ctr">
+            <a:normAutofit/>
+          </a:bodyPr>
+          <a:lstStyle>
+            <a:lvl1pPr algn="l">
+              <a:defRPr sz="4400" b="0" cap="none"/>
+            </a:lvl1pPr>
+          </a:lstStyle>
+          <a:p>
+            <a:r>
+              <a:rPr lang="en-US"/>
+              <a:t>Click to edit Master title style</a:t>
+            </a:r>
+            <a:endParaRPr lang="en-US" dirty="0"/>
+          </a:p>
+        </p:txBody>
+      </p:sp>
+      <p:sp>
+        <p:nvSpPr>
+          <p:cNvPr id="23" name="Text Placeholder 9"/>
+          <p:cNvSpPr>
+            <a:spLocks noGrp="1"/>
+          </p:cNvSpPr>
+          <p:nvPr>
+            <p:ph type="body" sz="quarter" idx="13"/>
+          </p:nvPr>
+        </p:nvSpPr>
+        <p:spPr>
+          <a:xfrm>
+            <a:off x="1366139" y="3632200"/>
+            <a:ext cx="7224524" cy="381000"/>
+          </a:xfrm>
+        </p:spPr>
+        <p:txBody>
+          <a:bodyPr anchor="ctr">
+            <a:noAutofit/>
+          </a:bodyPr>
+          <a:lstStyle>
+            <a:lvl1pPr marL="0" indent="0">
+              <a:buFontTx/>
+              <a:buNone/>
+              <a:defRPr sz="1600">
+                <a:solidFill>
+                  <a:schemeClr val="tx1">
+                    <a:lumMod val="50000"/>
+                    <a:lumOff val="50000"/>
+                  </a:schemeClr>
+                </a:solidFill>
+              </a:defRPr>
+            </a:lvl1pPr>
+            <a:lvl2pPr marL="457200" indent="0">
+              <a:buFontTx/>
+              <a:buNone/>
+              <a:defRPr/>
+            </a:lvl2pPr>
+            <a:lvl3pPr marL="914400" indent="0">
+              <a:buFontTx/>
+              <a:buNone/>
+              <a:defRPr/>
+            </a:lvl3pPr>
+            <a:lvl4pPr marL="1371600" indent="0">
+              <a:buFontTx/>
+              <a:buNone/>
+              <a:defRPr/>
+            </a:lvl4pPr>
+            <a:lvl5pPr marL="1828800" indent="0">
+              <a:buFontTx/>
+              <a:buNone/>
+              <a:defRPr/>
+            </a:lvl5pPr>
+          </a:lstStyle>
+          <a:p>
+            <a:pPr lvl="0"/>
+            <a:r>
+              <a:rPr lang="en-US"/>
+              <a:t>Click to edit Master text styles</a:t>
+            </a:r>
+          </a:p>
+        </p:txBody>
+      </p:sp>
+      <p:sp>
+        <p:nvSpPr>
+          <p:cNvPr id="3" name="Text Placeholder 2"/>
+          <p:cNvSpPr>
+            <a:spLocks noGrp="1"/>
+          </p:cNvSpPr>
+          <p:nvPr>
+            <p:ph type="body" idx="1"/>
+          </p:nvPr>
+        </p:nvSpPr>
+        <p:spPr>
+          <a:xfrm>
+            <a:off x="677335" y="4470400"/>
+            <a:ext cx="8596668" cy="1570962"/>
+          </a:xfrm>
+        </p:spPr>
+        <p:txBody>
+          <a:bodyPr anchor="ctr">
+            <a:normAutofit/>
+          </a:bodyPr>
+          <a:lstStyle>
+            <a:lvl1pPr marL="0" indent="0" algn="l">
+              <a:buNone/>
+              <a:defRPr sz="1800">
+                <a:solidFill>
+                  <a:schemeClr val="tx1">
+                    <a:lumMod val="75000"/>
+                    <a:lumOff val="25000"/>
+                  </a:schemeClr>
+                </a:solidFill>
+              </a:defRPr>
+            </a:lvl1pPr>
+            <a:lvl2pPr marL="457200" indent="0">
+              <a:buNone/>
+              <a:defRPr sz="1800">
+                <a:solidFill>
+                  <a:schemeClr val="tx1">
+                    <a:tint val="75000"/>
+                  </a:schemeClr>
+                </a:solidFill>
+              </a:defRPr>
+            </a:lvl2pPr>
+            <a:lvl3pPr marL="914400" indent="0">
+              <a:buNone/>
+              <a:defRPr sz="1600">
+                <a:solidFill>
+                  <a:schemeClr val="tx1">
+                    <a:tint val="75000"/>
+                  </a:schemeClr>
+                </a:solidFill>
+              </a:defRPr>
+            </a:lvl3pPr>
+            <a:lvl4pPr marL="1371600" indent="0">
+              <a:buNone/>
+              <a:defRPr sz="1400">
+                <a:solidFill>
+                  <a:schemeClr val="tx1">
+                    <a:tint val="75000"/>
+                  </a:schemeClr>
+                </a:solidFill>
+              </a:defRPr>
+            </a:lvl4pPr>
+            <a:lvl5pPr marL="1828800" indent="0">
+              <a:buNone/>
+              <a:defRPr sz="1400">
+                <a:solidFill>
+                  <a:schemeClr val="tx1">
+                    <a:tint val="75000"/>
+                  </a:schemeClr>
+                </a:solidFill>
+              </a:defRPr>
+            </a:lvl5pPr>
+            <a:lvl6pPr marL="2286000" indent="0">
+              <a:buNone/>
+              <a:defRPr sz="1400">
+                <a:solidFill>
+                  <a:schemeClr val="tx1">
+                    <a:tint val="75000"/>
+                  </a:schemeClr>
+                </a:solidFill>
+              </a:defRPr>
+            </a:lvl6pPr>
+            <a:lvl7pPr marL="2743200" indent="0">
+              <a:buNone/>
+              <a:defRPr sz="1400">
+                <a:solidFill>
+                  <a:schemeClr val="tx1">
+                    <a:tint val="75000"/>
+                  </a:schemeClr>
+                </a:solidFill>
+              </a:defRPr>
+            </a:lvl7pPr>
+            <a:lvl8pPr marL="3200400" indent="0">
+              <a:buNone/>
+              <a:defRPr sz="1400">
+                <a:solidFill>
+                  <a:schemeClr val="tx1">
+                    <a:tint val="75000"/>
+                  </a:schemeClr>
+                </a:solidFill>
+              </a:defRPr>
+            </a:lvl8pPr>
+            <a:lvl9pPr marL="3657600" indent="0">
+              <a:buNone/>
+              <a:defRPr sz="1400">
+                <a:solidFill>
+                  <a:schemeClr val="tx1">
+                    <a:tint val="75000"/>
+                  </a:schemeClr>
+                </a:solidFill>
+              </a:defRPr>
+            </a:lvl9pPr>
+          </a:lstStyle>
+          <a:p>
+            <a:pPr lvl="0"/>
+            <a:r>
+              <a:rPr lang="en-US"/>
+              <a:t>Click to edit Master text styles</a:t>
+            </a:r>
+          </a:p>
+        </p:txBody>
+      </p:sp>
+      <p:sp>
+        <p:nvSpPr>
+          <p:cNvPr id="4" name="Date Placeholder 3"/>
+          <p:cNvSpPr>
+            <a:spLocks noGrp="1"/>
+          </p:cNvSpPr>
+          <p:nvPr>
+            <p:ph type="dt" sz="half" idx="10"/>
+          </p:nvPr>
+        </p:nvSpPr>
+        <p:spPr/>
+        <p:txBody>
+          <a:bodyPr/>
+          <a:lstStyle/>
+          <a:p>
+            <a:fld id="{874FFE33-465F-4E9E-89CE-5F79E84B8B4B}" type="datetimeFigureOut">
+              <a:rPr lang="en-IN" smtClean="0"/>
+              <a:t>28-02-2025</a:t>
+            </a:fld>
+            <a:endParaRPr lang="en-IN"/>
+          </a:p>
+        </p:txBody>
+      </p:sp>
+      <p:sp>
+        <p:nvSpPr>
+          <p:cNvPr id="5" name="Footer Placeholder 4"/>
+          <p:cNvSpPr>
+            <a:spLocks noGrp="1"/>
+          </p:cNvSpPr>
+          <p:nvPr>
+            <p:ph type="ftr" sz="quarter" idx="11"/>
+          </p:nvPr>
+        </p:nvSpPr>
+        <p:spPr/>
+        <p:txBody>
+          <a:bodyPr/>
+          <a:lstStyle/>
+          <a:p>
+            <a:endParaRPr lang="en-IN"/>
+          </a:p>
+        </p:txBody>
+      </p:sp>
+      <p:sp>
+        <p:nvSpPr>
+          <p:cNvPr id="6" name="Slide Number Placeholder 5"/>
+          <p:cNvSpPr>
+            <a:spLocks noGrp="1"/>
+          </p:cNvSpPr>
+          <p:nvPr>
+            <p:ph type="sldNum" sz="quarter" idx="12"/>
+          </p:nvPr>
+        </p:nvSpPr>
+        <p:spPr/>
+        <p:txBody>
+          <a:bodyPr/>
+          <a:lstStyle/>
+          <a:p>
+            <a:fld id="{54BE194E-5C1C-4569-9491-10264D79D787}" type="slidenum">
+              <a:rPr lang="en-IN" smtClean="0"/>
+              <a:t>‹#›</a:t>
+            </a:fld>
+            <a:endParaRPr lang="en-IN"/>
+          </a:p>
+        </p:txBody>
+      </p:sp>
+      <p:sp>
+        <p:nvSpPr>
+          <p:cNvPr id="20" name="TextBox 19"/>
           <p:cNvSpPr txBox="1"/>
           <p:nvPr/>
         </p:nvSpPr>
         <p:spPr>
           <a:xfrm>
-            <a:off x="836612" y="786824"/>
+            <a:off x="541870" y="790378"/>
             <a:ext cx="609600" cy="584776"/>
           </a:xfrm>
           <a:prstGeom prst="rect">
@@ -983,96 +1475,22 @@
           <a:bodyPr vert="horz" lIns="91440" tIns="45720" rIns="91440" bIns="45720" rtlCol="0" anchor="ctr">
             <a:noAutofit/>
           </a:bodyPr>
-          <a:lstStyle>
-            <a:lvl1pPr>
-              <a:spcBef>
-                <a:spcPct val="0"/>
-              </a:spcBef>
-              <a:buNone/>
-              <a:defRPr sz="3200" b="0" cap="all">
+          <a:lstStyle/>
+          <a:p>
+            <a:pPr lvl="0"/>
+            <a:r>
+              <a:rPr lang="en-US" sz="8000" baseline="0" dirty="0">
                 <a:ln w="3175" cmpd="sng">
                   <a:noFill/>
                 </a:ln>
-                <a:effectLst>
-                  <a:glow rad="38100">
-                    <a:schemeClr val="bg1">
-                      <a:lumMod val="65000"/>
-                      <a:lumOff val="35000"/>
-                      <a:alpha val="40000"/>
-                    </a:schemeClr>
-                  </a:glow>
-                  <a:outerShdw blurRad="28575" dist="38100" dir="14040000" algn="tl" rotWithShape="0">
-                    <a:srgbClr val="000000">
-                      <a:alpha val="25000"/>
-                    </a:srgbClr>
-                  </a:outerShdw>
-                </a:effectLst>
-              </a:defRPr>
-            </a:lvl1pPr>
-            <a:lvl2pPr>
-              <a:defRPr>
-                <a:solidFill>
-                  <a:schemeClr val="tx2"/>
-                </a:solidFill>
-              </a:defRPr>
-            </a:lvl2pPr>
-            <a:lvl3pPr>
-              <a:defRPr>
-                <a:solidFill>
-                  <a:schemeClr val="tx2"/>
-                </a:solidFill>
-              </a:defRPr>
-            </a:lvl3pPr>
-            <a:lvl4pPr>
-              <a:defRPr>
-                <a:solidFill>
-                  <a:schemeClr val="tx2"/>
-                </a:solidFill>
-              </a:defRPr>
-            </a:lvl4pPr>
-            <a:lvl5pPr>
-              <a:defRPr>
-                <a:solidFill>
-                  <a:schemeClr val="tx2"/>
-                </a:solidFill>
-              </a:defRPr>
-            </a:lvl5pPr>
-            <a:lvl6pPr>
-              <a:defRPr>
-                <a:solidFill>
-                  <a:schemeClr val="tx2"/>
-                </a:solidFill>
-              </a:defRPr>
-            </a:lvl6pPr>
-            <a:lvl7pPr>
-              <a:defRPr>
-                <a:solidFill>
-                  <a:schemeClr val="tx2"/>
-                </a:solidFill>
-              </a:defRPr>
-            </a:lvl7pPr>
-            <a:lvl8pPr>
-              <a:defRPr>
-                <a:solidFill>
-                  <a:schemeClr val="tx2"/>
-                </a:solidFill>
-              </a:defRPr>
-            </a:lvl8pPr>
-            <a:lvl9pPr>
-              <a:defRPr>
-                <a:solidFill>
-                  <a:schemeClr val="tx2"/>
-                </a:solidFill>
-              </a:defRPr>
-            </a:lvl9pPr>
-          </a:lstStyle>
-          <a:p>
-            <a:pPr lvl="0"/>
-            <a:r>
-              <a:rPr lang="en-US" sz="8000" dirty="0">
-                <a:solidFill>
-                  <a:schemeClr val="accent1"/>
-                </a:solidFill>
+                <a:solidFill>
+                  <a:schemeClr val="accent1">
+                    <a:lumMod val="60000"/>
+                    <a:lumOff val="40000"/>
+                  </a:schemeClr>
+                </a:solidFill>
+                <a:effectLst/>
+                <a:latin typeface="Arial"/>
               </a:rPr>
               <a:t>“</a:t>
             </a:r>
@@ -1081,13 +1499,13 @@
       </p:sp>
       <p:sp>
         <p:nvSpPr>
-          <p:cNvPr id="15" name="TextBox 14"/>
+          <p:cNvPr id="22" name="TextBox 21"/>
           <p:cNvSpPr txBox="1"/>
           <p:nvPr/>
         </p:nvSpPr>
         <p:spPr>
           <a:xfrm>
-            <a:off x="10437812" y="2743200"/>
+            <a:off x="8893011" y="2886556"/>
             <a:ext cx="609600" cy="584776"/>
           </a:xfrm>
           <a:prstGeom prst="rect">
@@ -1098,315 +1516,40 @@
           <a:bodyPr vert="horz" lIns="91440" tIns="45720" rIns="91440" bIns="45720" rtlCol="0" anchor="ctr">
             <a:noAutofit/>
           </a:bodyPr>
-          <a:lstStyle>
-            <a:lvl1pPr>
-              <a:spcBef>
-                <a:spcPct val="0"/>
-              </a:spcBef>
-              <a:buNone/>
-              <a:defRPr sz="3200" b="0" cap="all">
+          <a:lstStyle/>
+          <a:p>
+            <a:pPr lvl="0"/>
+            <a:r>
+              <a:rPr lang="en-US" sz="8000" baseline="0" dirty="0">
                 <a:ln w="3175" cmpd="sng">
                   <a:noFill/>
                 </a:ln>
-                <a:effectLst>
-                  <a:glow rad="38100">
-                    <a:schemeClr val="bg1">
-                      <a:lumMod val="65000"/>
-                      <a:lumOff val="35000"/>
-                      <a:alpha val="40000"/>
-                    </a:schemeClr>
-                  </a:glow>
-                  <a:outerShdw blurRad="28575" dist="38100" dir="14040000" algn="tl" rotWithShape="0">
-                    <a:srgbClr val="000000">
-                      <a:alpha val="25000"/>
-                    </a:srgbClr>
-                  </a:outerShdw>
-                </a:effectLst>
-              </a:defRPr>
-            </a:lvl1pPr>
-            <a:lvl2pPr>
-              <a:defRPr>
-                <a:solidFill>
-                  <a:schemeClr val="tx2"/>
-                </a:solidFill>
-              </a:defRPr>
-            </a:lvl2pPr>
-            <a:lvl3pPr>
-              <a:defRPr>
-                <a:solidFill>
-                  <a:schemeClr val="tx2"/>
-                </a:solidFill>
-              </a:defRPr>
-            </a:lvl3pPr>
-            <a:lvl4pPr>
-              <a:defRPr>
-                <a:solidFill>
-                  <a:schemeClr val="tx2"/>
-                </a:solidFill>
-              </a:defRPr>
-            </a:lvl4pPr>
-            <a:lvl5pPr>
-              <a:defRPr>
-                <a:solidFill>
-                  <a:schemeClr val="tx2"/>
-                </a:solidFill>
-              </a:defRPr>
-            </a:lvl5pPr>
-            <a:lvl6pPr>
-              <a:defRPr>
-                <a:solidFill>
-                  <a:schemeClr val="tx2"/>
-                </a:solidFill>
-              </a:defRPr>
-            </a:lvl6pPr>
-            <a:lvl7pPr>
-              <a:defRPr>
-                <a:solidFill>
-                  <a:schemeClr val="tx2"/>
-                </a:solidFill>
-              </a:defRPr>
-            </a:lvl7pPr>
-            <a:lvl8pPr>
-              <a:defRPr>
-                <a:solidFill>
-                  <a:schemeClr val="tx2"/>
-                </a:solidFill>
-              </a:defRPr>
-            </a:lvl8pPr>
-            <a:lvl9pPr>
-              <a:defRPr>
-                <a:solidFill>
-                  <a:schemeClr val="tx2"/>
-                </a:solidFill>
-              </a:defRPr>
-            </a:lvl9pPr>
-          </a:lstStyle>
-          <a:p>
-            <a:pPr lvl="0" algn="r"/>
-            <a:r>
-              <a:rPr lang="en-US" sz="8000" dirty="0">
-                <a:solidFill>
-                  <a:schemeClr val="accent1"/>
-                </a:solidFill>
+                <a:solidFill>
+                  <a:schemeClr val="accent1">
+                    <a:lumMod val="60000"/>
+                    <a:lumOff val="40000"/>
+                  </a:schemeClr>
+                </a:solidFill>
+                <a:latin typeface="Arial"/>
               </a:rPr>
               <a:t>”</a:t>
             </a:r>
-          </a:p>
-        </p:txBody>
-      </p:sp>
-      <p:sp>
-        <p:nvSpPr>
-          <p:cNvPr id="2" name="Title 1"/>
-          <p:cNvSpPr>
-            <a:spLocks noGrp="1"/>
-          </p:cNvSpPr>
-          <p:nvPr>
-            <p:ph type="title"/>
-          </p:nvPr>
-        </p:nvSpPr>
-        <p:spPr>
-          <a:xfrm>
-            <a:off x="1446213" y="609601"/>
-            <a:ext cx="9296398" cy="2743199"/>
-          </a:xfrm>
-        </p:spPr>
-        <p:txBody>
-          <a:bodyPr anchor="ctr">
-            <a:normAutofit/>
-          </a:bodyPr>
-          <a:lstStyle>
-            <a:lvl1pPr algn="l">
-              <a:defRPr sz="3200" b="0" cap="all">
-                <a:solidFill>
-                  <a:schemeClr val="tx1"/>
-                </a:solidFill>
-              </a:defRPr>
-            </a:lvl1pPr>
-          </a:lstStyle>
-          <a:p>
-            <a:r>
-              <a:rPr lang="en-US"/>
-              <a:t>Click to edit Master title style</a:t>
-            </a:r>
-            <a:endParaRPr lang="en-US" dirty="0"/>
-          </a:p>
-        </p:txBody>
-      </p:sp>
-      <p:sp>
-        <p:nvSpPr>
-          <p:cNvPr id="10" name="Text Placeholder 9"/>
-          <p:cNvSpPr>
-            <a:spLocks noGrp="1"/>
-          </p:cNvSpPr>
-          <p:nvPr>
-            <p:ph type="body" sz="quarter" idx="13"/>
-          </p:nvPr>
-        </p:nvSpPr>
-        <p:spPr>
-          <a:xfrm>
-            <a:off x="1674812" y="3352800"/>
-            <a:ext cx="8839202" cy="381000"/>
-          </a:xfrm>
-        </p:spPr>
-        <p:txBody>
-          <a:bodyPr anchor="ctr"/>
-          <a:lstStyle>
-            <a:lvl1pPr marL="0" indent="0">
-              <a:buFontTx/>
-              <a:buNone/>
-              <a:defRPr/>
-            </a:lvl1pPr>
-            <a:lvl2pPr marL="457200" indent="0">
-              <a:buFontTx/>
-              <a:buNone/>
-              <a:defRPr/>
-            </a:lvl2pPr>
-            <a:lvl3pPr marL="914400" indent="0">
-              <a:buFontTx/>
-              <a:buNone/>
-              <a:defRPr/>
-            </a:lvl3pPr>
-            <a:lvl4pPr marL="1371600" indent="0">
-              <a:buFontTx/>
-              <a:buNone/>
-              <a:defRPr/>
-            </a:lvl4pPr>
-            <a:lvl5pPr marL="1828800" indent="0">
-              <a:buFontTx/>
-              <a:buNone/>
-              <a:defRPr/>
-            </a:lvl5pPr>
-          </a:lstStyle>
-          <a:p>
-            <a:pPr lvl="0"/>
-            <a:r>
-              <a:rPr lang="en-US"/>
-              <a:t>Click to edit Master text styles</a:t>
-            </a:r>
-          </a:p>
-        </p:txBody>
-      </p:sp>
-      <p:sp>
-        <p:nvSpPr>
-          <p:cNvPr id="3" name="Text Placeholder 2"/>
-          <p:cNvSpPr>
-            <a:spLocks noGrp="1"/>
-          </p:cNvSpPr>
-          <p:nvPr>
-            <p:ph type="body" idx="1"/>
-          </p:nvPr>
-        </p:nvSpPr>
-        <p:spPr>
-          <a:xfrm>
-            <a:off x="1141411" y="4343400"/>
-            <a:ext cx="9906000" cy="1447800"/>
-          </a:xfrm>
-        </p:spPr>
-        <p:txBody>
-          <a:bodyPr vert="horz" lIns="91440" tIns="45720" rIns="91440" bIns="45720" rtlCol="0" anchor="ctr">
-            <a:normAutofit/>
-          </a:bodyPr>
-          <a:lstStyle>
-            <a:lvl1pPr>
-              <a:buNone/>
-              <a:defRPr lang="en-US" sz="2000">
-                <a:gradFill flip="none" rotWithShape="1">
-                  <a:gsLst>
-                    <a:gs pos="0">
-                      <a:schemeClr val="tx1"/>
-                    </a:gs>
-                    <a:gs pos="100000">
-                      <a:schemeClr val="tx1">
-                        <a:lumMod val="75000"/>
-                      </a:schemeClr>
-                    </a:gs>
-                  </a:gsLst>
-                  <a:lin ang="5400000" scaled="0"/>
-                  <a:tileRect/>
-                </a:gradFill>
-              </a:defRPr>
-            </a:lvl1pPr>
-          </a:lstStyle>
-          <a:p>
-            <a:pPr marL="0" lvl="0" indent="0">
-              <a:buNone/>
-            </a:pPr>
-            <a:r>
-              <a:rPr lang="en-US"/>
-              <a:t>Click to edit Master text styles</a:t>
-            </a:r>
-          </a:p>
-        </p:txBody>
-      </p:sp>
-      <p:sp>
-        <p:nvSpPr>
-          <p:cNvPr id="4" name="Date Placeholder 3"/>
-          <p:cNvSpPr>
-            <a:spLocks noGrp="1"/>
-          </p:cNvSpPr>
-          <p:nvPr>
-            <p:ph type="dt" sz="half" idx="10"/>
-          </p:nvPr>
-        </p:nvSpPr>
-        <p:spPr/>
-        <p:txBody>
-          <a:bodyPr/>
-          <a:lstStyle/>
-          <a:p>
-            <a:fld id="{874FFE33-465F-4E9E-89CE-5F79E84B8B4B}" type="datetimeFigureOut">
-              <a:rPr lang="en-IN" smtClean="0"/>
-              <a:t>28-02-2025</a:t>
-            </a:fld>
-            <a:endParaRPr lang="en-IN"/>
-          </a:p>
-        </p:txBody>
-      </p:sp>
-      <p:sp>
-        <p:nvSpPr>
-          <p:cNvPr id="5" name="Footer Placeholder 4"/>
-          <p:cNvSpPr>
-            <a:spLocks noGrp="1"/>
-          </p:cNvSpPr>
-          <p:nvPr>
-            <p:ph type="ftr" sz="quarter" idx="11"/>
-          </p:nvPr>
-        </p:nvSpPr>
-        <p:spPr/>
-        <p:txBody>
-          <a:bodyPr/>
-          <a:lstStyle/>
-          <a:p>
-            <a:endParaRPr lang="en-IN"/>
-          </a:p>
-        </p:txBody>
-      </p:sp>
-      <p:sp>
-        <p:nvSpPr>
-          <p:cNvPr id="6" name="Slide Number Placeholder 5"/>
-          <p:cNvSpPr>
-            <a:spLocks noGrp="1"/>
-          </p:cNvSpPr>
-          <p:nvPr>
-            <p:ph type="sldNum" sz="quarter" idx="12"/>
-          </p:nvPr>
-        </p:nvSpPr>
-        <p:spPr/>
-        <p:txBody>
-          <a:bodyPr/>
-          <a:lstStyle/>
-          <a:p>
-            <a:fld id="{54BE194E-5C1C-4569-9491-10264D79D787}" type="slidenum">
-              <a:rPr lang="en-IN" smtClean="0"/>
-              <a:t>‹#›</a:t>
-            </a:fld>
-            <a:endParaRPr lang="en-IN"/>
+            <a:endParaRPr lang="en-US" dirty="0">
+              <a:solidFill>
+                <a:schemeClr val="accent1">
+                  <a:lumMod val="60000"/>
+                  <a:lumOff val="40000"/>
+                </a:schemeClr>
+              </a:solidFill>
+              <a:latin typeface="Arial"/>
+            </a:endParaRPr>
           </a:p>
         </p:txBody>
       </p:sp>
     </p:spTree>
     <p:extLst>
       <p:ext uri="{BB962C8B-B14F-4D97-AF65-F5344CB8AC3E}">
-        <p14:creationId xmlns:p14="http://schemas.microsoft.com/office/powerpoint/2010/main" val="3631337419"/>
+        <p14:creationId xmlns:p14="http://schemas.microsoft.com/office/powerpoint/2010/main" val="1758881227"/>
       </p:ext>
     </p:extLst>
   </p:cSld>
@@ -1416,7 +1559,7 @@
 </p:sldLayout>
 </file>
 
-<file path=ppt/slideLayouts/slideLayout13.xml><?xml version="1.0" encoding="utf-8"?>
+<file path=ppt/slideLayouts/slideLayout12.xml><?xml version="1.0" encoding="utf-8"?>
 <p:sldLayout xmlns:a="http://schemas.openxmlformats.org/drawingml/2006/main" xmlns:r="http://schemas.openxmlformats.org/officeDocument/2006/relationships" xmlns:p="http://schemas.openxmlformats.org/presentationml/2006/main" preserve="1">
   <p:cSld name="Name Card">
     <p:spTree>
@@ -1445,8 +1588,8 @@
         </p:nvSpPr>
         <p:spPr>
           <a:xfrm>
-            <a:off x="1141412" y="3308581"/>
-            <a:ext cx="9906000" cy="1468800"/>
+            <a:off x="677335" y="1931988"/>
+            <a:ext cx="8596668" cy="2595460"/>
           </a:xfrm>
         </p:spPr>
         <p:txBody>
@@ -1455,7 +1598,7 @@
           </a:bodyPr>
           <a:lstStyle>
             <a:lvl1pPr algn="l">
-              <a:defRPr sz="3200" b="0" cap="all"/>
+              <a:defRPr sz="4400" b="0" cap="none"/>
             </a:lvl1pPr>
           </a:lstStyle>
           <a:p>
@@ -1479,38 +1622,109 @@
         </p:nvSpPr>
         <p:spPr>
           <a:xfrm>
-            <a:off x="1141410" y="4777381"/>
-            <a:ext cx="9906001" cy="860400"/>
+            <a:off x="677335" y="4527448"/>
+            <a:ext cx="8596668" cy="1513914"/>
           </a:xfrm>
         </p:spPr>
         <p:txBody>
-          <a:bodyPr vert="horz" lIns="91440" tIns="45720" rIns="91440" bIns="45720" rtlCol="0" anchor="t">
+          <a:bodyPr anchor="t">
             <a:normAutofit/>
           </a:bodyPr>
           <a:lstStyle>
-            <a:lvl1pPr>
-              <a:defRPr lang="en-US" sz="2000">
-                <a:gradFill flip="none" rotWithShape="1">
-                  <a:gsLst>
-                    <a:gs pos="0">
-                      <a:schemeClr val="tx1"/>
-                    </a:gs>
-                    <a:gs pos="100000">
-                      <a:schemeClr val="tx1">
-                        <a:lumMod val="75000"/>
-                      </a:schemeClr>
-                    </a:gs>
-                  </a:gsLst>
-                  <a:lin ang="5400000" scaled="0"/>
-                  <a:tileRect/>
-                </a:gradFill>
+            <a:lvl1pPr marL="0" indent="0" algn="l">
+              <a:buNone/>
+              <a:defRPr sz="1800">
+                <a:solidFill>
+                  <a:schemeClr val="tx1">
+                    <a:lumMod val="75000"/>
+                    <a:lumOff val="25000"/>
+                  </a:schemeClr>
+                </a:solidFill>
               </a:defRPr>
             </a:lvl1pPr>
+            <a:lvl2pPr marL="457200" indent="0">
+              <a:buNone/>
+              <a:defRPr sz="1800">
+                <a:solidFill>
+                  <a:schemeClr val="tx1">
+                    <a:tint val="75000"/>
+                  </a:schemeClr>
+                </a:solidFill>
+              </a:defRPr>
+            </a:lvl2pPr>
+            <a:lvl3pPr marL="914400" indent="0">
+              <a:buNone/>
+              <a:defRPr sz="1600">
+                <a:solidFill>
+                  <a:schemeClr val="tx1">
+                    <a:tint val="75000"/>
+                  </a:schemeClr>
+                </a:solidFill>
+              </a:defRPr>
+            </a:lvl3pPr>
+            <a:lvl4pPr marL="1371600" indent="0">
+              <a:buNone/>
+              <a:defRPr sz="1400">
+                <a:solidFill>
+                  <a:schemeClr val="tx1">
+                    <a:tint val="75000"/>
+                  </a:schemeClr>
+                </a:solidFill>
+              </a:defRPr>
+            </a:lvl4pPr>
+            <a:lvl5pPr marL="1828800" indent="0">
+              <a:buNone/>
+              <a:defRPr sz="1400">
+                <a:solidFill>
+                  <a:schemeClr val="tx1">
+                    <a:tint val="75000"/>
+                  </a:schemeClr>
+                </a:solidFill>
+              </a:defRPr>
+            </a:lvl5pPr>
+            <a:lvl6pPr marL="2286000" indent="0">
+              <a:buNone/>
+              <a:defRPr sz="1400">
+                <a:solidFill>
+                  <a:schemeClr val="tx1">
+                    <a:tint val="75000"/>
+                  </a:schemeClr>
+                </a:solidFill>
+              </a:defRPr>
+            </a:lvl6pPr>
+            <a:lvl7pPr marL="2743200" indent="0">
+              <a:buNone/>
+              <a:defRPr sz="1400">
+                <a:solidFill>
+                  <a:schemeClr val="tx1">
+                    <a:tint val="75000"/>
+                  </a:schemeClr>
+                </a:solidFill>
+              </a:defRPr>
+            </a:lvl7pPr>
+            <a:lvl8pPr marL="3200400" indent="0">
+              <a:buNone/>
+              <a:defRPr sz="1400">
+                <a:solidFill>
+                  <a:schemeClr val="tx1">
+                    <a:tint val="75000"/>
+                  </a:schemeClr>
+                </a:solidFill>
+              </a:defRPr>
+            </a:lvl8pPr>
+            <a:lvl9pPr marL="3657600" indent="0">
+              <a:buNone/>
+              <a:defRPr sz="1400">
+                <a:solidFill>
+                  <a:schemeClr val="tx1">
+                    <a:tint val="75000"/>
+                  </a:schemeClr>
+                </a:solidFill>
+              </a:defRPr>
+            </a:lvl9pPr>
           </a:lstStyle>
           <a:p>
-            <a:pPr marL="0" lvl="0" indent="0">
-              <a:buNone/>
-            </a:pPr>
+            <a:pPr lvl="0"/>
             <a:r>
               <a:rPr lang="en-US"/>
               <a:t>Click to edit Master text styles</a:t>
@@ -1586,7 +1800,7 @@
     </p:spTree>
     <p:extLst>
       <p:ext uri="{BB962C8B-B14F-4D97-AF65-F5344CB8AC3E}">
-        <p14:creationId xmlns:p14="http://schemas.microsoft.com/office/powerpoint/2010/main" val="2387322931"/>
+        <p14:creationId xmlns:p14="http://schemas.microsoft.com/office/powerpoint/2010/main" val="2645008418"/>
       </p:ext>
     </p:extLst>
   </p:cSld>
@@ -1596,7 +1810,7 @@
 </p:sldLayout>
 </file>
 
-<file path=ppt/slideLayouts/slideLayout14.xml><?xml version="1.0" encoding="utf-8"?>
+<file path=ppt/slideLayouts/slideLayout13.xml><?xml version="1.0" encoding="utf-8"?>
 <p:sldLayout xmlns:a="http://schemas.openxmlformats.org/drawingml/2006/main" xmlns:r="http://schemas.openxmlformats.org/officeDocument/2006/relationships" xmlns:p="http://schemas.openxmlformats.org/presentationml/2006/main" preserve="1">
   <p:cSld name="Quote Name Card">
     <p:spTree>
@@ -1615,13 +1829,297 @@
       </p:grpSpPr>
       <p:sp>
         <p:nvSpPr>
-          <p:cNvPr id="14" name="TextBox 13"/>
+          <p:cNvPr id="2" name="Title 1"/>
+          <p:cNvSpPr>
+            <a:spLocks noGrp="1"/>
+          </p:cNvSpPr>
+          <p:nvPr>
+            <p:ph type="title"/>
+          </p:nvPr>
+        </p:nvSpPr>
+        <p:spPr>
+          <a:xfrm>
+            <a:off x="931334" y="609600"/>
+            <a:ext cx="8094134" cy="3022600"/>
+          </a:xfrm>
+        </p:spPr>
+        <p:txBody>
+          <a:bodyPr anchor="ctr">
+            <a:normAutofit/>
+          </a:bodyPr>
+          <a:lstStyle>
+            <a:lvl1pPr algn="l">
+              <a:defRPr sz="4400" b="0" cap="none"/>
+            </a:lvl1pPr>
+          </a:lstStyle>
+          <a:p>
+            <a:r>
+              <a:rPr lang="en-US"/>
+              <a:t>Click to edit Master title style</a:t>
+            </a:r>
+            <a:endParaRPr lang="en-US" dirty="0"/>
+          </a:p>
+        </p:txBody>
+      </p:sp>
+      <p:sp>
+        <p:nvSpPr>
+          <p:cNvPr id="23" name="Text Placeholder 9"/>
+          <p:cNvSpPr>
+            <a:spLocks noGrp="1"/>
+          </p:cNvSpPr>
+          <p:nvPr>
+            <p:ph type="body" sz="quarter" idx="13"/>
+          </p:nvPr>
+        </p:nvSpPr>
+        <p:spPr>
+          <a:xfrm>
+            <a:off x="677332" y="4013200"/>
+            <a:ext cx="8596669" cy="514248"/>
+          </a:xfrm>
+        </p:spPr>
+        <p:txBody>
+          <a:bodyPr anchor="b">
+            <a:noAutofit/>
+          </a:bodyPr>
+          <a:lstStyle>
+            <a:lvl1pPr marL="0" indent="0">
+              <a:buFontTx/>
+              <a:buNone/>
+              <a:defRPr sz="2400">
+                <a:solidFill>
+                  <a:schemeClr val="tx1">
+                    <a:lumMod val="75000"/>
+                    <a:lumOff val="25000"/>
+                  </a:schemeClr>
+                </a:solidFill>
+              </a:defRPr>
+            </a:lvl1pPr>
+            <a:lvl2pPr marL="457200" indent="0">
+              <a:buFontTx/>
+              <a:buNone/>
+              <a:defRPr/>
+            </a:lvl2pPr>
+            <a:lvl3pPr marL="914400" indent="0">
+              <a:buFontTx/>
+              <a:buNone/>
+              <a:defRPr/>
+            </a:lvl3pPr>
+            <a:lvl4pPr marL="1371600" indent="0">
+              <a:buFontTx/>
+              <a:buNone/>
+              <a:defRPr/>
+            </a:lvl4pPr>
+            <a:lvl5pPr marL="1828800" indent="0">
+              <a:buFontTx/>
+              <a:buNone/>
+              <a:defRPr/>
+            </a:lvl5pPr>
+          </a:lstStyle>
+          <a:p>
+            <a:pPr lvl="0"/>
+            <a:r>
+              <a:rPr lang="en-US"/>
+              <a:t>Click to edit Master text styles</a:t>
+            </a:r>
+          </a:p>
+        </p:txBody>
+      </p:sp>
+      <p:sp>
+        <p:nvSpPr>
+          <p:cNvPr id="3" name="Text Placeholder 2"/>
+          <p:cNvSpPr>
+            <a:spLocks noGrp="1"/>
+          </p:cNvSpPr>
+          <p:nvPr>
+            <p:ph type="body" idx="1"/>
+          </p:nvPr>
+        </p:nvSpPr>
+        <p:spPr>
+          <a:xfrm>
+            <a:off x="677335" y="4527448"/>
+            <a:ext cx="8596668" cy="1513914"/>
+          </a:xfrm>
+        </p:spPr>
+        <p:txBody>
+          <a:bodyPr anchor="t">
+            <a:normAutofit/>
+          </a:bodyPr>
+          <a:lstStyle>
+            <a:lvl1pPr marL="0" indent="0" algn="l">
+              <a:buNone/>
+              <a:defRPr sz="1800">
+                <a:solidFill>
+                  <a:schemeClr val="tx1">
+                    <a:lumMod val="50000"/>
+                    <a:lumOff val="50000"/>
+                  </a:schemeClr>
+                </a:solidFill>
+              </a:defRPr>
+            </a:lvl1pPr>
+            <a:lvl2pPr marL="457200" indent="0">
+              <a:buNone/>
+              <a:defRPr sz="1800">
+                <a:solidFill>
+                  <a:schemeClr val="tx1">
+                    <a:tint val="75000"/>
+                  </a:schemeClr>
+                </a:solidFill>
+              </a:defRPr>
+            </a:lvl2pPr>
+            <a:lvl3pPr marL="914400" indent="0">
+              <a:buNone/>
+              <a:defRPr sz="1600">
+                <a:solidFill>
+                  <a:schemeClr val="tx1">
+                    <a:tint val="75000"/>
+                  </a:schemeClr>
+                </a:solidFill>
+              </a:defRPr>
+            </a:lvl3pPr>
+            <a:lvl4pPr marL="1371600" indent="0">
+              <a:buNone/>
+              <a:defRPr sz="1400">
+                <a:solidFill>
+                  <a:schemeClr val="tx1">
+                    <a:tint val="75000"/>
+                  </a:schemeClr>
+                </a:solidFill>
+              </a:defRPr>
+            </a:lvl4pPr>
+            <a:lvl5pPr marL="1828800" indent="0">
+              <a:buNone/>
+              <a:defRPr sz="1400">
+                <a:solidFill>
+                  <a:schemeClr val="tx1">
+                    <a:tint val="75000"/>
+                  </a:schemeClr>
+                </a:solidFill>
+              </a:defRPr>
+            </a:lvl5pPr>
+            <a:lvl6pPr marL="2286000" indent="0">
+              <a:buNone/>
+              <a:defRPr sz="1400">
+                <a:solidFill>
+                  <a:schemeClr val="tx1">
+                    <a:tint val="75000"/>
+                  </a:schemeClr>
+                </a:solidFill>
+              </a:defRPr>
+            </a:lvl6pPr>
+            <a:lvl7pPr marL="2743200" indent="0">
+              <a:buNone/>
+              <a:defRPr sz="1400">
+                <a:solidFill>
+                  <a:schemeClr val="tx1">
+                    <a:tint val="75000"/>
+                  </a:schemeClr>
+                </a:solidFill>
+              </a:defRPr>
+            </a:lvl7pPr>
+            <a:lvl8pPr marL="3200400" indent="0">
+              <a:buNone/>
+              <a:defRPr sz="1400">
+                <a:solidFill>
+                  <a:schemeClr val="tx1">
+                    <a:tint val="75000"/>
+                  </a:schemeClr>
+                </a:solidFill>
+              </a:defRPr>
+            </a:lvl8pPr>
+            <a:lvl9pPr marL="3657600" indent="0">
+              <a:buNone/>
+              <a:defRPr sz="1400">
+                <a:solidFill>
+                  <a:schemeClr val="tx1">
+                    <a:tint val="75000"/>
+                  </a:schemeClr>
+                </a:solidFill>
+              </a:defRPr>
+            </a:lvl9pPr>
+          </a:lstStyle>
+          <a:p>
+            <a:pPr lvl="0"/>
+            <a:r>
+              <a:rPr lang="en-US"/>
+              <a:t>Click to edit Master text styles</a:t>
+            </a:r>
+          </a:p>
+        </p:txBody>
+      </p:sp>
+      <p:sp>
+        <p:nvSpPr>
+          <p:cNvPr id="4" name="Date Placeholder 3"/>
+          <p:cNvSpPr>
+            <a:spLocks noGrp="1"/>
+          </p:cNvSpPr>
+          <p:nvPr>
+            <p:ph type="dt" sz="half" idx="10"/>
+          </p:nvPr>
+        </p:nvSpPr>
+        <p:spPr/>
+        <p:txBody>
+          <a:bodyPr/>
+          <a:lstStyle/>
+          <a:p>
+            <a:fld id="{874FFE33-465F-4E9E-89CE-5F79E84B8B4B}" type="datetimeFigureOut">
+              <a:rPr lang="en-IN" smtClean="0"/>
+              <a:t>28-02-2025</a:t>
+            </a:fld>
+            <a:endParaRPr lang="en-IN"/>
+          </a:p>
+        </p:txBody>
+      </p:sp>
+      <p:sp>
+        <p:nvSpPr>
+          <p:cNvPr id="5" name="Footer Placeholder 4"/>
+          <p:cNvSpPr>
+            <a:spLocks noGrp="1"/>
+          </p:cNvSpPr>
+          <p:nvPr>
+            <p:ph type="ftr" sz="quarter" idx="11"/>
+          </p:nvPr>
+        </p:nvSpPr>
+        <p:spPr/>
+        <p:txBody>
+          <a:bodyPr/>
+          <a:lstStyle/>
+          <a:p>
+            <a:endParaRPr lang="en-IN"/>
+          </a:p>
+        </p:txBody>
+      </p:sp>
+      <p:sp>
+        <p:nvSpPr>
+          <p:cNvPr id="6" name="Slide Number Placeholder 5"/>
+          <p:cNvSpPr>
+            <a:spLocks noGrp="1"/>
+          </p:cNvSpPr>
+          <p:nvPr>
+            <p:ph type="sldNum" sz="quarter" idx="12"/>
+          </p:nvPr>
+        </p:nvSpPr>
+        <p:spPr/>
+        <p:txBody>
+          <a:bodyPr/>
+          <a:lstStyle/>
+          <a:p>
+            <a:fld id="{54BE194E-5C1C-4569-9491-10264D79D787}" type="slidenum">
+              <a:rPr lang="en-IN" smtClean="0"/>
+              <a:t>‹#›</a:t>
+            </a:fld>
+            <a:endParaRPr lang="en-IN"/>
+          </a:p>
+        </p:txBody>
+      </p:sp>
+      <p:sp>
+        <p:nvSpPr>
+          <p:cNvPr id="24" name="TextBox 23"/>
           <p:cNvSpPr txBox="1"/>
           <p:nvPr/>
         </p:nvSpPr>
         <p:spPr>
           <a:xfrm>
-            <a:off x="836612" y="786824"/>
+            <a:off x="541870" y="790378"/>
             <a:ext cx="609600" cy="584776"/>
           </a:xfrm>
           <a:prstGeom prst="rect">
@@ -1632,96 +2130,22 @@
           <a:bodyPr vert="horz" lIns="91440" tIns="45720" rIns="91440" bIns="45720" rtlCol="0" anchor="ctr">
             <a:noAutofit/>
           </a:bodyPr>
-          <a:lstStyle>
-            <a:lvl1pPr>
-              <a:spcBef>
-                <a:spcPct val="0"/>
-              </a:spcBef>
-              <a:buNone/>
-              <a:defRPr sz="3200" b="0" cap="all">
+          <a:lstStyle/>
+          <a:p>
+            <a:pPr lvl="0"/>
+            <a:r>
+              <a:rPr lang="en-US" sz="8000" baseline="0" dirty="0">
                 <a:ln w="3175" cmpd="sng">
                   <a:noFill/>
                 </a:ln>
-                <a:effectLst>
-                  <a:glow rad="38100">
-                    <a:schemeClr val="bg1">
-                      <a:lumMod val="65000"/>
-                      <a:lumOff val="35000"/>
-                      <a:alpha val="40000"/>
-                    </a:schemeClr>
-                  </a:glow>
-                  <a:outerShdw blurRad="28575" dist="38100" dir="14040000" algn="tl" rotWithShape="0">
-                    <a:srgbClr val="000000">
-                      <a:alpha val="25000"/>
-                    </a:srgbClr>
-                  </a:outerShdw>
-                </a:effectLst>
-              </a:defRPr>
-            </a:lvl1pPr>
-            <a:lvl2pPr>
-              <a:defRPr>
-                <a:solidFill>
-                  <a:schemeClr val="tx2"/>
-                </a:solidFill>
-              </a:defRPr>
-            </a:lvl2pPr>
-            <a:lvl3pPr>
-              <a:defRPr>
-                <a:solidFill>
-                  <a:schemeClr val="tx2"/>
-                </a:solidFill>
-              </a:defRPr>
-            </a:lvl3pPr>
-            <a:lvl4pPr>
-              <a:defRPr>
-                <a:solidFill>
-                  <a:schemeClr val="tx2"/>
-                </a:solidFill>
-              </a:defRPr>
-            </a:lvl4pPr>
-            <a:lvl5pPr>
-              <a:defRPr>
-                <a:solidFill>
-                  <a:schemeClr val="tx2"/>
-                </a:solidFill>
-              </a:defRPr>
-            </a:lvl5pPr>
-            <a:lvl6pPr>
-              <a:defRPr>
-                <a:solidFill>
-                  <a:schemeClr val="tx2"/>
-                </a:solidFill>
-              </a:defRPr>
-            </a:lvl6pPr>
-            <a:lvl7pPr>
-              <a:defRPr>
-                <a:solidFill>
-                  <a:schemeClr val="tx2"/>
-                </a:solidFill>
-              </a:defRPr>
-            </a:lvl7pPr>
-            <a:lvl8pPr>
-              <a:defRPr>
-                <a:solidFill>
-                  <a:schemeClr val="tx2"/>
-                </a:solidFill>
-              </a:defRPr>
-            </a:lvl8pPr>
-            <a:lvl9pPr>
-              <a:defRPr>
-                <a:solidFill>
-                  <a:schemeClr val="tx2"/>
-                </a:solidFill>
-              </a:defRPr>
-            </a:lvl9pPr>
-          </a:lstStyle>
-          <a:p>
-            <a:pPr lvl="0"/>
-            <a:r>
-              <a:rPr lang="en-US" sz="8000" dirty="0">
-                <a:solidFill>
-                  <a:schemeClr val="accent1"/>
-                </a:solidFill>
+                <a:solidFill>
+                  <a:schemeClr val="accent1">
+                    <a:lumMod val="60000"/>
+                    <a:lumOff val="40000"/>
+                  </a:schemeClr>
+                </a:solidFill>
+                <a:effectLst/>
+                <a:latin typeface="Arial"/>
               </a:rPr>
               <a:t>“</a:t>
             </a:r>
@@ -1730,13 +2154,13 @@
       </p:sp>
       <p:sp>
         <p:nvSpPr>
-          <p:cNvPr id="15" name="TextBox 14"/>
+          <p:cNvPr id="25" name="TextBox 24"/>
           <p:cNvSpPr txBox="1"/>
           <p:nvPr/>
         </p:nvSpPr>
         <p:spPr>
           <a:xfrm>
-            <a:off x="10437812" y="2743200"/>
+            <a:off x="8893011" y="2886556"/>
             <a:ext cx="609600" cy="584776"/>
           </a:xfrm>
           <a:prstGeom prst="rect">
@@ -1747,422 +2171,32 @@
           <a:bodyPr vert="horz" lIns="91440" tIns="45720" rIns="91440" bIns="45720" rtlCol="0" anchor="ctr">
             <a:noAutofit/>
           </a:bodyPr>
-          <a:lstStyle>
-            <a:lvl1pPr>
-              <a:spcBef>
-                <a:spcPct val="0"/>
-              </a:spcBef>
-              <a:buNone/>
-              <a:defRPr sz="3200" b="0" cap="all">
+          <a:lstStyle/>
+          <a:p>
+            <a:pPr lvl="0"/>
+            <a:r>
+              <a:rPr lang="en-US" sz="8000" baseline="0" dirty="0">
                 <a:ln w="3175" cmpd="sng">
                   <a:noFill/>
                 </a:ln>
-                <a:effectLst>
-                  <a:glow rad="38100">
-                    <a:schemeClr val="bg1">
-                      <a:lumMod val="65000"/>
-                      <a:lumOff val="35000"/>
-                      <a:alpha val="40000"/>
-                    </a:schemeClr>
-                  </a:glow>
-                  <a:outerShdw blurRad="28575" dist="38100" dir="14040000" algn="tl" rotWithShape="0">
-                    <a:srgbClr val="000000">
-                      <a:alpha val="25000"/>
-                    </a:srgbClr>
-                  </a:outerShdw>
-                </a:effectLst>
-              </a:defRPr>
-            </a:lvl1pPr>
-            <a:lvl2pPr>
-              <a:defRPr>
-                <a:solidFill>
-                  <a:schemeClr val="tx2"/>
-                </a:solidFill>
-              </a:defRPr>
-            </a:lvl2pPr>
-            <a:lvl3pPr>
-              <a:defRPr>
-                <a:solidFill>
-                  <a:schemeClr val="tx2"/>
-                </a:solidFill>
-              </a:defRPr>
-            </a:lvl3pPr>
-            <a:lvl4pPr>
-              <a:defRPr>
-                <a:solidFill>
-                  <a:schemeClr val="tx2"/>
-                </a:solidFill>
-              </a:defRPr>
-            </a:lvl4pPr>
-            <a:lvl5pPr>
-              <a:defRPr>
-                <a:solidFill>
-                  <a:schemeClr val="tx2"/>
-                </a:solidFill>
-              </a:defRPr>
-            </a:lvl5pPr>
-            <a:lvl6pPr>
-              <a:defRPr>
-                <a:solidFill>
-                  <a:schemeClr val="tx2"/>
-                </a:solidFill>
-              </a:defRPr>
-            </a:lvl6pPr>
-            <a:lvl7pPr>
-              <a:defRPr>
-                <a:solidFill>
-                  <a:schemeClr val="tx2"/>
-                </a:solidFill>
-              </a:defRPr>
-            </a:lvl7pPr>
-            <a:lvl8pPr>
-              <a:defRPr>
-                <a:solidFill>
-                  <a:schemeClr val="tx2"/>
-                </a:solidFill>
-              </a:defRPr>
-            </a:lvl8pPr>
-            <a:lvl9pPr>
-              <a:defRPr>
-                <a:solidFill>
-                  <a:schemeClr val="tx2"/>
-                </a:solidFill>
-              </a:defRPr>
-            </a:lvl9pPr>
-          </a:lstStyle>
-          <a:p>
-            <a:pPr lvl="0" algn="r"/>
-            <a:r>
-              <a:rPr lang="en-US" sz="8000" dirty="0">
-                <a:solidFill>
-                  <a:schemeClr val="accent1"/>
-                </a:solidFill>
+                <a:solidFill>
+                  <a:schemeClr val="accent1">
+                    <a:lumMod val="60000"/>
+                    <a:lumOff val="40000"/>
+                  </a:schemeClr>
+                </a:solidFill>
+                <a:effectLst/>
+                <a:latin typeface="Arial"/>
               </a:rPr>
               <a:t>”</a:t>
             </a:r>
-          </a:p>
-        </p:txBody>
-      </p:sp>
-      <p:sp>
-        <p:nvSpPr>
-          <p:cNvPr id="2" name="Title 1"/>
-          <p:cNvSpPr>
-            <a:spLocks noGrp="1"/>
-          </p:cNvSpPr>
-          <p:nvPr>
-            <p:ph type="title"/>
-          </p:nvPr>
-        </p:nvSpPr>
-        <p:spPr>
-          <a:xfrm>
-            <a:off x="1446213" y="609601"/>
-            <a:ext cx="9296398" cy="2743199"/>
-          </a:xfrm>
-        </p:spPr>
-        <p:txBody>
-          <a:bodyPr anchor="ctr">
-            <a:normAutofit/>
-          </a:bodyPr>
-          <a:lstStyle>
-            <a:lvl1pPr algn="l">
-              <a:defRPr sz="3200" b="0" cap="all">
-                <a:gradFill flip="none" rotWithShape="1">
-                  <a:gsLst>
-                    <a:gs pos="0">
-                      <a:schemeClr val="tx1"/>
-                    </a:gs>
-                    <a:gs pos="100000">
-                      <a:schemeClr val="tx1">
-                        <a:lumMod val="75000"/>
-                      </a:schemeClr>
-                    </a:gs>
-                  </a:gsLst>
-                  <a:lin ang="5400000" scaled="0"/>
-                  <a:tileRect/>
-                </a:gradFill>
-              </a:defRPr>
-            </a:lvl1pPr>
-          </a:lstStyle>
-          <a:p>
-            <a:r>
-              <a:rPr lang="en-US"/>
-              <a:t>Click to edit Master title style</a:t>
-            </a:r>
-            <a:endParaRPr lang="en-US" dirty="0"/>
-          </a:p>
-        </p:txBody>
-      </p:sp>
-      <p:sp>
-        <p:nvSpPr>
-          <p:cNvPr id="10" name="Text Placeholder 9"/>
-          <p:cNvSpPr>
-            <a:spLocks noGrp="1"/>
-          </p:cNvSpPr>
-          <p:nvPr>
-            <p:ph type="body" sz="quarter" idx="13"/>
-          </p:nvPr>
-        </p:nvSpPr>
-        <p:spPr>
-          <a:xfrm>
-            <a:off x="1141412" y="3886200"/>
-            <a:ext cx="9906000" cy="889000"/>
-          </a:xfrm>
-        </p:spPr>
-        <p:txBody>
-          <a:bodyPr vert="horz" lIns="91440" tIns="45720" rIns="91440" bIns="45720" rtlCol="0" anchor="b">
-            <a:normAutofit/>
-          </a:bodyPr>
-          <a:lstStyle>
-            <a:lvl1pPr>
-              <a:buNone/>
-              <a:defRPr lang="en-US" sz="2400" b="0" cap="all" dirty="0">
-                <a:ln w="3175" cmpd="sng">
-                  <a:noFill/>
-                </a:ln>
-                <a:gradFill flip="none" rotWithShape="1">
-                  <a:gsLst>
-                    <a:gs pos="0">
-                      <a:schemeClr val="tx1"/>
-                    </a:gs>
-                    <a:gs pos="100000">
-                      <a:schemeClr val="tx1">
-                        <a:lumMod val="75000"/>
-                      </a:schemeClr>
-                    </a:gs>
-                  </a:gsLst>
-                  <a:lin ang="5400000" scaled="0"/>
-                  <a:tileRect/>
-                </a:gradFill>
-                <a:effectLst>
-                  <a:glow rad="38100">
-                    <a:schemeClr val="bg1">
-                      <a:lumMod val="65000"/>
-                      <a:lumOff val="35000"/>
-                      <a:alpha val="40000"/>
-                    </a:schemeClr>
-                  </a:glow>
-                  <a:outerShdw blurRad="28575" dist="38100" dir="14040000" algn="tl" rotWithShape="0">
-                    <a:srgbClr val="000000">
-                      <a:alpha val="25000"/>
-                    </a:srgbClr>
-                  </a:outerShdw>
-                </a:effectLst>
-              </a:defRPr>
-            </a:lvl1pPr>
-          </a:lstStyle>
-          <a:p>
-            <a:pPr marL="0" lvl="0">
-              <a:spcBef>
-                <a:spcPct val="0"/>
-              </a:spcBef>
-              <a:buNone/>
-            </a:pPr>
-            <a:r>
-              <a:rPr lang="en-US"/>
-              <a:t>Click to edit Master text styles</a:t>
-            </a:r>
-          </a:p>
-        </p:txBody>
-      </p:sp>
-      <p:sp>
-        <p:nvSpPr>
-          <p:cNvPr id="3" name="Text Placeholder 2"/>
-          <p:cNvSpPr>
-            <a:spLocks noGrp="1"/>
-          </p:cNvSpPr>
-          <p:nvPr>
-            <p:ph type="body" idx="1"/>
-          </p:nvPr>
-        </p:nvSpPr>
-        <p:spPr>
-          <a:xfrm>
-            <a:off x="1141411" y="4775200"/>
-            <a:ext cx="9906000" cy="1016000"/>
-          </a:xfrm>
-        </p:spPr>
-        <p:txBody>
-          <a:bodyPr anchor="t">
-            <a:normAutofit/>
-          </a:bodyPr>
-          <a:lstStyle>
-            <a:lvl1pPr marL="0" indent="0" algn="l">
-              <a:buNone/>
-              <a:defRPr sz="1800">
-                <a:gradFill flip="none" rotWithShape="1">
-                  <a:gsLst>
-                    <a:gs pos="0">
-                      <a:schemeClr val="tx1"/>
-                    </a:gs>
-                    <a:gs pos="100000">
-                      <a:schemeClr val="tx1">
-                        <a:lumMod val="75000"/>
-                      </a:schemeClr>
-                    </a:gs>
-                  </a:gsLst>
-                  <a:lin ang="5400000" scaled="0"/>
-                  <a:tileRect/>
-                </a:gradFill>
-              </a:defRPr>
-            </a:lvl1pPr>
-            <a:lvl2pPr marL="457200" indent="0">
-              <a:buNone/>
-              <a:defRPr sz="1800">
-                <a:solidFill>
-                  <a:schemeClr val="tx1">
-                    <a:tint val="75000"/>
-                  </a:schemeClr>
-                </a:solidFill>
-              </a:defRPr>
-            </a:lvl2pPr>
-            <a:lvl3pPr marL="914400" indent="0">
-              <a:buNone/>
-              <a:defRPr sz="1600">
-                <a:solidFill>
-                  <a:schemeClr val="tx1">
-                    <a:tint val="75000"/>
-                  </a:schemeClr>
-                </a:solidFill>
-              </a:defRPr>
-            </a:lvl3pPr>
-            <a:lvl4pPr marL="1371600" indent="0">
-              <a:buNone/>
-              <a:defRPr sz="1400">
-                <a:solidFill>
-                  <a:schemeClr val="tx1">
-                    <a:tint val="75000"/>
-                  </a:schemeClr>
-                </a:solidFill>
-              </a:defRPr>
-            </a:lvl4pPr>
-            <a:lvl5pPr marL="1828800" indent="0">
-              <a:buNone/>
-              <a:defRPr sz="1400">
-                <a:solidFill>
-                  <a:schemeClr val="tx1">
-                    <a:tint val="75000"/>
-                  </a:schemeClr>
-                </a:solidFill>
-              </a:defRPr>
-            </a:lvl5pPr>
-            <a:lvl6pPr marL="2286000" indent="0">
-              <a:buNone/>
-              <a:defRPr sz="1400">
-                <a:solidFill>
-                  <a:schemeClr val="tx1">
-                    <a:tint val="75000"/>
-                  </a:schemeClr>
-                </a:solidFill>
-              </a:defRPr>
-            </a:lvl6pPr>
-            <a:lvl7pPr marL="2743200" indent="0">
-              <a:buNone/>
-              <a:defRPr sz="1400">
-                <a:solidFill>
-                  <a:schemeClr val="tx1">
-                    <a:tint val="75000"/>
-                  </a:schemeClr>
-                </a:solidFill>
-              </a:defRPr>
-            </a:lvl7pPr>
-            <a:lvl8pPr marL="3200400" indent="0">
-              <a:buNone/>
-              <a:defRPr sz="1400">
-                <a:solidFill>
-                  <a:schemeClr val="tx1">
-                    <a:tint val="75000"/>
-                  </a:schemeClr>
-                </a:solidFill>
-              </a:defRPr>
-            </a:lvl8pPr>
-            <a:lvl9pPr marL="3657600" indent="0">
-              <a:buNone/>
-              <a:defRPr sz="1400">
-                <a:solidFill>
-                  <a:schemeClr val="tx1">
-                    <a:tint val="75000"/>
-                  </a:schemeClr>
-                </a:solidFill>
-              </a:defRPr>
-            </a:lvl9pPr>
-          </a:lstStyle>
-          <a:p>
-            <a:pPr lvl="0"/>
-            <a:r>
-              <a:rPr lang="en-US"/>
-              <a:t>Click to edit Master text styles</a:t>
-            </a:r>
-          </a:p>
-        </p:txBody>
-      </p:sp>
-      <p:sp>
-        <p:nvSpPr>
-          <p:cNvPr id="4" name="Date Placeholder 3"/>
-          <p:cNvSpPr>
-            <a:spLocks noGrp="1"/>
-          </p:cNvSpPr>
-          <p:nvPr>
-            <p:ph type="dt" sz="half" idx="10"/>
-          </p:nvPr>
-        </p:nvSpPr>
-        <p:spPr/>
-        <p:txBody>
-          <a:bodyPr/>
-          <a:lstStyle/>
-          <a:p>
-            <a:fld id="{874FFE33-465F-4E9E-89CE-5F79E84B8B4B}" type="datetimeFigureOut">
-              <a:rPr lang="en-IN" smtClean="0"/>
-              <a:t>28-02-2025</a:t>
-            </a:fld>
-            <a:endParaRPr lang="en-IN"/>
-          </a:p>
-        </p:txBody>
-      </p:sp>
-      <p:sp>
-        <p:nvSpPr>
-          <p:cNvPr id="5" name="Footer Placeholder 4"/>
-          <p:cNvSpPr>
-            <a:spLocks noGrp="1"/>
-          </p:cNvSpPr>
-          <p:nvPr>
-            <p:ph type="ftr" sz="quarter" idx="11"/>
-          </p:nvPr>
-        </p:nvSpPr>
-        <p:spPr/>
-        <p:txBody>
-          <a:bodyPr/>
-          <a:lstStyle/>
-          <a:p>
-            <a:endParaRPr lang="en-IN"/>
-          </a:p>
-        </p:txBody>
-      </p:sp>
-      <p:sp>
-        <p:nvSpPr>
-          <p:cNvPr id="6" name="Slide Number Placeholder 5"/>
-          <p:cNvSpPr>
-            <a:spLocks noGrp="1"/>
-          </p:cNvSpPr>
-          <p:nvPr>
-            <p:ph type="sldNum" sz="quarter" idx="12"/>
-          </p:nvPr>
-        </p:nvSpPr>
-        <p:spPr/>
-        <p:txBody>
-          <a:bodyPr/>
-          <a:lstStyle/>
-          <a:p>
-            <a:fld id="{54BE194E-5C1C-4569-9491-10264D79D787}" type="slidenum">
-              <a:rPr lang="en-IN" smtClean="0"/>
-              <a:t>‹#›</a:t>
-            </a:fld>
-            <a:endParaRPr lang="en-IN"/>
           </a:p>
         </p:txBody>
       </p:sp>
     </p:spTree>
     <p:extLst>
       <p:ext uri="{BB962C8B-B14F-4D97-AF65-F5344CB8AC3E}">
-        <p14:creationId xmlns:p14="http://schemas.microsoft.com/office/powerpoint/2010/main" val="1930468055"/>
+        <p14:creationId xmlns:p14="http://schemas.microsoft.com/office/powerpoint/2010/main" val="207095162"/>
       </p:ext>
     </p:extLst>
   </p:cSld>
@@ -2172,7 +2206,7 @@
 </p:sldLayout>
 </file>
 
-<file path=ppt/slideLayouts/slideLayout15.xml><?xml version="1.0" encoding="utf-8"?>
+<file path=ppt/slideLayouts/slideLayout14.xml><?xml version="1.0" encoding="utf-8"?>
 <p:sldLayout xmlns:a="http://schemas.openxmlformats.org/drawingml/2006/main" xmlns:r="http://schemas.openxmlformats.org/officeDocument/2006/relationships" xmlns:p="http://schemas.openxmlformats.org/presentationml/2006/main" preserve="1">
   <p:cSld name="True or False">
     <p:spTree>
@@ -2201,21 +2235,20 @@
         </p:nvSpPr>
         <p:spPr>
           <a:xfrm>
-            <a:off x="1141412" y="609601"/>
-            <a:ext cx="9905999" cy="2743199"/>
+            <a:off x="685799" y="609600"/>
+            <a:ext cx="8588203" cy="3022600"/>
           </a:xfrm>
         </p:spPr>
         <p:txBody>
-          <a:bodyPr vert="horz" lIns="91440" tIns="45720" rIns="91440" bIns="45720" rtlCol="0" anchor="ctr">
+          <a:bodyPr anchor="ctr">
             <a:normAutofit/>
           </a:bodyPr>
           <a:lstStyle>
-            <a:lvl1pPr>
-              <a:defRPr lang="en-US" b="0" dirty="0"/>
+            <a:lvl1pPr algn="l">
+              <a:defRPr sz="4400" b="0" cap="none"/>
             </a:lvl1pPr>
           </a:lstStyle>
           <a:p>
-            <a:pPr marL="0" lvl="0"/>
             <a:r>
               <a:rPr lang="en-US"/>
               <a:t>Click to edit Master title style</a:t>
@@ -2226,7 +2259,7 @@
       </p:sp>
       <p:sp>
         <p:nvSpPr>
-          <p:cNvPr id="10" name="Text Placeholder 9"/>
+          <p:cNvPr id="23" name="Text Placeholder 9"/>
           <p:cNvSpPr>
             <a:spLocks noGrp="1"/>
           </p:cNvSpPr>
@@ -2236,59 +2269,47 @@
         </p:nvSpPr>
         <p:spPr>
           <a:xfrm>
-            <a:off x="1141412" y="3505200"/>
-            <a:ext cx="9906000" cy="838200"/>
+            <a:off x="677332" y="4013200"/>
+            <a:ext cx="8596669" cy="514248"/>
           </a:xfrm>
         </p:spPr>
         <p:txBody>
-          <a:bodyPr vert="horz" lIns="91440" tIns="45720" rIns="91440" bIns="45720" rtlCol="0" anchor="b">
-            <a:normAutofit/>
+          <a:bodyPr anchor="b">
+            <a:noAutofit/>
           </a:bodyPr>
           <a:lstStyle>
-            <a:lvl1pPr>
-              <a:buNone/>
-              <a:defRPr lang="en-US" sz="2800" b="0" cap="all" dirty="0">
-                <a:ln w="3175" cmpd="sng">
-                  <a:noFill/>
-                </a:ln>
-                <a:gradFill flip="none" rotWithShape="1">
-                  <a:gsLst>
-                    <a:gs pos="0">
-                      <a:schemeClr val="tx1"/>
-                    </a:gs>
-                    <a:gs pos="100000">
-                      <a:schemeClr val="tx1">
-                        <a:lumMod val="75000"/>
-                      </a:schemeClr>
-                    </a:gs>
-                  </a:gsLst>
-                  <a:lin ang="5400000" scaled="0"/>
-                  <a:tileRect/>
-                </a:gradFill>
-                <a:effectLst>
-                  <a:glow rad="38100">
-                    <a:schemeClr val="bg1">
-                      <a:lumMod val="65000"/>
-                      <a:lumOff val="35000"/>
-                      <a:alpha val="40000"/>
-                    </a:schemeClr>
-                  </a:glow>
-                  <a:outerShdw blurRad="28575" dist="38100" dir="14040000" algn="tl" rotWithShape="0">
-                    <a:srgbClr val="000000">
-                      <a:alpha val="25000"/>
-                    </a:srgbClr>
-                  </a:outerShdw>
-                </a:effectLst>
+            <a:lvl1pPr marL="0" indent="0">
+              <a:buFontTx/>
+              <a:buNone/>
+              <a:defRPr sz="2400">
+                <a:solidFill>
+                  <a:schemeClr val="accent1"/>
+                </a:solidFill>
               </a:defRPr>
             </a:lvl1pPr>
+            <a:lvl2pPr marL="457200" indent="0">
+              <a:buFontTx/>
+              <a:buNone/>
+              <a:defRPr/>
+            </a:lvl2pPr>
+            <a:lvl3pPr marL="914400" indent="0">
+              <a:buFontTx/>
+              <a:buNone/>
+              <a:defRPr/>
+            </a:lvl3pPr>
+            <a:lvl4pPr marL="1371600" indent="0">
+              <a:buFontTx/>
+              <a:buNone/>
+              <a:defRPr/>
+            </a:lvl4pPr>
+            <a:lvl5pPr marL="1828800" indent="0">
+              <a:buFontTx/>
+              <a:buNone/>
+              <a:defRPr/>
+            </a:lvl5pPr>
           </a:lstStyle>
           <a:p>
-            <a:pPr marL="0" lvl="0">
-              <a:spcBef>
-                <a:spcPct val="0"/>
-              </a:spcBef>
-              <a:buNone/>
-            </a:pPr>
+            <a:pPr lvl="0"/>
             <a:r>
               <a:rPr lang="en-US"/>
               <a:t>Click to edit Master text styles</a:t>
@@ -2308,8 +2329,8 @@
         </p:nvSpPr>
         <p:spPr>
           <a:xfrm>
-            <a:off x="1141411" y="4343400"/>
-            <a:ext cx="9906000" cy="1447800"/>
+            <a:off x="677335" y="4527448"/>
+            <a:ext cx="8596668" cy="1513914"/>
           </a:xfrm>
         </p:spPr>
         <p:txBody>
@@ -2320,20 +2341,12 @@
             <a:lvl1pPr marL="0" indent="0" algn="l">
               <a:buNone/>
               <a:defRPr sz="1800">
-                <a:gradFill flip="none" rotWithShape="1">
-                  <a:gsLst>
-                    <a:gs pos="0">
-                      <a:schemeClr val="tx1"/>
-                    </a:gs>
-                    <a:gs pos="100000">
-                      <a:schemeClr val="tx1">
-                        <a:lumMod val="75000"/>
-                      </a:schemeClr>
-                    </a:gs>
-                  </a:gsLst>
-                  <a:lin ang="5400000" scaled="0"/>
-                  <a:tileRect/>
-                </a:gradFill>
+                <a:solidFill>
+                  <a:schemeClr val="tx1">
+                    <a:lumMod val="50000"/>
+                    <a:lumOff val="50000"/>
+                  </a:schemeClr>
+                </a:solidFill>
               </a:defRPr>
             </a:lvl1pPr>
             <a:lvl2pPr marL="457200" indent="0">
@@ -2494,7 +2507,7 @@
     </p:spTree>
     <p:extLst>
       <p:ext uri="{BB962C8B-B14F-4D97-AF65-F5344CB8AC3E}">
-        <p14:creationId xmlns:p14="http://schemas.microsoft.com/office/powerpoint/2010/main" val="596278978"/>
+        <p14:creationId xmlns:p14="http://schemas.microsoft.com/office/powerpoint/2010/main" val="3811713108"/>
       </p:ext>
     </p:extLst>
   </p:cSld>
@@ -2504,7 +2517,7 @@
 </p:sldLayout>
 </file>
 
-<file path=ppt/slideLayouts/slideLayout16.xml><?xml version="1.0" encoding="utf-8"?>
+<file path=ppt/slideLayouts/slideLayout15.xml><?xml version="1.0" encoding="utf-8"?>
 <p:sldLayout xmlns:a="http://schemas.openxmlformats.org/drawingml/2006/main" xmlns:r="http://schemas.openxmlformats.org/officeDocument/2006/relationships" xmlns:p="http://schemas.openxmlformats.org/presentationml/2006/main" type="vertTx" preserve="1">
   <p:cSld name="Title and Vertical Text">
     <p:spTree>
@@ -2523,7 +2536,7 @@
       </p:grpSpPr>
       <p:sp>
         <p:nvSpPr>
-          <p:cNvPr id="7" name="Title 1"/>
+          <p:cNvPr id="2" name="Title 1"/>
           <p:cNvSpPr>
             <a:spLocks noGrp="1"/>
           </p:cNvSpPr>
@@ -2531,12 +2544,7 @@
             <p:ph type="title"/>
           </p:nvPr>
         </p:nvSpPr>
-        <p:spPr>
-          <a:xfrm>
-            <a:off x="1141413" y="609600"/>
-            <a:ext cx="9905998" cy="1905000"/>
-          </a:xfrm>
-        </p:spPr>
+        <p:spPr/>
         <p:txBody>
           <a:bodyPr/>
           <a:lstStyle/>
@@ -2561,7 +2569,7 @@
         </p:nvSpPr>
         <p:spPr/>
         <p:txBody>
-          <a:bodyPr vert="eaVert" anchor="t"/>
+          <a:bodyPr vert="eaVert"/>
           <a:lstStyle/>
           <a:p>
             <a:pPr lvl="0"/>
@@ -2669,7 +2677,7 @@
     </p:spTree>
     <p:extLst>
       <p:ext uri="{BB962C8B-B14F-4D97-AF65-F5344CB8AC3E}">
-        <p14:creationId xmlns:p14="http://schemas.microsoft.com/office/powerpoint/2010/main" val="3254488477"/>
+        <p14:creationId xmlns:p14="http://schemas.microsoft.com/office/powerpoint/2010/main" val="2137150987"/>
       </p:ext>
     </p:extLst>
   </p:cSld>
@@ -2679,7 +2687,7 @@
 </p:sldLayout>
 </file>
 
-<file path=ppt/slideLayouts/slideLayout17.xml><?xml version="1.0" encoding="utf-8"?>
+<file path=ppt/slideLayouts/slideLayout16.xml><?xml version="1.0" encoding="utf-8"?>
 <p:sldLayout xmlns:a="http://schemas.openxmlformats.org/drawingml/2006/main" xmlns:r="http://schemas.openxmlformats.org/officeDocument/2006/relationships" xmlns:p="http://schemas.openxmlformats.org/presentationml/2006/main" type="vertTitleAndTx" preserve="1">
   <p:cSld name="Vertical Title and Text">
     <p:spTree>
@@ -2708,12 +2716,12 @@
         </p:nvSpPr>
         <p:spPr>
           <a:xfrm>
-            <a:off x="8836898" y="609599"/>
-            <a:ext cx="2210514" cy="5181601"/>
+            <a:off x="7967673" y="609599"/>
+            <a:ext cx="1304743" cy="5251451"/>
           </a:xfrm>
         </p:spPr>
         <p:txBody>
-          <a:bodyPr vert="eaVert"/>
+          <a:bodyPr vert="eaVert" anchor="ctr"/>
           <a:lstStyle/>
           <a:p>
             <a:r>
@@ -2736,12 +2744,12 @@
         </p:nvSpPr>
         <p:spPr>
           <a:xfrm>
-            <a:off x="1141412" y="609600"/>
-            <a:ext cx="7543800" cy="5181600"/>
+            <a:off x="677335" y="609600"/>
+            <a:ext cx="7060150" cy="5251450"/>
           </a:xfrm>
         </p:spPr>
         <p:txBody>
-          <a:bodyPr vert="eaVert" anchor="t"/>
+          <a:bodyPr vert="eaVert"/>
           <a:lstStyle/>
           <a:p>
             <a:pPr lvl="0"/>
@@ -2849,7 +2857,7 @@
     </p:spTree>
     <p:extLst>
       <p:ext uri="{BB962C8B-B14F-4D97-AF65-F5344CB8AC3E}">
-        <p14:creationId xmlns:p14="http://schemas.microsoft.com/office/powerpoint/2010/main" val="2721936227"/>
+        <p14:creationId xmlns:p14="http://schemas.microsoft.com/office/powerpoint/2010/main" val="2258256051"/>
       </p:ext>
     </p:extLst>
   </p:cSld>
@@ -2888,8 +2896,14 @@
         </p:nvSpPr>
         <p:spPr/>
         <p:txBody>
-          <a:bodyPr/>
-          <a:lstStyle/>
+          <a:bodyPr>
+            <a:normAutofit/>
+          </a:bodyPr>
+          <a:lstStyle>
+            <a:lvl1pPr>
+              <a:defRPr sz="3600"/>
+            </a:lvl1pPr>
+          </a:lstStyle>
           <a:p>
             <a:r>
               <a:rPr lang="en-US"/>
@@ -2911,7 +2925,7 @@
         </p:nvSpPr>
         <p:spPr/>
         <p:txBody>
-          <a:bodyPr anchor="ctr"/>
+          <a:bodyPr/>
           <a:lstStyle/>
           <a:p>
             <a:pPr lvl="0"/>
@@ -3019,7 +3033,7 @@
     </p:spTree>
     <p:extLst>
       <p:ext uri="{BB962C8B-B14F-4D97-AF65-F5344CB8AC3E}">
-        <p14:creationId xmlns:p14="http://schemas.microsoft.com/office/powerpoint/2010/main" val="3129472531"/>
+        <p14:creationId xmlns:p14="http://schemas.microsoft.com/office/powerpoint/2010/main" val="1323663202"/>
       </p:ext>
     </p:extLst>
   </p:cSld>
@@ -3058,15 +3072,15 @@
         </p:nvSpPr>
         <p:spPr>
           <a:xfrm>
-            <a:off x="1751013" y="3308581"/>
-            <a:ext cx="8686800" cy="1468800"/>
+            <a:off x="677335" y="2700867"/>
+            <a:ext cx="8596668" cy="1826581"/>
           </a:xfrm>
         </p:spPr>
         <p:txBody>
           <a:bodyPr anchor="b"/>
           <a:lstStyle>
-            <a:lvl1pPr algn="r">
-              <a:defRPr sz="4000" b="0" cap="all"/>
+            <a:lvl1pPr algn="l">
+              <a:defRPr sz="4000" b="0" cap="none"/>
             </a:lvl1pPr>
           </a:lstStyle>
           <a:p>
@@ -3090,32 +3104,22 @@
         </p:nvSpPr>
         <p:spPr>
           <a:xfrm>
-            <a:off x="1751011" y="4777381"/>
-            <a:ext cx="8686801" cy="860400"/>
+            <a:off x="677335" y="4527448"/>
+            <a:ext cx="8596668" cy="860400"/>
           </a:xfrm>
         </p:spPr>
         <p:txBody>
-          <a:bodyPr anchor="t">
-            <a:normAutofit/>
-          </a:bodyPr>
+          <a:bodyPr anchor="t"/>
           <a:lstStyle>
-            <a:lvl1pPr marL="0" indent="0" algn="r">
+            <a:lvl1pPr marL="0" indent="0" algn="l">
               <a:buNone/>
               <a:defRPr sz="2000">
-                <a:gradFill flip="none" rotWithShape="1">
-                  <a:gsLst>
-                    <a:gs pos="0">
-                      <a:schemeClr val="tx1"/>
-                    </a:gs>
-                    <a:gs pos="100000">
-                      <a:schemeClr val="tx1">
-                        <a:lumMod val="75000"/>
-                      </a:schemeClr>
-                    </a:gs>
-                  </a:gsLst>
-                  <a:lin ang="5400000" scaled="0"/>
-                  <a:tileRect/>
-                </a:gradFill>
+                <a:solidFill>
+                  <a:schemeClr val="tx1">
+                    <a:lumMod val="50000"/>
+                    <a:lumOff val="50000"/>
+                  </a:schemeClr>
+                </a:solidFill>
               </a:defRPr>
             </a:lvl1pPr>
             <a:lvl2pPr marL="457200" indent="0">
@@ -3276,7 +3280,7 @@
     </p:spTree>
     <p:extLst>
       <p:ext uri="{BB962C8B-B14F-4D97-AF65-F5344CB8AC3E}">
-        <p14:creationId xmlns:p14="http://schemas.microsoft.com/office/powerpoint/2010/main" val="3761329430"/>
+        <p14:creationId xmlns:p14="http://schemas.microsoft.com/office/powerpoint/2010/main" val="4293670850"/>
       </p:ext>
     </p:extLst>
   </p:cSld>
@@ -3338,43 +3342,13 @@
         </p:nvSpPr>
         <p:spPr>
           <a:xfrm>
-            <a:off x="1141412" y="2666999"/>
-            <a:ext cx="4876800" cy="3124201"/>
+            <a:off x="677334" y="2160589"/>
+            <a:ext cx="4184035" cy="3880772"/>
           </a:xfrm>
         </p:spPr>
         <p:txBody>
-          <a:bodyPr>
-            <a:normAutofit/>
-          </a:bodyPr>
-          <a:lstStyle>
-            <a:lvl1pPr>
-              <a:defRPr sz="1800"/>
-            </a:lvl1pPr>
-            <a:lvl2pPr>
-              <a:defRPr sz="1600"/>
-            </a:lvl2pPr>
-            <a:lvl3pPr>
-              <a:defRPr sz="1400"/>
-            </a:lvl3pPr>
-            <a:lvl4pPr>
-              <a:defRPr sz="1200"/>
-            </a:lvl4pPr>
-            <a:lvl5pPr>
-              <a:defRPr sz="1200"/>
-            </a:lvl5pPr>
-            <a:lvl6pPr>
-              <a:defRPr sz="1200"/>
-            </a:lvl6pPr>
-            <a:lvl7pPr>
-              <a:defRPr sz="1200"/>
-            </a:lvl7pPr>
-            <a:lvl8pPr>
-              <a:defRPr sz="1200"/>
-            </a:lvl8pPr>
-            <a:lvl9pPr>
-              <a:defRPr sz="1200"/>
-            </a:lvl9pPr>
-          </a:lstStyle>
+          <a:bodyPr/>
+          <a:lstStyle/>
           <a:p>
             <a:pPr lvl="0"/>
             <a:r>
@@ -3425,43 +3399,13 @@
         </p:nvSpPr>
         <p:spPr>
           <a:xfrm>
-            <a:off x="6170612" y="2667000"/>
-            <a:ext cx="4876800" cy="3124200"/>
+            <a:off x="5089970" y="2160589"/>
+            <a:ext cx="4184034" cy="3880773"/>
           </a:xfrm>
         </p:spPr>
         <p:txBody>
-          <a:bodyPr>
-            <a:normAutofit/>
-          </a:bodyPr>
-          <a:lstStyle>
-            <a:lvl1pPr>
-              <a:defRPr sz="1800"/>
-            </a:lvl1pPr>
-            <a:lvl2pPr>
-              <a:defRPr sz="1600"/>
-            </a:lvl2pPr>
-            <a:lvl3pPr>
-              <a:defRPr sz="1400"/>
-            </a:lvl3pPr>
-            <a:lvl4pPr>
-              <a:defRPr sz="1200"/>
-            </a:lvl4pPr>
-            <a:lvl5pPr>
-              <a:defRPr sz="1200"/>
-            </a:lvl5pPr>
-            <a:lvl6pPr>
-              <a:defRPr sz="1200"/>
-            </a:lvl6pPr>
-            <a:lvl7pPr>
-              <a:defRPr sz="1200"/>
-            </a:lvl7pPr>
-            <a:lvl8pPr>
-              <a:defRPr sz="1200"/>
-            </a:lvl8pPr>
-            <a:lvl9pPr>
-              <a:defRPr sz="1200"/>
-            </a:lvl9pPr>
-          </a:lstStyle>
+          <a:bodyPr/>
+          <a:lstStyle/>
           <a:p>
             <a:pPr lvl="0"/>
             <a:r>
@@ -3568,7 +3512,7 @@
     </p:spTree>
     <p:extLst>
       <p:ext uri="{BB962C8B-B14F-4D97-AF65-F5344CB8AC3E}">
-        <p14:creationId xmlns:p14="http://schemas.microsoft.com/office/powerpoint/2010/main" val="3944286307"/>
+        <p14:creationId xmlns:p14="http://schemas.microsoft.com/office/powerpoint/2010/main" val="1160290215"/>
       </p:ext>
     </p:extLst>
   </p:cSld>
@@ -3634,8 +3578,8 @@
         </p:nvSpPr>
         <p:spPr>
           <a:xfrm>
-            <a:off x="1429280" y="2658533"/>
-            <a:ext cx="4588931" cy="576262"/>
+            <a:off x="675745" y="2160983"/>
+            <a:ext cx="4185623" cy="576262"/>
           </a:xfrm>
         </p:spPr>
         <p:txBody>
@@ -3645,7 +3589,7 @@
           <a:lstStyle>
             <a:lvl1pPr marL="0" indent="0">
               <a:buNone/>
-              <a:defRPr sz="2800" b="0"/>
+              <a:defRPr sz="2400" b="0"/>
             </a:lvl1pPr>
             <a:lvl2pPr marL="457200" indent="0">
               <a:buNone/>
@@ -3701,43 +3645,15 @@
         </p:nvSpPr>
         <p:spPr>
           <a:xfrm>
-            <a:off x="1141412" y="3243262"/>
-            <a:ext cx="4876800" cy="2547937"/>
+            <a:off x="675745" y="2737245"/>
+            <a:ext cx="4185623" cy="3304117"/>
           </a:xfrm>
         </p:spPr>
         <p:txBody>
-          <a:bodyPr anchor="t">
+          <a:bodyPr>
             <a:normAutofit/>
           </a:bodyPr>
-          <a:lstStyle>
-            <a:lvl1pPr>
-              <a:defRPr sz="1800"/>
-            </a:lvl1pPr>
-            <a:lvl2pPr>
-              <a:defRPr sz="1600"/>
-            </a:lvl2pPr>
-            <a:lvl3pPr>
-              <a:defRPr sz="1400"/>
-            </a:lvl3pPr>
-            <a:lvl4pPr>
-              <a:defRPr sz="1200"/>
-            </a:lvl4pPr>
-            <a:lvl5pPr>
-              <a:defRPr sz="1200"/>
-            </a:lvl5pPr>
-            <a:lvl6pPr>
-              <a:defRPr sz="1200"/>
-            </a:lvl6pPr>
-            <a:lvl7pPr>
-              <a:defRPr sz="1200"/>
-            </a:lvl7pPr>
-            <a:lvl8pPr>
-              <a:defRPr sz="1200"/>
-            </a:lvl8pPr>
-            <a:lvl9pPr>
-              <a:defRPr sz="1200"/>
-            </a:lvl9pPr>
-          </a:lstStyle>
+          <a:lstStyle/>
           <a:p>
             <a:pPr lvl="0"/>
             <a:r>
@@ -3788,8 +3704,8 @@
         </p:nvSpPr>
         <p:spPr>
           <a:xfrm>
-            <a:off x="6443133" y="2667000"/>
-            <a:ext cx="4604280" cy="576262"/>
+            <a:off x="5088383" y="2160983"/>
+            <a:ext cx="4185618" cy="576262"/>
           </a:xfrm>
         </p:spPr>
         <p:txBody>
@@ -3799,7 +3715,7 @@
           <a:lstStyle>
             <a:lvl1pPr marL="0" indent="0">
               <a:buNone/>
-              <a:defRPr sz="2800" b="0"/>
+              <a:defRPr sz="2400" b="0"/>
             </a:lvl1pPr>
             <a:lvl2pPr marL="457200" indent="0">
               <a:buNone/>
@@ -3855,43 +3771,15 @@
         </p:nvSpPr>
         <p:spPr>
           <a:xfrm>
-            <a:off x="6170612" y="3243262"/>
-            <a:ext cx="4876801" cy="2547937"/>
+            <a:off x="5088384" y="2737245"/>
+            <a:ext cx="4185617" cy="3304117"/>
           </a:xfrm>
         </p:spPr>
         <p:txBody>
-          <a:bodyPr anchor="t">
+          <a:bodyPr>
             <a:normAutofit/>
           </a:bodyPr>
-          <a:lstStyle>
-            <a:lvl1pPr>
-              <a:defRPr sz="1800"/>
-            </a:lvl1pPr>
-            <a:lvl2pPr>
-              <a:defRPr sz="1600"/>
-            </a:lvl2pPr>
-            <a:lvl3pPr>
-              <a:defRPr sz="1400"/>
-            </a:lvl3pPr>
-            <a:lvl4pPr>
-              <a:defRPr sz="1200"/>
-            </a:lvl4pPr>
-            <a:lvl5pPr>
-              <a:defRPr sz="1200"/>
-            </a:lvl5pPr>
-            <a:lvl6pPr>
-              <a:defRPr sz="1200"/>
-            </a:lvl6pPr>
-            <a:lvl7pPr>
-              <a:defRPr sz="1200"/>
-            </a:lvl7pPr>
-            <a:lvl8pPr>
-              <a:defRPr sz="1200"/>
-            </a:lvl8pPr>
-            <a:lvl9pPr>
-              <a:defRPr sz="1200"/>
-            </a:lvl9pPr>
-          </a:lstStyle>
+          <a:lstStyle/>
           <a:p>
             <a:pPr lvl="0"/>
             <a:r>
@@ -3998,7 +3886,7 @@
     </p:spTree>
     <p:extLst>
       <p:ext uri="{BB962C8B-B14F-4D97-AF65-F5344CB8AC3E}">
-        <p14:creationId xmlns:p14="http://schemas.microsoft.com/office/powerpoint/2010/main" val="4173011041"/>
+        <p14:creationId xmlns:p14="http://schemas.microsoft.com/office/powerpoint/2010/main" val="3045727141"/>
       </p:ext>
     </p:extLst>
   </p:cSld>
@@ -4035,7 +3923,12 @@
             <p:ph type="title"/>
           </p:nvPr>
         </p:nvSpPr>
-        <p:spPr/>
+        <p:spPr>
+          <a:xfrm>
+            <a:off x="677334" y="609600"/>
+            <a:ext cx="8596668" cy="1320800"/>
+          </a:xfrm>
+        </p:spPr>
         <p:txBody>
           <a:bodyPr/>
           <a:lstStyle/>
@@ -4116,7 +4009,7 @@
     </p:spTree>
     <p:extLst>
       <p:ext uri="{BB962C8B-B14F-4D97-AF65-F5344CB8AC3E}">
-        <p14:creationId xmlns:p14="http://schemas.microsoft.com/office/powerpoint/2010/main" val="1717828614"/>
+        <p14:creationId xmlns:p14="http://schemas.microsoft.com/office/powerpoint/2010/main" val="695061986"/>
       </p:ext>
     </p:extLst>
   </p:cSld>
@@ -4211,7 +4104,7 @@
     </p:spTree>
     <p:extLst>
       <p:ext uri="{BB962C8B-B14F-4D97-AF65-F5344CB8AC3E}">
-        <p14:creationId xmlns:p14="http://schemas.microsoft.com/office/powerpoint/2010/main" val="4226730155"/>
+        <p14:creationId xmlns:p14="http://schemas.microsoft.com/office/powerpoint/2010/main" val="2008004010"/>
       </p:ext>
     </p:extLst>
   </p:cSld>
@@ -4250,110 +4143,23 @@
         </p:nvSpPr>
         <p:spPr>
           <a:xfrm>
-            <a:off x="1141411" y="1600200"/>
-            <a:ext cx="3549121" cy="1371600"/>
+            <a:off x="677334" y="1498604"/>
+            <a:ext cx="3854528" cy="1278466"/>
           </a:xfrm>
         </p:spPr>
         <p:txBody>
           <a:bodyPr anchor="b">
-            <a:normAutofit/>
-          </a:bodyPr>
-          <a:lstStyle>
-            <a:lvl1pPr algn="l">
-              <a:defRPr sz="2400" b="0"/>
-            </a:lvl1pPr>
-          </a:lstStyle>
-          <a:p>
-            <a:r>
-              <a:rPr lang="en-US"/>
-              <a:t>Click to edit Master title style</a:t>
-            </a:r>
-            <a:endParaRPr lang="en-US" dirty="0"/>
-          </a:p>
-        </p:txBody>
-      </p:sp>
-      <p:sp>
-        <p:nvSpPr>
-          <p:cNvPr id="3" name="Content Placeholder 2"/>
-          <p:cNvSpPr>
-            <a:spLocks noGrp="1"/>
-          </p:cNvSpPr>
-          <p:nvPr>
-            <p:ph idx="1"/>
-          </p:nvPr>
-        </p:nvSpPr>
-        <p:spPr>
-          <a:xfrm>
-            <a:off x="5103812" y="609601"/>
-            <a:ext cx="5943601" cy="5181600"/>
-          </a:xfrm>
-        </p:spPr>
-        <p:txBody>
-          <a:bodyPr anchor="ctr">
             <a:normAutofit/>
           </a:bodyPr>
           <a:lstStyle>
             <a:lvl1pPr>
               <a:defRPr sz="2000"/>
             </a:lvl1pPr>
-            <a:lvl2pPr>
-              <a:defRPr sz="1800"/>
-            </a:lvl2pPr>
-            <a:lvl3pPr>
-              <a:defRPr sz="1600"/>
-            </a:lvl3pPr>
-            <a:lvl4pPr>
-              <a:defRPr sz="1400"/>
-            </a:lvl4pPr>
-            <a:lvl5pPr>
-              <a:defRPr sz="1400"/>
-            </a:lvl5pPr>
-            <a:lvl6pPr>
-              <a:defRPr sz="1400"/>
-            </a:lvl6pPr>
-            <a:lvl7pPr>
-              <a:defRPr sz="1400"/>
-            </a:lvl7pPr>
-            <a:lvl8pPr>
-              <a:defRPr sz="1400"/>
-            </a:lvl8pPr>
-            <a:lvl9pPr>
-              <a:defRPr sz="1400"/>
-            </a:lvl9pPr>
           </a:lstStyle>
           <a:p>
-            <a:pPr lvl="0"/>
-            <a:r>
-              <a:rPr lang="en-US"/>
-              <a:t>Click to edit Master text styles</a:t>
-            </a:r>
-          </a:p>
-          <a:p>
-            <a:pPr lvl="1"/>
-            <a:r>
-              <a:rPr lang="en-US"/>
-              <a:t>Second level</a:t>
-            </a:r>
-          </a:p>
-          <a:p>
-            <a:pPr lvl="2"/>
-            <a:r>
-              <a:rPr lang="en-US"/>
-              <a:t>Third level</a:t>
-            </a:r>
-          </a:p>
-          <a:p>
-            <a:pPr lvl="3"/>
-            <a:r>
-              <a:rPr lang="en-US"/>
-              <a:t>Fourth level</a:t>
-            </a:r>
-          </a:p>
-          <a:p>
-            <a:pPr lvl="4"/>
-            <a:r>
-              <a:rPr lang="en-US"/>
-              <a:t>Fifth level</a:t>
+            <a:r>
+              <a:rPr lang="en-US"/>
+              <a:t>Click to edit Master title style</a:t>
             </a:r>
             <a:endParaRPr lang="en-US" dirty="0"/>
           </a:p>
@@ -4361,18 +4167,77 @@
       </p:sp>
       <p:sp>
         <p:nvSpPr>
-          <p:cNvPr id="4" name="Text Placeholder 3"/>
-          <p:cNvSpPr>
-            <a:spLocks noGrp="1"/>
-          </p:cNvSpPr>
-          <p:nvPr>
-            <p:ph type="body" sz="half" idx="2"/>
+          <p:cNvPr id="3" name="Content Placeholder 2"/>
+          <p:cNvSpPr>
+            <a:spLocks noGrp="1"/>
+          </p:cNvSpPr>
+          <p:nvPr>
+            <p:ph idx="1"/>
           </p:nvPr>
         </p:nvSpPr>
         <p:spPr>
           <a:xfrm>
-            <a:off x="1141411" y="2971800"/>
-            <a:ext cx="3549121" cy="1828800"/>
+            <a:off x="4760461" y="514924"/>
+            <a:ext cx="4513541" cy="5526437"/>
+          </a:xfrm>
+        </p:spPr>
+        <p:txBody>
+          <a:bodyPr>
+            <a:normAutofit/>
+          </a:bodyPr>
+          <a:lstStyle/>
+          <a:p>
+            <a:pPr lvl="0"/>
+            <a:r>
+              <a:rPr lang="en-US"/>
+              <a:t>Click to edit Master text styles</a:t>
+            </a:r>
+          </a:p>
+          <a:p>
+            <a:pPr lvl="1"/>
+            <a:r>
+              <a:rPr lang="en-US"/>
+              <a:t>Second level</a:t>
+            </a:r>
+          </a:p>
+          <a:p>
+            <a:pPr lvl="2"/>
+            <a:r>
+              <a:rPr lang="en-US"/>
+              <a:t>Third level</a:t>
+            </a:r>
+          </a:p>
+          <a:p>
+            <a:pPr lvl="3"/>
+            <a:r>
+              <a:rPr lang="en-US"/>
+              <a:t>Fourth level</a:t>
+            </a:r>
+          </a:p>
+          <a:p>
+            <a:pPr lvl="4"/>
+            <a:r>
+              <a:rPr lang="en-US"/>
+              <a:t>Fifth level</a:t>
+            </a:r>
+            <a:endParaRPr lang="en-US" dirty="0"/>
+          </a:p>
+        </p:txBody>
+      </p:sp>
+      <p:sp>
+        <p:nvSpPr>
+          <p:cNvPr id="4" name="Text Placeholder 3"/>
+          <p:cNvSpPr>
+            <a:spLocks noGrp="1"/>
+          </p:cNvSpPr>
+          <p:nvPr>
+            <p:ph type="body" sz="half" idx="2"/>
+          </p:nvPr>
+        </p:nvSpPr>
+        <p:spPr>
+          <a:xfrm>
+            <a:off x="677334" y="2777069"/>
+            <a:ext cx="3854528" cy="2584449"/>
           </a:xfrm>
         </p:spPr>
         <p:txBody>
@@ -4382,39 +4247,39 @@
           <a:lstStyle>
             <a:lvl1pPr marL="0" indent="0">
               <a:buNone/>
-              <a:defRPr sz="1600"/>
+              <a:defRPr sz="1400"/>
             </a:lvl1pPr>
-            <a:lvl2pPr marL="457200" indent="0">
+            <a:lvl2pPr marL="457063" indent="0">
+              <a:buNone/>
+              <a:defRPr sz="1400"/>
+            </a:lvl2pPr>
+            <a:lvl3pPr marL="914126" indent="0">
               <a:buNone/>
               <a:defRPr sz="1200"/>
-            </a:lvl2pPr>
-            <a:lvl3pPr marL="914400" indent="0">
+            </a:lvl3pPr>
+            <a:lvl4pPr marL="1371189" indent="0">
               <a:buNone/>
               <a:defRPr sz="1000"/>
-            </a:lvl3pPr>
-            <a:lvl4pPr marL="1371600" indent="0">
-              <a:buNone/>
-              <a:defRPr sz="900"/>
             </a:lvl4pPr>
-            <a:lvl5pPr marL="1828800" indent="0">
-              <a:buNone/>
-              <a:defRPr sz="900"/>
+            <a:lvl5pPr marL="1828251" indent="0">
+              <a:buNone/>
+              <a:defRPr sz="1000"/>
             </a:lvl5pPr>
-            <a:lvl6pPr marL="2286000" indent="0">
-              <a:buNone/>
-              <a:defRPr sz="900"/>
+            <a:lvl6pPr marL="2285314" indent="0">
+              <a:buNone/>
+              <a:defRPr sz="1000"/>
             </a:lvl6pPr>
-            <a:lvl7pPr marL="2743200" indent="0">
-              <a:buNone/>
-              <a:defRPr sz="900"/>
+            <a:lvl7pPr marL="2742377" indent="0">
+              <a:buNone/>
+              <a:defRPr sz="1000"/>
             </a:lvl7pPr>
-            <a:lvl8pPr marL="3200400" indent="0">
-              <a:buNone/>
-              <a:defRPr sz="900"/>
+            <a:lvl8pPr marL="3199440" indent="0">
+              <a:buNone/>
+              <a:defRPr sz="1000"/>
             </a:lvl8pPr>
-            <a:lvl9pPr marL="3657600" indent="0">
-              <a:buNone/>
-              <a:defRPr sz="900"/>
+            <a:lvl9pPr marL="3656503" indent="0">
+              <a:buNone/>
+              <a:defRPr sz="1000"/>
             </a:lvl9pPr>
           </a:lstStyle>
           <a:p>
@@ -4494,7 +4359,7 @@
     </p:spTree>
     <p:extLst>
       <p:ext uri="{BB962C8B-B14F-4D97-AF65-F5344CB8AC3E}">
-        <p14:creationId xmlns:p14="http://schemas.microsoft.com/office/powerpoint/2010/main" val="3644327467"/>
+        <p14:creationId xmlns:p14="http://schemas.microsoft.com/office/powerpoint/2010/main" val="2743898720"/>
       </p:ext>
     </p:extLst>
   </p:cSld>
@@ -4533,8 +4398,8 @@
         </p:nvSpPr>
         <p:spPr>
           <a:xfrm>
-            <a:off x="1141411" y="1600200"/>
-            <a:ext cx="5334001" cy="1371600"/>
+            <a:off x="677334" y="4800600"/>
+            <a:ext cx="8596667" cy="566738"/>
           </a:xfrm>
         </p:spPr>
         <p:txBody>
@@ -4543,7 +4408,7 @@
           </a:bodyPr>
           <a:lstStyle>
             <a:lvl1pPr algn="l">
-              <a:defRPr sz="2800" b="0"/>
+              <a:defRPr sz="2400" b="0"/>
             </a:lvl1pPr>
           </a:lstStyle>
           <a:p>
@@ -4557,7 +4422,7 @@
       </p:sp>
       <p:sp>
         <p:nvSpPr>
-          <p:cNvPr id="14" name="Picture Placeholder 2"/>
+          <p:cNvPr id="3" name="Picture Placeholder 2"/>
           <p:cNvSpPr>
             <a:spLocks noGrp="1" noChangeAspect="1"/>
           </p:cNvSpPr>
@@ -4567,32 +4432,9 @@
         </p:nvSpPr>
         <p:spPr>
           <a:xfrm>
-            <a:off x="7433733" y="-18288"/>
-            <a:ext cx="3276599" cy="6903720"/>
+            <a:off x="677334" y="609600"/>
+            <a:ext cx="8596668" cy="3845718"/>
           </a:xfrm>
-          <a:ln w="38100">
-            <a:gradFill flip="none" rotWithShape="1">
-              <a:gsLst>
-                <a:gs pos="0">
-                  <a:schemeClr val="bg2"/>
-                </a:gs>
-                <a:gs pos="100000">
-                  <a:schemeClr val="bg2">
-                    <a:lumMod val="75000"/>
-                  </a:schemeClr>
-                </a:gs>
-              </a:gsLst>
-              <a:lin ang="5400000" scaled="0"/>
-              <a:tileRect/>
-            </a:gradFill>
-          </a:ln>
-          <a:effectLst>
-            <a:innerShdw blurRad="57150" dist="38100" dir="10800000">
-              <a:srgbClr val="000000">
-                <a:alpha val="70000"/>
-              </a:srgbClr>
-            </a:innerShdw>
-          </a:effectLst>
         </p:spPr>
         <p:txBody>
           <a:bodyPr anchor="t">
@@ -4657,8 +4499,8 @@
         </p:nvSpPr>
         <p:spPr>
           <a:xfrm>
-            <a:off x="1141411" y="2971800"/>
-            <a:ext cx="5334001" cy="1828800"/>
+            <a:off x="677334" y="5367338"/>
+            <a:ext cx="8596667" cy="674024"/>
           </a:xfrm>
         </p:spPr>
         <p:txBody>
@@ -4668,7 +4510,7 @@
           <a:lstStyle>
             <a:lvl1pPr marL="0" indent="0">
               <a:buNone/>
-              <a:defRPr sz="1800"/>
+              <a:defRPr sz="1200"/>
             </a:lvl1pPr>
             <a:lvl2pPr marL="457200" indent="0">
               <a:buNone/>
@@ -4722,12 +4564,7 @@
             <p:ph type="dt" sz="half" idx="10"/>
           </p:nvPr>
         </p:nvSpPr>
-        <p:spPr>
-          <a:xfrm>
-            <a:off x="6399212" y="5883275"/>
-            <a:ext cx="914400" cy="365125"/>
-          </a:xfrm>
-        </p:spPr>
+        <p:spPr/>
         <p:txBody>
           <a:bodyPr/>
           <a:lstStyle/>
@@ -4750,12 +4587,7 @@
             <p:ph type="ftr" sz="quarter" idx="11"/>
           </p:nvPr>
         </p:nvSpPr>
-        <p:spPr>
-          <a:xfrm>
-            <a:off x="1141412" y="5883275"/>
-            <a:ext cx="5105400" cy="365125"/>
-          </a:xfrm>
-        </p:spPr>
+        <p:spPr/>
         <p:txBody>
           <a:bodyPr/>
           <a:lstStyle/>
@@ -4774,12 +4606,7 @@
             <p:ph type="sldNum" sz="quarter" idx="12"/>
           </p:nvPr>
         </p:nvSpPr>
-        <p:spPr>
-          <a:xfrm>
-            <a:off x="10742612" y="5883275"/>
-            <a:ext cx="322567" cy="365125"/>
-          </a:xfrm>
-        </p:spPr>
+        <p:spPr/>
         <p:txBody>
           <a:bodyPr/>
           <a:lstStyle/>
@@ -4795,7 +4622,7 @@
     </p:spTree>
     <p:extLst>
       <p:ext uri="{BB962C8B-B14F-4D97-AF65-F5344CB8AC3E}">
-        <p14:creationId xmlns:p14="http://schemas.microsoft.com/office/powerpoint/2010/main" val="1275608632"/>
+        <p14:creationId xmlns:p14="http://schemas.microsoft.com/office/powerpoint/2010/main" val="1485714340"/>
       </p:ext>
     </p:extLst>
   </p:cSld>
@@ -4809,8 +4636,8 @@
 <p:sldMaster xmlns:a="http://schemas.openxmlformats.org/drawingml/2006/main" xmlns:r="http://schemas.openxmlformats.org/officeDocument/2006/relationships" xmlns:p="http://schemas.openxmlformats.org/presentationml/2006/main">
   <p:cSld>
     <p:bg>
-      <p:bgRef idx="1003">
-        <a:schemeClr val="bg2"/>
+      <p:bgRef idx="1001">
+        <a:schemeClr val="bg1"/>
       </p:bgRef>
     </p:bg>
     <p:spTree>
@@ -4827,6 +4654,536 @@
           <a:chExt cx="0" cy="0"/>
         </a:xfrm>
       </p:grpSpPr>
+      <p:grpSp>
+        <p:nvGrpSpPr>
+          <p:cNvPr id="7" name="Group 6"/>
+          <p:cNvGrpSpPr/>
+          <p:nvPr/>
+        </p:nvGrpSpPr>
+        <p:grpSpPr>
+          <a:xfrm>
+            <a:off x="0" y="-8467"/>
+            <a:ext cx="12192000" cy="6866467"/>
+            <a:chOff x="0" y="-8467"/>
+            <a:chExt cx="12192000" cy="6866467"/>
+          </a:xfrm>
+        </p:grpSpPr>
+        <p:cxnSp>
+          <p:nvCxnSpPr>
+            <p:cNvPr id="20" name="Straight Connector 19"/>
+            <p:cNvCxnSpPr/>
+            <p:nvPr/>
+          </p:nvCxnSpPr>
+          <p:spPr>
+            <a:xfrm>
+              <a:off x="9371012" y="0"/>
+              <a:ext cx="1219200" cy="6858000"/>
+            </a:xfrm>
+            <a:prstGeom prst="line">
+              <a:avLst/>
+            </a:prstGeom>
+            <a:ln w="9525">
+              <a:solidFill>
+                <a:schemeClr val="bg1">
+                  <a:lumMod val="75000"/>
+                </a:schemeClr>
+              </a:solidFill>
+            </a:ln>
+          </p:spPr>
+          <p:style>
+            <a:lnRef idx="2">
+              <a:schemeClr val="accent1"/>
+            </a:lnRef>
+            <a:fillRef idx="0">
+              <a:schemeClr val="accent1"/>
+            </a:fillRef>
+            <a:effectRef idx="1">
+              <a:schemeClr val="accent1"/>
+            </a:effectRef>
+            <a:fontRef idx="minor">
+              <a:schemeClr val="tx1"/>
+            </a:fontRef>
+          </p:style>
+        </p:cxnSp>
+        <p:cxnSp>
+          <p:nvCxnSpPr>
+            <p:cNvPr id="21" name="Straight Connector 20"/>
+            <p:cNvCxnSpPr/>
+            <p:nvPr/>
+          </p:nvCxnSpPr>
+          <p:spPr>
+            <a:xfrm flipH="1">
+              <a:off x="7425267" y="3681413"/>
+              <a:ext cx="4763558" cy="3176587"/>
+            </a:xfrm>
+            <a:prstGeom prst="line">
+              <a:avLst/>
+            </a:prstGeom>
+            <a:ln w="9525">
+              <a:solidFill>
+                <a:schemeClr val="bg1">
+                  <a:lumMod val="85000"/>
+                </a:schemeClr>
+              </a:solidFill>
+            </a:ln>
+          </p:spPr>
+          <p:style>
+            <a:lnRef idx="2">
+              <a:schemeClr val="accent1"/>
+            </a:lnRef>
+            <a:fillRef idx="0">
+              <a:schemeClr val="accent1"/>
+            </a:fillRef>
+            <a:effectRef idx="1">
+              <a:schemeClr val="accent1"/>
+            </a:effectRef>
+            <a:fontRef idx="minor">
+              <a:schemeClr val="tx1"/>
+            </a:fontRef>
+          </p:style>
+        </p:cxnSp>
+        <p:sp>
+          <p:nvSpPr>
+            <p:cNvPr id="22" name="Rectangle 23"/>
+            <p:cNvSpPr/>
+            <p:nvPr/>
+          </p:nvSpPr>
+          <p:spPr>
+            <a:xfrm>
+              <a:off x="9181476" y="-8467"/>
+              <a:ext cx="3007349" cy="6866467"/>
+            </a:xfrm>
+            <a:custGeom>
+              <a:avLst/>
+              <a:gdLst/>
+              <a:ahLst/>
+              <a:cxnLst/>
+              <a:rect l="l" t="t" r="r" b="b"/>
+              <a:pathLst>
+                <a:path w="3007349" h="6866467">
+                  <a:moveTo>
+                    <a:pt x="2045532" y="0"/>
+                  </a:moveTo>
+                  <a:lnTo>
+                    <a:pt x="3007349" y="0"/>
+                  </a:lnTo>
+                  <a:lnTo>
+                    <a:pt x="3007349" y="6866467"/>
+                  </a:lnTo>
+                  <a:lnTo>
+                    <a:pt x="0" y="6866467"/>
+                  </a:lnTo>
+                  <a:lnTo>
+                    <a:pt x="2045532" y="0"/>
+                  </a:lnTo>
+                  <a:close/>
+                </a:path>
+              </a:pathLst>
+            </a:custGeom>
+            <a:solidFill>
+              <a:schemeClr val="accent1">
+                <a:alpha val="30000"/>
+              </a:schemeClr>
+            </a:solidFill>
+            <a:ln>
+              <a:noFill/>
+            </a:ln>
+            <a:effectLst/>
+          </p:spPr>
+          <p:style>
+            <a:lnRef idx="1">
+              <a:schemeClr val="accent1"/>
+            </a:lnRef>
+            <a:fillRef idx="3">
+              <a:schemeClr val="accent1"/>
+            </a:fillRef>
+            <a:effectRef idx="2">
+              <a:schemeClr val="accent1"/>
+            </a:effectRef>
+            <a:fontRef idx="minor">
+              <a:schemeClr val="lt1"/>
+            </a:fontRef>
+          </p:style>
+        </p:sp>
+        <p:sp>
+          <p:nvSpPr>
+            <p:cNvPr id="23" name="Rectangle 25"/>
+            <p:cNvSpPr/>
+            <p:nvPr/>
+          </p:nvSpPr>
+          <p:spPr>
+            <a:xfrm>
+              <a:off x="9603442" y="-8467"/>
+              <a:ext cx="2588558" cy="6866467"/>
+            </a:xfrm>
+            <a:custGeom>
+              <a:avLst/>
+              <a:gdLst/>
+              <a:ahLst/>
+              <a:cxnLst/>
+              <a:rect l="l" t="t" r="r" b="b"/>
+              <a:pathLst>
+                <a:path w="2573311" h="6866467">
+                  <a:moveTo>
+                    <a:pt x="0" y="0"/>
+                  </a:moveTo>
+                  <a:lnTo>
+                    <a:pt x="2573311" y="0"/>
+                  </a:lnTo>
+                  <a:lnTo>
+                    <a:pt x="2573311" y="6866467"/>
+                  </a:lnTo>
+                  <a:lnTo>
+                    <a:pt x="1202336" y="6866467"/>
+                  </a:lnTo>
+                  <a:lnTo>
+                    <a:pt x="0" y="0"/>
+                  </a:lnTo>
+                  <a:close/>
+                </a:path>
+              </a:pathLst>
+            </a:custGeom>
+            <a:solidFill>
+              <a:schemeClr val="accent1">
+                <a:alpha val="20000"/>
+              </a:schemeClr>
+            </a:solidFill>
+            <a:ln>
+              <a:noFill/>
+            </a:ln>
+            <a:effectLst/>
+          </p:spPr>
+          <p:style>
+            <a:lnRef idx="1">
+              <a:schemeClr val="accent1"/>
+            </a:lnRef>
+            <a:fillRef idx="3">
+              <a:schemeClr val="accent1"/>
+            </a:fillRef>
+            <a:effectRef idx="2">
+              <a:schemeClr val="accent1"/>
+            </a:effectRef>
+            <a:fontRef idx="minor">
+              <a:schemeClr val="lt1"/>
+            </a:fontRef>
+          </p:style>
+        </p:sp>
+        <p:sp>
+          <p:nvSpPr>
+            <p:cNvPr id="24" name="Isosceles Triangle 23"/>
+            <p:cNvSpPr/>
+            <p:nvPr/>
+          </p:nvSpPr>
+          <p:spPr>
+            <a:xfrm>
+              <a:off x="8932333" y="3048000"/>
+              <a:ext cx="3259667" cy="3810000"/>
+            </a:xfrm>
+            <a:prstGeom prst="triangle">
+              <a:avLst>
+                <a:gd name="adj" fmla="val 100000"/>
+              </a:avLst>
+            </a:prstGeom>
+            <a:solidFill>
+              <a:schemeClr val="accent2">
+                <a:alpha val="72000"/>
+              </a:schemeClr>
+            </a:solidFill>
+            <a:ln>
+              <a:noFill/>
+            </a:ln>
+            <a:effectLst/>
+          </p:spPr>
+          <p:style>
+            <a:lnRef idx="1">
+              <a:schemeClr val="accent1"/>
+            </a:lnRef>
+            <a:fillRef idx="3">
+              <a:schemeClr val="accent1"/>
+            </a:fillRef>
+            <a:effectRef idx="2">
+              <a:schemeClr val="accent1"/>
+            </a:effectRef>
+            <a:fontRef idx="minor">
+              <a:schemeClr val="lt1"/>
+            </a:fontRef>
+          </p:style>
+        </p:sp>
+        <p:sp>
+          <p:nvSpPr>
+            <p:cNvPr id="25" name="Rectangle 27"/>
+            <p:cNvSpPr/>
+            <p:nvPr/>
+          </p:nvSpPr>
+          <p:spPr>
+            <a:xfrm>
+              <a:off x="9334500" y="-8467"/>
+              <a:ext cx="2854326" cy="6866467"/>
+            </a:xfrm>
+            <a:custGeom>
+              <a:avLst/>
+              <a:gdLst/>
+              <a:ahLst/>
+              <a:cxnLst/>
+              <a:rect l="l" t="t" r="r" b="b"/>
+              <a:pathLst>
+                <a:path w="2858013" h="6866467">
+                  <a:moveTo>
+                    <a:pt x="0" y="0"/>
+                  </a:moveTo>
+                  <a:lnTo>
+                    <a:pt x="2858013" y="0"/>
+                  </a:lnTo>
+                  <a:lnTo>
+                    <a:pt x="2858013" y="6866467"/>
+                  </a:lnTo>
+                  <a:lnTo>
+                    <a:pt x="2473942" y="6866467"/>
+                  </a:lnTo>
+                  <a:lnTo>
+                    <a:pt x="0" y="0"/>
+                  </a:lnTo>
+                  <a:close/>
+                </a:path>
+              </a:pathLst>
+            </a:custGeom>
+            <a:solidFill>
+              <a:schemeClr val="accent2">
+                <a:lumMod val="75000"/>
+                <a:alpha val="70000"/>
+              </a:schemeClr>
+            </a:solidFill>
+            <a:ln>
+              <a:noFill/>
+            </a:ln>
+            <a:effectLst/>
+          </p:spPr>
+          <p:style>
+            <a:lnRef idx="1">
+              <a:schemeClr val="accent1"/>
+            </a:lnRef>
+            <a:fillRef idx="3">
+              <a:schemeClr val="accent1"/>
+            </a:fillRef>
+            <a:effectRef idx="2">
+              <a:schemeClr val="accent1"/>
+            </a:effectRef>
+            <a:fontRef idx="minor">
+              <a:schemeClr val="lt1"/>
+            </a:fontRef>
+          </p:style>
+        </p:sp>
+        <p:sp>
+          <p:nvSpPr>
+            <p:cNvPr id="26" name="Rectangle 28"/>
+            <p:cNvSpPr/>
+            <p:nvPr/>
+          </p:nvSpPr>
+          <p:spPr>
+            <a:xfrm>
+              <a:off x="10898730" y="-8467"/>
+              <a:ext cx="1290094" cy="6866467"/>
+            </a:xfrm>
+            <a:custGeom>
+              <a:avLst/>
+              <a:gdLst/>
+              <a:ahLst/>
+              <a:cxnLst/>
+              <a:rect l="l" t="t" r="r" b="b"/>
+              <a:pathLst>
+                <a:path w="1290094" h="6858000">
+                  <a:moveTo>
+                    <a:pt x="1019735" y="0"/>
+                  </a:moveTo>
+                  <a:lnTo>
+                    <a:pt x="1290094" y="0"/>
+                  </a:lnTo>
+                  <a:lnTo>
+                    <a:pt x="1290094" y="6858000"/>
+                  </a:lnTo>
+                  <a:lnTo>
+                    <a:pt x="0" y="6858000"/>
+                  </a:lnTo>
+                  <a:lnTo>
+                    <a:pt x="1019735" y="0"/>
+                  </a:lnTo>
+                  <a:close/>
+                </a:path>
+              </a:pathLst>
+            </a:custGeom>
+            <a:solidFill>
+              <a:schemeClr val="accent1">
+                <a:lumMod val="60000"/>
+                <a:lumOff val="40000"/>
+                <a:alpha val="70000"/>
+              </a:schemeClr>
+            </a:solidFill>
+            <a:ln>
+              <a:noFill/>
+            </a:ln>
+            <a:effectLst/>
+          </p:spPr>
+          <p:style>
+            <a:lnRef idx="1">
+              <a:schemeClr val="accent1"/>
+            </a:lnRef>
+            <a:fillRef idx="3">
+              <a:schemeClr val="accent1"/>
+            </a:fillRef>
+            <a:effectRef idx="2">
+              <a:schemeClr val="accent1"/>
+            </a:effectRef>
+            <a:fontRef idx="minor">
+              <a:schemeClr val="lt1"/>
+            </a:fontRef>
+          </p:style>
+        </p:sp>
+        <p:sp>
+          <p:nvSpPr>
+            <p:cNvPr id="27" name="Rectangle 29"/>
+            <p:cNvSpPr/>
+            <p:nvPr/>
+          </p:nvSpPr>
+          <p:spPr>
+            <a:xfrm>
+              <a:off x="10938999" y="-8467"/>
+              <a:ext cx="1249825" cy="6866467"/>
+            </a:xfrm>
+            <a:custGeom>
+              <a:avLst/>
+              <a:gdLst/>
+              <a:ahLst/>
+              <a:cxnLst/>
+              <a:rect l="l" t="t" r="r" b="b"/>
+              <a:pathLst>
+                <a:path w="1249825" h="6858000">
+                  <a:moveTo>
+                    <a:pt x="0" y="0"/>
+                  </a:moveTo>
+                  <a:lnTo>
+                    <a:pt x="1249825" y="0"/>
+                  </a:lnTo>
+                  <a:lnTo>
+                    <a:pt x="1249825" y="6858000"/>
+                  </a:lnTo>
+                  <a:lnTo>
+                    <a:pt x="1109382" y="6858000"/>
+                  </a:lnTo>
+                  <a:lnTo>
+                    <a:pt x="0" y="0"/>
+                  </a:lnTo>
+                  <a:close/>
+                </a:path>
+              </a:pathLst>
+            </a:custGeom>
+            <a:solidFill>
+              <a:schemeClr val="accent1">
+                <a:alpha val="65000"/>
+              </a:schemeClr>
+            </a:solidFill>
+            <a:ln>
+              <a:noFill/>
+            </a:ln>
+            <a:effectLst/>
+          </p:spPr>
+          <p:style>
+            <a:lnRef idx="1">
+              <a:schemeClr val="accent1"/>
+            </a:lnRef>
+            <a:fillRef idx="3">
+              <a:schemeClr val="accent1"/>
+            </a:fillRef>
+            <a:effectRef idx="2">
+              <a:schemeClr val="accent1"/>
+            </a:effectRef>
+            <a:fontRef idx="minor">
+              <a:schemeClr val="lt1"/>
+            </a:fontRef>
+          </p:style>
+        </p:sp>
+        <p:sp>
+          <p:nvSpPr>
+            <p:cNvPr id="28" name="Isosceles Triangle 27"/>
+            <p:cNvSpPr/>
+            <p:nvPr/>
+          </p:nvSpPr>
+          <p:spPr>
+            <a:xfrm>
+              <a:off x="10371666" y="3589867"/>
+              <a:ext cx="1817159" cy="3268133"/>
+            </a:xfrm>
+            <a:prstGeom prst="triangle">
+              <a:avLst>
+                <a:gd name="adj" fmla="val 100000"/>
+              </a:avLst>
+            </a:prstGeom>
+            <a:solidFill>
+              <a:schemeClr val="accent1">
+                <a:alpha val="80000"/>
+              </a:schemeClr>
+            </a:solidFill>
+            <a:ln>
+              <a:noFill/>
+            </a:ln>
+            <a:effectLst/>
+          </p:spPr>
+          <p:style>
+            <a:lnRef idx="1">
+              <a:schemeClr val="accent1"/>
+            </a:lnRef>
+            <a:fillRef idx="3">
+              <a:schemeClr val="accent1"/>
+            </a:fillRef>
+            <a:effectRef idx="2">
+              <a:schemeClr val="accent1"/>
+            </a:effectRef>
+            <a:fontRef idx="minor">
+              <a:schemeClr val="lt1"/>
+            </a:fontRef>
+          </p:style>
+        </p:sp>
+        <p:sp>
+          <p:nvSpPr>
+            <p:cNvPr id="29" name="Isosceles Triangle 28"/>
+            <p:cNvSpPr/>
+            <p:nvPr/>
+          </p:nvSpPr>
+          <p:spPr>
+            <a:xfrm>
+              <a:off x="0" y="4013200"/>
+              <a:ext cx="448733" cy="2844800"/>
+            </a:xfrm>
+            <a:prstGeom prst="triangle">
+              <a:avLst>
+                <a:gd name="adj" fmla="val 0"/>
+              </a:avLst>
+            </a:prstGeom>
+            <a:solidFill>
+              <a:schemeClr val="accent1">
+                <a:alpha val="85000"/>
+              </a:schemeClr>
+            </a:solidFill>
+            <a:ln>
+              <a:noFill/>
+            </a:ln>
+            <a:effectLst/>
+          </p:spPr>
+          <p:style>
+            <a:lnRef idx="1">
+              <a:schemeClr val="accent1"/>
+            </a:lnRef>
+            <a:fillRef idx="3">
+              <a:schemeClr val="accent1"/>
+            </a:fillRef>
+            <a:effectRef idx="2">
+              <a:schemeClr val="accent1"/>
+            </a:effectRef>
+            <a:fontRef idx="minor">
+              <a:schemeClr val="lt1"/>
+            </a:fontRef>
+          </p:style>
+        </p:sp>
+      </p:grpSp>
       <p:sp>
         <p:nvSpPr>
           <p:cNvPr id="2" name="Title Placeholder 1"/>
@@ -4839,15 +5196,15 @@
         </p:nvSpPr>
         <p:spPr>
           <a:xfrm>
-            <a:off x="1141413" y="609600"/>
-            <a:ext cx="9905998" cy="1905000"/>
+            <a:off x="677334" y="609600"/>
+            <a:ext cx="8596668" cy="1320800"/>
           </a:xfrm>
           <a:prstGeom prst="rect">
             <a:avLst/>
           </a:prstGeom>
         </p:spPr>
         <p:txBody>
-          <a:bodyPr vert="horz" lIns="91440" tIns="45720" rIns="91440" bIns="45720" rtlCol="0" anchor="ctr">
+          <a:bodyPr vert="horz" lIns="91440" tIns="45720" rIns="91440" bIns="45720" rtlCol="0" anchor="t">
             <a:normAutofit/>
           </a:bodyPr>
           <a:lstStyle/>
@@ -4872,15 +5229,15 @@
         </p:nvSpPr>
         <p:spPr>
           <a:xfrm>
-            <a:off x="1141413" y="2666999"/>
-            <a:ext cx="9905998" cy="3124201"/>
+            <a:off x="677334" y="2160589"/>
+            <a:ext cx="8596668" cy="3880773"/>
           </a:xfrm>
           <a:prstGeom prst="rect">
             <a:avLst/>
           </a:prstGeom>
         </p:spPr>
         <p:txBody>
-          <a:bodyPr vert="horz" lIns="91440" tIns="45720" rIns="91440" bIns="45720" rtlCol="0" anchor="ctr">
+          <a:bodyPr vert="horz" lIns="91440" tIns="45720" rIns="91440" bIns="45720" rtlCol="0">
             <a:normAutofit/>
           </a:bodyPr>
           <a:lstStyle/>
@@ -4934,8 +5291,8 @@
         </p:nvSpPr>
         <p:spPr>
           <a:xfrm>
-            <a:off x="8837612" y="5883275"/>
-            <a:ext cx="1600200" cy="365125"/>
+            <a:off x="7205133" y="6041362"/>
+            <a:ext cx="911939" cy="365125"/>
           </a:xfrm>
           <a:prstGeom prst="rect">
             <a:avLst/>
@@ -4945,20 +5302,12 @@
           <a:bodyPr vert="horz" lIns="91440" tIns="45720" rIns="91440" bIns="45720" rtlCol="0" anchor="ctr"/>
           <a:lstStyle>
             <a:lvl1pPr algn="r">
-              <a:defRPr sz="900" b="1" i="0">
+              <a:defRPr sz="900">
                 <a:solidFill>
                   <a:schemeClr val="tx1">
-                    <a:lumMod val="75000"/>
-                  </a:schemeClr>
-                </a:solidFill>
-                <a:effectLst>
-                  <a:outerShdw blurRad="50800" dist="38100" dir="2700000" algn="tl" rotWithShape="0">
-                    <a:srgbClr val="000000">
-                      <a:alpha val="43000"/>
-                    </a:srgbClr>
-                  </a:outerShdw>
-                </a:effectLst>
-                <a:latin typeface="+mn-lt"/>
+                    <a:tint val="75000"/>
+                  </a:schemeClr>
+                </a:solidFill>
               </a:defRPr>
             </a:lvl1pPr>
           </a:lstStyle>
@@ -4983,8 +5332,8 @@
         </p:nvSpPr>
         <p:spPr>
           <a:xfrm>
-            <a:off x="1141412" y="5883275"/>
-            <a:ext cx="7543800" cy="365125"/>
+            <a:off x="677334" y="6041362"/>
+            <a:ext cx="6297612" cy="365125"/>
           </a:xfrm>
           <a:prstGeom prst="rect">
             <a:avLst/>
@@ -4994,20 +5343,12 @@
           <a:bodyPr vert="horz" lIns="91440" tIns="45720" rIns="91440" bIns="45720" rtlCol="0" anchor="ctr"/>
           <a:lstStyle>
             <a:lvl1pPr algn="l">
-              <a:defRPr sz="900" b="1" i="0">
+              <a:defRPr sz="900">
                 <a:solidFill>
                   <a:schemeClr val="tx1">
-                    <a:lumMod val="75000"/>
-                  </a:schemeClr>
-                </a:solidFill>
-                <a:effectLst>
-                  <a:outerShdw blurRad="50800" dist="38100" dir="2700000" algn="tl" rotWithShape="0">
-                    <a:srgbClr val="000000">
-                      <a:alpha val="43000"/>
-                    </a:srgbClr>
-                  </a:outerShdw>
-                </a:effectLst>
-                <a:latin typeface="+mn-lt"/>
+                    <a:tint val="75000"/>
+                  </a:schemeClr>
+                </a:solidFill>
               </a:defRPr>
             </a:lvl1pPr>
           </a:lstStyle>
@@ -5028,8 +5369,8 @@
         </p:nvSpPr>
         <p:spPr>
           <a:xfrm>
-            <a:off x="10514012" y="5883275"/>
-            <a:ext cx="551167" cy="365125"/>
+            <a:off x="8590663" y="6041362"/>
+            <a:ext cx="683339" cy="365125"/>
           </a:xfrm>
           <a:prstGeom prst="rect">
             <a:avLst/>
@@ -5039,20 +5380,10 @@
           <a:bodyPr vert="horz" lIns="91440" tIns="45720" rIns="91440" bIns="45720" rtlCol="0" anchor="ctr"/>
           <a:lstStyle>
             <a:lvl1pPr algn="r">
-              <a:defRPr sz="900" b="1" i="0">
-                <a:solidFill>
-                  <a:schemeClr val="tx1">
-                    <a:lumMod val="75000"/>
-                  </a:schemeClr>
-                </a:solidFill>
-                <a:effectLst>
-                  <a:outerShdw blurRad="50800" dist="38100" dir="2700000" algn="tl" rotWithShape="0">
-                    <a:srgbClr val="000000">
-                      <a:alpha val="43000"/>
-                    </a:srgbClr>
-                  </a:outerShdw>
-                </a:effectLst>
-                <a:latin typeface="+mn-lt"/>
+              <a:defRPr sz="900">
+                <a:solidFill>
+                  <a:schemeClr val="accent1"/>
+                </a:solidFill>
               </a:defRPr>
             </a:lvl1pPr>
           </a:lstStyle>
@@ -5068,29 +5399,28 @@
     </p:spTree>
     <p:extLst>
       <p:ext uri="{BB962C8B-B14F-4D97-AF65-F5344CB8AC3E}">
-        <p14:creationId xmlns:p14="http://schemas.microsoft.com/office/powerpoint/2010/main" val="2584177654"/>
+        <p14:creationId xmlns:p14="http://schemas.microsoft.com/office/powerpoint/2010/main" val="3199557256"/>
       </p:ext>
     </p:extLst>
   </p:cSld>
-  <p:clrMap bg1="dk1" tx1="lt1" bg2="dk2" tx2="lt2" accent1="accent1" accent2="accent2" accent3="accent3" accent4="accent4" accent5="accent5" accent6="accent6" hlink="hlink" folHlink="folHlink"/>
+  <p:clrMap bg1="lt1" tx1="dk1" bg2="lt2" tx2="dk2" accent1="accent1" accent2="accent2" accent3="accent3" accent4="accent4" accent5="accent5" accent6="accent6" hlink="hlink" folHlink="folHlink"/>
   <p:sldLayoutIdLst>
-    <p:sldLayoutId id="2147483757" r:id="rId1"/>
-    <p:sldLayoutId id="2147483758" r:id="rId2"/>
-    <p:sldLayoutId id="2147483759" r:id="rId3"/>
-    <p:sldLayoutId id="2147483760" r:id="rId4"/>
-    <p:sldLayoutId id="2147483761" r:id="rId5"/>
-    <p:sldLayoutId id="2147483762" r:id="rId6"/>
-    <p:sldLayoutId id="2147483763" r:id="rId7"/>
-    <p:sldLayoutId id="2147483764" r:id="rId8"/>
-    <p:sldLayoutId id="2147483765" r:id="rId9"/>
-    <p:sldLayoutId id="2147483766" r:id="rId10"/>
-    <p:sldLayoutId id="2147483767" r:id="rId11"/>
-    <p:sldLayoutId id="2147483768" r:id="rId12"/>
-    <p:sldLayoutId id="2147483769" r:id="rId13"/>
-    <p:sldLayoutId id="2147483770" r:id="rId14"/>
-    <p:sldLayoutId id="2147483771" r:id="rId15"/>
-    <p:sldLayoutId id="2147483772" r:id="rId16"/>
-    <p:sldLayoutId id="2147483773" r:id="rId17"/>
+    <p:sldLayoutId id="2147483805" r:id="rId1"/>
+    <p:sldLayoutId id="2147483806" r:id="rId2"/>
+    <p:sldLayoutId id="2147483807" r:id="rId3"/>
+    <p:sldLayoutId id="2147483808" r:id="rId4"/>
+    <p:sldLayoutId id="2147483809" r:id="rId5"/>
+    <p:sldLayoutId id="2147483810" r:id="rId6"/>
+    <p:sldLayoutId id="2147483811" r:id="rId7"/>
+    <p:sldLayoutId id="2147483812" r:id="rId8"/>
+    <p:sldLayoutId id="2147483813" r:id="rId9"/>
+    <p:sldLayoutId id="2147483814" r:id="rId10"/>
+    <p:sldLayoutId id="2147483815" r:id="rId11"/>
+    <p:sldLayoutId id="2147483816" r:id="rId12"/>
+    <p:sldLayoutId id="2147483817" r:id="rId13"/>
+    <p:sldLayoutId id="2147483818" r:id="rId14"/>
+    <p:sldLayoutId id="2147483819" r:id="rId15"/>
+    <p:sldLayoutId id="2147483820" r:id="rId16"/>
   </p:sldLayoutIdLst>
   <p:txStyles>
     <p:titleStyle>
@@ -5099,38 +5429,10 @@
           <a:spcPct val="0"/>
         </a:spcBef>
         <a:buNone/>
-        <a:defRPr sz="3200" kern="1200" cap="all">
-          <a:ln w="3175" cmpd="sng">
-            <a:noFill/>
-          </a:ln>
-          <a:gradFill flip="none" rotWithShape="1">
-            <a:gsLst>
-              <a:gs pos="0">
-                <a:schemeClr val="tx1"/>
-              </a:gs>
-              <a:gs pos="100000">
-                <a:schemeClr val="tx1">
-                  <a:lumMod val="65000"/>
-                </a:schemeClr>
-              </a:gs>
-            </a:gsLst>
-            <a:lin ang="5580000" scaled="0"/>
-            <a:tileRect/>
-          </a:gradFill>
-          <a:effectLst>
-            <a:glow rad="38100">
-              <a:schemeClr val="bg1">
-                <a:lumMod val="65000"/>
-                <a:lumOff val="35000"/>
-                <a:alpha val="40000"/>
-              </a:schemeClr>
-            </a:glow>
-            <a:outerShdw blurRad="28575" dist="38100" dir="14040000" algn="tl" rotWithShape="0">
-              <a:srgbClr val="000000">
-                <a:alpha val="25000"/>
-              </a:srgbClr>
-            </a:outerShdw>
-          </a:effectLst>
+        <a:defRPr sz="3600" kern="1200">
+          <a:solidFill>
+            <a:schemeClr val="accent1"/>
+          </a:solidFill>
           <a:latin typeface="+mj-lt"/>
           <a:ea typeface="+mj-ea"/>
           <a:cs typeface="+mj-cs"/>
@@ -5194,48 +5496,26 @@
       </a:lvl9pPr>
     </p:titleStyle>
     <p:bodyStyle>
-      <a:lvl1pPr marL="285750" indent="-285750" algn="l" defTabSz="457200" rtl="0" eaLnBrk="1" latinLnBrk="0" hangingPunct="1">
+      <a:lvl1pPr marL="342900" indent="-342900" algn="l" defTabSz="457200" rtl="0" eaLnBrk="1" latinLnBrk="0" hangingPunct="1">
         <a:spcBef>
-          <a:spcPct val="20000"/>
+          <a:spcPts val="1000"/>
         </a:spcBef>
         <a:spcAft>
-          <a:spcPts val="600"/>
+          <a:spcPts val="0"/>
         </a:spcAft>
         <a:buClr>
-          <a:schemeClr val="tx1"/>
+          <a:schemeClr val="accent1"/>
         </a:buClr>
-        <a:buSzPct val="100000"/>
-        <a:buFont typeface="Arial"/>
-        <a:buChar char="•"/>
-        <a:defRPr sz="2000" kern="1200" cap="small">
-          <a:gradFill flip="none" rotWithShape="1">
-            <a:gsLst>
-              <a:gs pos="0">
-                <a:schemeClr val="tx1"/>
-              </a:gs>
-              <a:gs pos="100000">
-                <a:schemeClr val="tx1">
-                  <a:lumMod val="75000"/>
-                </a:schemeClr>
-              </a:gs>
-            </a:gsLst>
-            <a:lin ang="5580000" scaled="0"/>
-            <a:tileRect/>
-          </a:gradFill>
-          <a:effectLst>
-            <a:glow rad="38100">
-              <a:schemeClr val="bg1">
-                <a:lumMod val="50000"/>
-                <a:lumOff val="50000"/>
-                <a:alpha val="20000"/>
-              </a:schemeClr>
-            </a:glow>
-            <a:outerShdw blurRad="44450" dist="12700" dir="13860000" algn="tl" rotWithShape="0">
-              <a:srgbClr val="000000">
-                <a:alpha val="20000"/>
-              </a:srgbClr>
-            </a:outerShdw>
-          </a:effectLst>
+        <a:buSzPct val="80000"/>
+        <a:buFont typeface="Wingdings 3" charset="2"/>
+        <a:buChar char=""/>
+        <a:defRPr sz="1800" kern="1200">
+          <a:solidFill>
+            <a:schemeClr val="tx1">
+              <a:lumMod val="75000"/>
+              <a:lumOff val="25000"/>
+            </a:schemeClr>
+          </a:solidFill>
           <a:latin typeface="+mn-lt"/>
           <a:ea typeface="+mn-ea"/>
           <a:cs typeface="+mn-cs"/>
@@ -5243,187 +5523,99 @@
       </a:lvl1pPr>
       <a:lvl2pPr marL="742950" indent="-285750" algn="l" defTabSz="457200" rtl="0" eaLnBrk="1" latinLnBrk="0" hangingPunct="1">
         <a:spcBef>
-          <a:spcPct val="20000"/>
+          <a:spcPts val="1000"/>
         </a:spcBef>
         <a:spcAft>
-          <a:spcPts val="600"/>
+          <a:spcPts val="0"/>
         </a:spcAft>
         <a:buClr>
-          <a:schemeClr val="tx1"/>
+          <a:schemeClr val="accent1"/>
         </a:buClr>
-        <a:buSzPct val="100000"/>
-        <a:buFont typeface="Arial"/>
-        <a:buChar char="•"/>
-        <a:defRPr sz="1800" kern="1200" cap="small">
-          <a:gradFill flip="none" rotWithShape="1">
-            <a:gsLst>
-              <a:gs pos="0">
-                <a:schemeClr val="tx1"/>
-              </a:gs>
-              <a:gs pos="100000">
-                <a:schemeClr val="tx1">
-                  <a:lumMod val="75000"/>
-                </a:schemeClr>
-              </a:gs>
-            </a:gsLst>
-            <a:lin ang="5580000" scaled="0"/>
-            <a:tileRect/>
-          </a:gradFill>
-          <a:effectLst>
-            <a:glow rad="38100">
-              <a:schemeClr val="bg1">
-                <a:lumMod val="50000"/>
-                <a:lumOff val="50000"/>
-                <a:alpha val="20000"/>
-              </a:schemeClr>
-            </a:glow>
-            <a:outerShdw blurRad="44450" dist="12700" dir="13860000" algn="tl" rotWithShape="0">
-              <a:srgbClr val="000000">
-                <a:alpha val="20000"/>
-              </a:srgbClr>
-            </a:outerShdw>
-          </a:effectLst>
+        <a:buSzPct val="80000"/>
+        <a:buFont typeface="Wingdings 3" charset="2"/>
+        <a:buChar char=""/>
+        <a:defRPr sz="1600" kern="1200">
+          <a:solidFill>
+            <a:schemeClr val="tx1">
+              <a:lumMod val="75000"/>
+              <a:lumOff val="25000"/>
+            </a:schemeClr>
+          </a:solidFill>
           <a:latin typeface="+mn-lt"/>
           <a:ea typeface="+mn-ea"/>
           <a:cs typeface="+mn-cs"/>
         </a:defRPr>
       </a:lvl2pPr>
-      <a:lvl3pPr marL="1200150" indent="-285750" algn="l" defTabSz="457200" rtl="0" eaLnBrk="1" latinLnBrk="0" hangingPunct="1">
+      <a:lvl3pPr marL="1143000" indent="-228600" algn="l" defTabSz="457200" rtl="0" eaLnBrk="1" latinLnBrk="0" hangingPunct="1">
         <a:spcBef>
-          <a:spcPct val="20000"/>
+          <a:spcPts val="1000"/>
         </a:spcBef>
         <a:spcAft>
-          <a:spcPts val="600"/>
+          <a:spcPts val="0"/>
         </a:spcAft>
         <a:buClr>
-          <a:schemeClr val="tx1"/>
+          <a:schemeClr val="accent1"/>
         </a:buClr>
-        <a:buSzPct val="100000"/>
-        <a:buFont typeface="Arial"/>
-        <a:buChar char="•"/>
-        <a:defRPr sz="1600" kern="1200" cap="small">
-          <a:gradFill flip="none" rotWithShape="1">
-            <a:gsLst>
-              <a:gs pos="0">
-                <a:schemeClr val="tx1"/>
-              </a:gs>
-              <a:gs pos="100000">
-                <a:schemeClr val="tx1">
-                  <a:lumMod val="75000"/>
-                </a:schemeClr>
-              </a:gs>
-            </a:gsLst>
-            <a:lin ang="5580000" scaled="0"/>
-            <a:tileRect/>
-          </a:gradFill>
-          <a:effectLst>
-            <a:glow rad="38100">
-              <a:schemeClr val="bg1">
-                <a:lumMod val="50000"/>
-                <a:lumOff val="50000"/>
-                <a:alpha val="20000"/>
-              </a:schemeClr>
-            </a:glow>
-            <a:outerShdw blurRad="44450" dist="12700" dir="13860000" algn="tl" rotWithShape="0">
-              <a:srgbClr val="000000">
-                <a:alpha val="20000"/>
-              </a:srgbClr>
-            </a:outerShdw>
-          </a:effectLst>
+        <a:buSzPct val="80000"/>
+        <a:buFont typeface="Wingdings 3" charset="2"/>
+        <a:buChar char=""/>
+        <a:defRPr sz="1400" kern="1200">
+          <a:solidFill>
+            <a:schemeClr val="tx1">
+              <a:lumMod val="75000"/>
+              <a:lumOff val="25000"/>
+            </a:schemeClr>
+          </a:solidFill>
           <a:latin typeface="+mn-lt"/>
           <a:ea typeface="+mn-ea"/>
           <a:cs typeface="+mn-cs"/>
         </a:defRPr>
       </a:lvl3pPr>
-      <a:lvl4pPr marL="1543050" indent="-171450" algn="l" defTabSz="457200" rtl="0" eaLnBrk="1" latinLnBrk="0" hangingPunct="1">
+      <a:lvl4pPr marL="1600200" indent="-228600" algn="l" defTabSz="457200" rtl="0" eaLnBrk="1" latinLnBrk="0" hangingPunct="1">
         <a:spcBef>
-          <a:spcPct val="20000"/>
+          <a:spcPts val="1000"/>
         </a:spcBef>
         <a:spcAft>
-          <a:spcPts val="600"/>
+          <a:spcPts val="0"/>
         </a:spcAft>
         <a:buClr>
-          <a:schemeClr val="tx1"/>
+          <a:schemeClr val="accent1"/>
         </a:buClr>
-        <a:buSzPct val="100000"/>
-        <a:buFont typeface="Arial"/>
-        <a:buChar char="•"/>
-        <a:defRPr sz="1400" kern="1200" cap="small">
-          <a:gradFill flip="none" rotWithShape="1">
-            <a:gsLst>
-              <a:gs pos="0">
-                <a:schemeClr val="tx1"/>
-              </a:gs>
-              <a:gs pos="100000">
-                <a:schemeClr val="tx1">
-                  <a:lumMod val="75000"/>
-                </a:schemeClr>
-              </a:gs>
-            </a:gsLst>
-            <a:lin ang="5580000" scaled="0"/>
-            <a:tileRect/>
-          </a:gradFill>
-          <a:effectLst>
-            <a:glow rad="38100">
-              <a:schemeClr val="bg1">
-                <a:lumMod val="50000"/>
-                <a:lumOff val="50000"/>
-                <a:alpha val="20000"/>
-              </a:schemeClr>
-            </a:glow>
-            <a:outerShdw blurRad="44450" dist="12700" dir="13860000" algn="tl" rotWithShape="0">
-              <a:srgbClr val="000000">
-                <a:alpha val="20000"/>
-              </a:srgbClr>
-            </a:outerShdw>
-          </a:effectLst>
+        <a:buSzPct val="80000"/>
+        <a:buFont typeface="Wingdings 3" charset="2"/>
+        <a:buChar char=""/>
+        <a:defRPr sz="1200" kern="1200">
+          <a:solidFill>
+            <a:schemeClr val="tx1">
+              <a:lumMod val="75000"/>
+              <a:lumOff val="25000"/>
+            </a:schemeClr>
+          </a:solidFill>
           <a:latin typeface="+mn-lt"/>
           <a:ea typeface="+mn-ea"/>
           <a:cs typeface="+mn-cs"/>
         </a:defRPr>
       </a:lvl4pPr>
-      <a:lvl5pPr marL="2000250" indent="-171450" algn="l" defTabSz="457200" rtl="0" eaLnBrk="1" latinLnBrk="0" hangingPunct="1">
+      <a:lvl5pPr marL="2057400" indent="-228600" algn="l" defTabSz="457200" rtl="0" eaLnBrk="1" latinLnBrk="0" hangingPunct="1">
         <a:spcBef>
-          <a:spcPct val="20000"/>
+          <a:spcPts val="1000"/>
         </a:spcBef>
         <a:spcAft>
-          <a:spcPts val="600"/>
+          <a:spcPts val="0"/>
         </a:spcAft>
         <a:buClr>
-          <a:schemeClr val="tx1"/>
+          <a:schemeClr val="accent1"/>
         </a:buClr>
-        <a:buSzPct val="100000"/>
-        <a:buFont typeface="Arial"/>
-        <a:buChar char="•"/>
-        <a:defRPr sz="1400" kern="1200" cap="small">
-          <a:gradFill flip="none" rotWithShape="1">
-            <a:gsLst>
-              <a:gs pos="0">
-                <a:schemeClr val="tx1"/>
-              </a:gs>
-              <a:gs pos="100000">
-                <a:schemeClr val="tx1">
-                  <a:lumMod val="75000"/>
-                </a:schemeClr>
-              </a:gs>
-            </a:gsLst>
-            <a:lin ang="5580000" scaled="0"/>
-            <a:tileRect/>
-          </a:gradFill>
-          <a:effectLst>
-            <a:glow rad="38100">
-              <a:schemeClr val="bg1">
-                <a:lumMod val="50000"/>
-                <a:lumOff val="50000"/>
-                <a:alpha val="20000"/>
-              </a:schemeClr>
-            </a:glow>
-            <a:outerShdw blurRad="44450" dist="12700" dir="13860000" algn="tl" rotWithShape="0">
-              <a:srgbClr val="000000">
-                <a:alpha val="20000"/>
-              </a:srgbClr>
-            </a:outerShdw>
-          </a:effectLst>
+        <a:buSzPct val="80000"/>
+        <a:buFont typeface="Wingdings 3" charset="2"/>
+        <a:buChar char=""/>
+        <a:defRPr sz="1200" kern="1200">
+          <a:solidFill>
+            <a:schemeClr val="tx1">
+              <a:lumMod val="75000"/>
+              <a:lumOff val="25000"/>
+            </a:schemeClr>
+          </a:solidFill>
           <a:latin typeface="+mn-lt"/>
           <a:ea typeface="+mn-ea"/>
           <a:cs typeface="+mn-cs"/>
@@ -5431,46 +5623,24 @@
       </a:lvl5pPr>
       <a:lvl6pPr marL="2514600" indent="-228600" algn="l" defTabSz="457200" rtl="0" eaLnBrk="1" latinLnBrk="0" hangingPunct="1">
         <a:spcBef>
-          <a:spcPct val="20000"/>
+          <a:spcPts val="1000"/>
         </a:spcBef>
         <a:spcAft>
-          <a:spcPts val="600"/>
+          <a:spcPts val="0"/>
         </a:spcAft>
         <a:buClr>
-          <a:schemeClr val="tx1"/>
+          <a:schemeClr val="accent1"/>
         </a:buClr>
-        <a:buSzPct val="100000"/>
-        <a:buFont typeface="Arial"/>
-        <a:buChar char="•"/>
-        <a:defRPr sz="1200" kern="1200" cap="small">
-          <a:gradFill flip="none" rotWithShape="1">
-            <a:gsLst>
-              <a:gs pos="0">
-                <a:schemeClr val="tx1"/>
-              </a:gs>
-              <a:gs pos="100000">
-                <a:schemeClr val="tx1">
-                  <a:lumMod val="75000"/>
-                </a:schemeClr>
-              </a:gs>
-            </a:gsLst>
-            <a:lin ang="5580000" scaled="0"/>
-            <a:tileRect/>
-          </a:gradFill>
-          <a:effectLst>
-            <a:glow rad="38100">
-              <a:schemeClr val="bg1">
-                <a:lumMod val="50000"/>
-                <a:lumOff val="50000"/>
-                <a:alpha val="20000"/>
-              </a:schemeClr>
-            </a:glow>
-            <a:outerShdw blurRad="44450" dist="12700" dir="13860000" algn="tl" rotWithShape="0">
-              <a:srgbClr val="000000">
-                <a:alpha val="20000"/>
-              </a:srgbClr>
-            </a:outerShdw>
-          </a:effectLst>
+        <a:buSzPct val="80000"/>
+        <a:buFont typeface="Wingdings 3" charset="2"/>
+        <a:buChar char=""/>
+        <a:defRPr sz="1200" kern="1200">
+          <a:solidFill>
+            <a:schemeClr val="tx1">
+              <a:lumMod val="75000"/>
+              <a:lumOff val="25000"/>
+            </a:schemeClr>
+          </a:solidFill>
           <a:latin typeface="+mn-lt"/>
           <a:ea typeface="+mn-ea"/>
           <a:cs typeface="+mn-cs"/>
@@ -5478,46 +5648,24 @@
       </a:lvl6pPr>
       <a:lvl7pPr marL="2971800" indent="-228600" algn="l" defTabSz="457200" rtl="0" eaLnBrk="1" latinLnBrk="0" hangingPunct="1">
         <a:spcBef>
-          <a:spcPct val="20000"/>
+          <a:spcPts val="1000"/>
         </a:spcBef>
         <a:spcAft>
-          <a:spcPts val="600"/>
+          <a:spcPts val="0"/>
         </a:spcAft>
         <a:buClr>
-          <a:schemeClr val="tx1"/>
+          <a:schemeClr val="accent1"/>
         </a:buClr>
-        <a:buSzPct val="100000"/>
-        <a:buFont typeface="Arial"/>
-        <a:buChar char="•"/>
-        <a:defRPr sz="1200" kern="1200" cap="small">
-          <a:gradFill flip="none" rotWithShape="1">
-            <a:gsLst>
-              <a:gs pos="0">
-                <a:schemeClr val="tx1"/>
-              </a:gs>
-              <a:gs pos="100000">
-                <a:schemeClr val="tx1">
-                  <a:lumMod val="75000"/>
-                </a:schemeClr>
-              </a:gs>
-            </a:gsLst>
-            <a:lin ang="5580000" scaled="0"/>
-            <a:tileRect/>
-          </a:gradFill>
-          <a:effectLst>
-            <a:glow rad="38100">
-              <a:schemeClr val="bg1">
-                <a:lumMod val="50000"/>
-                <a:lumOff val="50000"/>
-                <a:alpha val="20000"/>
-              </a:schemeClr>
-            </a:glow>
-            <a:outerShdw blurRad="44450" dist="12700" dir="13860000" algn="tl" rotWithShape="0">
-              <a:srgbClr val="000000">
-                <a:alpha val="20000"/>
-              </a:srgbClr>
-            </a:outerShdw>
-          </a:effectLst>
+        <a:buSzPct val="80000"/>
+        <a:buFont typeface="Wingdings 3" charset="2"/>
+        <a:buChar char=""/>
+        <a:defRPr sz="1200" kern="1200">
+          <a:solidFill>
+            <a:schemeClr val="tx1">
+              <a:lumMod val="75000"/>
+              <a:lumOff val="25000"/>
+            </a:schemeClr>
+          </a:solidFill>
           <a:latin typeface="+mn-lt"/>
           <a:ea typeface="+mn-ea"/>
           <a:cs typeface="+mn-cs"/>
@@ -5525,46 +5673,24 @@
       </a:lvl7pPr>
       <a:lvl8pPr marL="3429000" indent="-228600" algn="l" defTabSz="457200" rtl="0" eaLnBrk="1" latinLnBrk="0" hangingPunct="1">
         <a:spcBef>
-          <a:spcPct val="20000"/>
+          <a:spcPts val="1000"/>
         </a:spcBef>
         <a:spcAft>
-          <a:spcPts val="600"/>
+          <a:spcPts val="0"/>
         </a:spcAft>
         <a:buClr>
-          <a:schemeClr val="tx1"/>
+          <a:schemeClr val="accent1"/>
         </a:buClr>
-        <a:buSzPct val="100000"/>
-        <a:buFont typeface="Arial"/>
-        <a:buChar char="•"/>
-        <a:defRPr sz="1200" kern="1200" cap="small">
-          <a:gradFill flip="none" rotWithShape="1">
-            <a:gsLst>
-              <a:gs pos="0">
-                <a:schemeClr val="tx1"/>
-              </a:gs>
-              <a:gs pos="100000">
-                <a:schemeClr val="tx1">
-                  <a:lumMod val="75000"/>
-                </a:schemeClr>
-              </a:gs>
-            </a:gsLst>
-            <a:lin ang="5580000" scaled="0"/>
-            <a:tileRect/>
-          </a:gradFill>
-          <a:effectLst>
-            <a:glow rad="38100">
-              <a:schemeClr val="bg1">
-                <a:lumMod val="50000"/>
-                <a:lumOff val="50000"/>
-                <a:alpha val="20000"/>
-              </a:schemeClr>
-            </a:glow>
-            <a:outerShdw blurRad="44450" dist="12700" dir="13860000" algn="tl" rotWithShape="0">
-              <a:srgbClr val="000000">
-                <a:alpha val="20000"/>
-              </a:srgbClr>
-            </a:outerShdw>
-          </a:effectLst>
+        <a:buSzPct val="80000"/>
+        <a:buFont typeface="Wingdings 3" charset="2"/>
+        <a:buChar char=""/>
+        <a:defRPr sz="1200" kern="1200">
+          <a:solidFill>
+            <a:schemeClr val="tx1">
+              <a:lumMod val="75000"/>
+              <a:lumOff val="25000"/>
+            </a:schemeClr>
+          </a:solidFill>
           <a:latin typeface="+mn-lt"/>
           <a:ea typeface="+mn-ea"/>
           <a:cs typeface="+mn-cs"/>
@@ -5572,46 +5698,24 @@
       </a:lvl8pPr>
       <a:lvl9pPr marL="3886200" indent="-228600" algn="l" defTabSz="457200" rtl="0" eaLnBrk="1" latinLnBrk="0" hangingPunct="1">
         <a:spcBef>
-          <a:spcPct val="20000"/>
+          <a:spcPts val="1000"/>
         </a:spcBef>
         <a:spcAft>
-          <a:spcPts val="600"/>
+          <a:spcPts val="0"/>
         </a:spcAft>
         <a:buClr>
-          <a:schemeClr val="tx1"/>
+          <a:schemeClr val="accent1"/>
         </a:buClr>
-        <a:buSzPct val="100000"/>
-        <a:buFont typeface="Arial"/>
-        <a:buChar char="•"/>
-        <a:defRPr sz="1200" kern="1200" cap="small">
-          <a:gradFill flip="none" rotWithShape="1">
-            <a:gsLst>
-              <a:gs pos="0">
-                <a:schemeClr val="tx1"/>
-              </a:gs>
-              <a:gs pos="100000">
-                <a:schemeClr val="tx1">
-                  <a:lumMod val="75000"/>
-                </a:schemeClr>
-              </a:gs>
-            </a:gsLst>
-            <a:lin ang="5580000" scaled="0"/>
-            <a:tileRect/>
-          </a:gradFill>
-          <a:effectLst>
-            <a:glow rad="38100">
-              <a:schemeClr val="bg1">
-                <a:lumMod val="50000"/>
-                <a:lumOff val="50000"/>
-                <a:alpha val="20000"/>
-              </a:schemeClr>
-            </a:glow>
-            <a:outerShdw blurRad="44450" dist="12700" dir="13860000" algn="tl" rotWithShape="0">
-              <a:srgbClr val="000000">
-                <a:alpha val="20000"/>
-              </a:srgbClr>
-            </a:outerShdw>
-          </a:effectLst>
+        <a:buSzPct val="80000"/>
+        <a:buFont typeface="Wingdings 3" charset="2"/>
+        <a:buChar char=""/>
+        <a:defRPr sz="1200" kern="1200">
+          <a:solidFill>
+            <a:schemeClr val="tx1">
+              <a:lumMod val="75000"/>
+              <a:lumOff val="25000"/>
+            </a:schemeClr>
+          </a:solidFill>
           <a:latin typeface="+mn-lt"/>
           <a:ea typeface="+mn-ea"/>
           <a:cs typeface="+mn-cs"/>
@@ -5941,7 +6045,7 @@
           <a:lstStyle/>
           <a:p>
             <a:r>
-              <a:t>Challenges and Limitations</a:t>
+              <a:t>Conclusion: The Future of Neural Networks</a:t>
             </a:r>
           </a:p>
         </p:txBody>
@@ -5964,131 +6068,7 @@
           <a:p>
             <a:pPr/>
             <a:r>
-              <a:t>Data requirements: large datasets are often needed for effective training.Computational cost: training complex networks can be computationally expensive.Overfitting: the model performs well on training data but poorly on unseen data.Interpretability: understanding the decision-making process of a neural network can be difficult.Bias and fairness concerns: reflecting biases present in the training data.</a:t>
-            </a:r>
-          </a:p>
-        </p:txBody>
-      </p:sp>
-    </p:spTree>
-  </p:cSld>
-  <p:clrMapOvr>
-    <a:masterClrMapping/>
-  </p:clrMapOvr>
-</p:sld>
-</file>
-
-<file path=ppt/slides/slide11.xml><?xml version="1.0" encoding="utf-8"?>
-<p:sld xmlns:a="http://schemas.openxmlformats.org/drawingml/2006/main" xmlns:p="http://schemas.openxmlformats.org/presentationml/2006/main" xmlns:r="http://schemas.openxmlformats.org/officeDocument/2006/relationships">
-  <p:cSld>
-    <p:spTree>
-      <p:nvGrpSpPr>
-        <p:cNvPr id="1" name=""/>
-        <p:cNvGrpSpPr/>
-        <p:nvPr/>
-      </p:nvGrpSpPr>
-      <p:grpSpPr/>
-      <p:sp>
-        <p:nvSpPr>
-          <p:cNvPr id="2" name="Title 1"/>
-          <p:cNvSpPr>
-            <a:spLocks noGrp="1"/>
-          </p:cNvSpPr>
-          <p:nvPr>
-            <p:ph type="title"/>
-          </p:nvPr>
-        </p:nvSpPr>
-        <p:spPr/>
-        <p:txBody>
-          <a:bodyPr/>
-          <a:lstStyle/>
-          <a:p>
-            <a:r>
-              <a:t>The Future of Neural Networks</a:t>
-            </a:r>
-          </a:p>
-        </p:txBody>
-      </p:sp>
-      <p:sp>
-        <p:nvSpPr>
-          <p:cNvPr id="3" name="Content Placeholder 2"/>
-          <p:cNvSpPr>
-            <a:spLocks noGrp="1"/>
-          </p:cNvSpPr>
-          <p:nvPr>
-            <p:ph idx="1"/>
-          </p:nvPr>
-        </p:nvSpPr>
-        <p:spPr/>
-        <p:txBody>
-          <a:bodyPr/>
-          <a:lstStyle/>
-          <a:p/>
-          <a:p>
-            <a:pPr/>
-            <a:r>
-              <a:t>Advancements in hardware (e.g., specialized chips).Development of more efficient algorithms.New architectures and network designs.Increased focus on explainability and interpretability.Ethical considerations and responsible AI development.</a:t>
-            </a:r>
-          </a:p>
-        </p:txBody>
-      </p:sp>
-    </p:spTree>
-  </p:cSld>
-  <p:clrMapOvr>
-    <a:masterClrMapping/>
-  </p:clrMapOvr>
-</p:sld>
-</file>
-
-<file path=ppt/slides/slide12.xml><?xml version="1.0" encoding="utf-8"?>
-<p:sld xmlns:a="http://schemas.openxmlformats.org/drawingml/2006/main" xmlns:p="http://schemas.openxmlformats.org/presentationml/2006/main" xmlns:r="http://schemas.openxmlformats.org/officeDocument/2006/relationships">
-  <p:cSld>
-    <p:spTree>
-      <p:nvGrpSpPr>
-        <p:cNvPr id="1" name=""/>
-        <p:cNvGrpSpPr/>
-        <p:nvPr/>
-      </p:nvGrpSpPr>
-      <p:grpSpPr/>
-      <p:sp>
-        <p:nvSpPr>
-          <p:cNvPr id="2" name="Title 1"/>
-          <p:cNvSpPr>
-            <a:spLocks noGrp="1"/>
-          </p:cNvSpPr>
-          <p:nvPr>
-            <p:ph type="title"/>
-          </p:nvPr>
-        </p:nvSpPr>
-        <p:spPr/>
-        <p:txBody>
-          <a:bodyPr/>
-          <a:lstStyle/>
-          <a:p>
-            <a:r>
-              <a:t>Conclusion: Key Takeaways and Future Directions</a:t>
-            </a:r>
-          </a:p>
-        </p:txBody>
-      </p:sp>
-      <p:sp>
-        <p:nvSpPr>
-          <p:cNvPr id="3" name="Content Placeholder 2"/>
-          <p:cNvSpPr>
-            <a:spLocks noGrp="1"/>
-          </p:cNvSpPr>
-          <p:nvPr>
-            <p:ph idx="1"/>
-          </p:nvPr>
-        </p:nvSpPr>
-        <p:spPr/>
-        <p:txBody>
-          <a:bodyPr/>
-          <a:lstStyle/>
-          <a:p/>
-          <a:p>
-            <a:pPr/>
-            <a:r>
-              <a:t>Neural networks are powerful tools for pattern recognition and prediction.Various types of neural networks cater to different tasks and data types.Backpropagation and activation functions are crucial for training and performance.Despite their capabilities, challenges remain regarding data, computation, and interpretability.The future of neural networks is bright, with ongoing research and development pushing boundaries.</a:t>
+              <a:t>Summary: Neural networks are powerful tools for learning complex patterns from data.Takeaways:  Understand the basic components and training process of neural networks.Future Directions:  Continued research in deep learning, improved training algorithms, and ethical considerations.Potential impact on various fields:  Revolutionizing industries and solving complex problems.Ongoing development:  New architectures and applications are constantly emerging.Need for responsible development and deployment:  Addressing biases and ensuring fairness.</a:t>
             </a:r>
           </a:p>
         </p:txBody>
@@ -6127,7 +6107,7 @@
           <a:lstStyle/>
           <a:p>
             <a:r>
-              <a:t>Unveiling the Power of Neural Networks: A Deep Dive</a:t>
+              <a:t>Unveiling the Power of Neural Networks: From Basics to Applications</a:t>
             </a:r>
           </a:p>
         </p:txBody>
@@ -6150,7 +6130,7 @@
           <a:p>
             <a:pPr/>
             <a:r>
-              <a:t>Created by: Aditya Bhogil</a:t>
+              <a:t>Created by:</a:t>
             </a:r>
           </a:p>
         </p:txBody>
@@ -6212,7 +6192,7 @@
           <a:p>
             <a:pPr/>
             <a:r>
-              <a:t>1.Introduction to Neural Networks2.Biological Inspiration and Artificial Neurons3.Types of Neural Networks4.How Neural Networks Learn: Backpropagation5.Activation Functions and their Role6.Applications of Neural Networks7.Challenges and Limitations8.The Future of Neural Networks9.Conclusion: Key Takeaways and Future DirectionsConclusion</a:t>
+              <a:t>1.Introduction to Neural Networks2.The Biological Inspiration3.Key Components of a Neural Network4.Types of Neural Networks5.Training Neural Networks: Backpropagation6.Applications of Neural Networks7.Conclusion: The Future of Neural NetworksConclusion</a:t>
             </a:r>
           </a:p>
         </p:txBody>
@@ -6274,7 +6254,7 @@
           <a:p>
             <a:pPr/>
             <a:r>
-              <a:t>Definition of a neural network: interconnected nodes (neurons) processing information.Neural networks as a subset of machine learning and artificial intelligence.Ability to learn from data without explicit programming.Focus on pattern recognition and prediction.Overview of the presentation's scope and objectives.</a:t>
+              <a:t>Definition:  A computational model inspired by the structure and function of the human brain.Purpose: To process information and learn from data to make predictions or decisions.Key Feature:  Ability to learn complex patterns from data without explicit programming.Building Blocks:  Interconnected nodes (neurons) organized in layers.Simple vs. Complex Networks: Range from simple perceptrons to deep learning architectures.Data-Driven Approach:  Performance heavily relies on the quality and quantity of training data.Applications across diverse fields:  Image recognition, natural language processing, etc.</a:t>
             </a:r>
           </a:p>
         </p:txBody>
@@ -6313,7 +6293,7 @@
           <a:lstStyle/>
           <a:p>
             <a:r>
-              <a:t>Biological Inspiration and Artificial Neurons</a:t>
+              <a:t>The Biological Inspiration</a:t>
             </a:r>
           </a:p>
         </p:txBody>
@@ -6336,7 +6316,7 @@
           <a:p>
             <a:pPr/>
             <a:r>
-              <a:t>The biological neuron as a model for artificial neurons.Structure of an artificial neuron: inputs, weights, summation, activation function, output.Synapses and their representation as weights in the network.The role of the activation function in introducing non-linearity.Comparison of biological and artificial neurons.</a:t>
+              <a:t>Neurons:  The basic units of the brain, receiving and transmitting signals.Synapses: Connections between neurons, allowing signal transmission.Neural pathways: Networks of interconnected neurons.Learning and Adaptation:  Synaptic strength changes based on experience, leading to learning.Parallel Processing:  The brain processes information concurrently, unlike traditional computers.Inspiration for Artificial Neural Networks: Mimicking the brain's structure and function.Simplified Model: ANNs are simplified representations of biological neural networks.</a:t>
             </a:r>
           </a:p>
         </p:txBody>
@@ -6375,7 +6355,7 @@
           <a:lstStyle/>
           <a:p>
             <a:r>
-              <a:t>Types of Neural Networks</a:t>
+              <a:t>Key Components of a Neural Network</a:t>
             </a:r>
           </a:p>
         </p:txBody>
@@ -6398,7 +6378,7 @@
           <a:p>
             <a:pPr/>
             <a:r>
-              <a:t>Feedforward Neural Networks (FNNs): Simple, layered architecture.Convolutional Neural Networks (CNNs): Specialized for image and video processing.Recurrent Neural Networks (RNNs): Handling sequential data like text and time series.Long Short-Term Memory (LSTM) networks: Addressing vanishing gradient problem in RNNs.Autoencoders: Used for dimensionality reduction and feature extraction.Generative Adversarial Networks (GANs): Generating new data samples.</a:t>
+              <a:t>Input Layer: Receives the initial data.Hidden Layers: Perform complex computations and feature extraction.Output Layer: Produces the final result or prediction.Neurons (Nodes):  Processing units that perform calculations.Weights:  Numerical values representing the strength of connections between neurons.Activation Functions: Introduce non-linearity, enabling the network to learn complex patterns.Bias:  Adds a constant value to the weighted sum, affecting neuron activation.</a:t>
             </a:r>
           </a:p>
         </p:txBody>
@@ -6437,7 +6417,7 @@
           <a:lstStyle/>
           <a:p>
             <a:r>
-              <a:t>How Neural Networks Learn: Backpropagation</a:t>
+              <a:t>Types of Neural Networks</a:t>
             </a:r>
           </a:p>
         </p:txBody>
@@ -6460,7 +6440,7 @@
           <a:p>
             <a:pPr/>
             <a:r>
-              <a:t>The concept of supervised learning in neural networks.The process of forward propagation: input to output.Calculating the error (loss function).Backpropagation algorithm: adjusting weights to minimize error.Gradient descent optimization: iterative weight updates.</a:t>
+              <a:t>Perceptrons:  Simplest form of neural network, capable of binary classification.Multilayer Perceptrons (MLPs):  Have one or more hidden layers, allowing for more complex learning.Convolutional Neural Networks (CNNs):  Specialized for processing grid-like data (images, videos).Recurrent Neural Networks (RNNs):  Designed for sequential data (text, time series).Long Short-Term Memory (LSTM) Networks:  A type of RNN that addresses the vanishing gradient problem.Autoencoders:  Used for dimensionality reduction and feature extraction.Generative Adversarial Networks (GANs):  Used for generating new data samples.</a:t>
             </a:r>
           </a:p>
         </p:txBody>
@@ -6499,7 +6479,7 @@
           <a:lstStyle/>
           <a:p>
             <a:r>
-              <a:t>Activation Functions and their Role</a:t>
+              <a:t>Training Neural Networks: Backpropagation</a:t>
             </a:r>
           </a:p>
         </p:txBody>
@@ -6522,7 +6502,7 @@
           <a:p>
             <a:pPr/>
             <a:r>
-              <a:t>Purpose of activation functions: introducing non-linearity.Common activation functions: Sigmoid, ReLU, Tanh.Choosing the appropriate activation function for different tasks.Impact of activation functions on network performance.Derivative of activation functions and its role in backpropagation.</a:t>
+              <a:t>The Goal:  Adjusting the weights to minimize the difference between predicted and actual outputs.Loss Function:  Measures the error between predicted and actual values.Gradient Descent:  An iterative optimization algorithm that updates weights to reduce loss.Backpropagation:  An algorithm that calculates the gradient of the loss function with respect to the weights.Epochs and Iterations:  Multiple passes through the training data.Optimization Algorithms:  Different algorithms (e.g., Adam, RMSprop) for efficient weight updates.Overfitting and Regularization:  Techniques to prevent the network from memorizing the training data.</a:t>
             </a:r>
           </a:p>
         </p:txBody>
@@ -6584,7 +6564,7 @@
           <a:p>
             <a:pPr/>
             <a:r>
-              <a:t>Image recognition and object detection.Natural language processing (NLP): machine translation, sentiment analysis.Speech recognition and synthesis.Medical diagnosis and drug discovery.Financial modeling and fraud detection.Self-driving cars and robotics.</a:t>
+              <a:t>Image Recognition:  Object detection, facial recognition, medical image analysis.Natural Language Processing:  Machine translation, text summarization, sentiment analysis.Speech Recognition:  Converting spoken language into text.Time Series Forecasting:  Predicting future values based on past data (e.g., stock prices).Robotics:  Control systems, navigation, object manipulation.Self-Driving Cars:  Object detection, path planning, decision-making.Game Playing:  Developing AI agents that can play games at a superhuman level.</a:t>
             </a:r>
           </a:p>
         </p:txBody>
@@ -6598,9 +6578,9 @@
 </file>
 
 <file path=ppt/theme/theme1.xml><?xml version="1.0" encoding="utf-8"?>
-<a:theme xmlns:a="http://schemas.openxmlformats.org/drawingml/2006/main" name="Mesh">
+<a:theme xmlns:a="http://schemas.openxmlformats.org/drawingml/2006/main" name="Facet">
   <a:themeElements>
-    <a:clrScheme name="Mesh">
+    <a:clrScheme name="Facet">
       <a:dk1>
         <a:sysClr val="windowText" lastClr="000000"/>
       </a:dk1>
@@ -6608,48 +6588,48 @@
         <a:sysClr val="window" lastClr="FFFFFF"/>
       </a:lt1>
       <a:dk2>
-        <a:srgbClr val="363D46"/>
+        <a:srgbClr val="2C3C43"/>
       </a:dk2>
       <a:lt2>
         <a:srgbClr val="EBEBEB"/>
       </a:lt2>
       <a:accent1>
-        <a:srgbClr val="6F6F6F"/>
+        <a:srgbClr val="90C226"/>
       </a:accent1>
       <a:accent2>
-        <a:srgbClr val="BFBFA5"/>
+        <a:srgbClr val="54A021"/>
       </a:accent2>
       <a:accent3>
-        <a:srgbClr val="DCD084"/>
+        <a:srgbClr val="E6B91E"/>
       </a:accent3>
       <a:accent4>
-        <a:srgbClr val="E7BF5F"/>
+        <a:srgbClr val="E76618"/>
       </a:accent4>
       <a:accent5>
-        <a:srgbClr val="E9A039"/>
+        <a:srgbClr val="C42F1A"/>
       </a:accent5>
       <a:accent6>
-        <a:srgbClr val="CF7133"/>
+        <a:srgbClr val="918655"/>
       </a:accent6>
       <a:hlink>
-        <a:srgbClr val="F28943"/>
+        <a:srgbClr val="99CA3C"/>
       </a:hlink>
       <a:folHlink>
-        <a:srgbClr val="F1B76C"/>
+        <a:srgbClr val="B9D181"/>
       </a:folHlink>
     </a:clrScheme>
-    <a:fontScheme name="Mesh">
+    <a:fontScheme name="Facet">
       <a:majorFont>
-        <a:latin typeface="Century Gothic" panose="020B0502020202020204"/>
+        <a:latin typeface="Trebuchet MS" panose="020B0603020202020204"/>
         <a:ea typeface=""/>
         <a:cs typeface=""/>
-        <a:font script="Jpan" typeface="ＭＳ ゴシック"/>
+        <a:font script="Jpan" typeface="メイリオ"/>
         <a:font script="Hang" typeface="맑은 고딕"/>
-        <a:font script="Hans" typeface="宋体"/>
-        <a:font script="Hant" typeface="新細明體"/>
+        <a:font script="Hans" typeface="方正姚体"/>
+        <a:font script="Hant" typeface="微軟正黑體"/>
         <a:font script="Arab" typeface="Tahoma"/>
-        <a:font script="Hebr" typeface="Gisha"/>
-        <a:font script="Thai" typeface="DilleniaUPC"/>
+        <a:font script="Hebr" typeface="Arial"/>
+        <a:font script="Thai" typeface="Cordia New"/>
         <a:font script="Ethi" typeface="Nyala"/>
         <a:font script="Beng" typeface="Vrinda"/>
         <a:font script="Gujr" typeface="Shruti"/>
@@ -6675,16 +6655,16 @@
         <a:font script="Geor" typeface="Sylfaen"/>
       </a:majorFont>
       <a:minorFont>
-        <a:latin typeface="Century Gothic" panose="020B0502020202020204"/>
+        <a:latin typeface="Trebuchet MS" panose="020B0603020202020204"/>
         <a:ea typeface=""/>
         <a:cs typeface=""/>
-        <a:font script="Jpan" typeface="ＭＳ ゴシック"/>
-        <a:font script="Hang" typeface="맑은 고딕"/>
-        <a:font script="Hans" typeface="宋体"/>
-        <a:font script="Hant" typeface="新細明體"/>
+        <a:font script="Jpan" typeface="メイリオ"/>
+        <a:font script="Hang" typeface="HY그래픽M"/>
+        <a:font script="Hans" typeface="华文新魏"/>
+        <a:font script="Hant" typeface="微軟正黑體"/>
         <a:font script="Arab" typeface="Tahoma"/>
         <a:font script="Hebr" typeface="Gisha"/>
-        <a:font script="Thai" typeface="DilleniaUPC"/>
+        <a:font script="Thai" typeface="IrisUPC"/>
         <a:font script="Ethi" typeface="Nyala"/>
         <a:font script="Beng" typeface="Vrinda"/>
         <a:font script="Gujr" typeface="Shruti"/>
@@ -6705,12 +6685,12 @@
         <a:font script="Laoo" typeface="DokChampa"/>
         <a:font script="Sinh" typeface="Iskoola Pota"/>
         <a:font script="Mong" typeface="Mongolian Baiti"/>
-        <a:font script="Viet" typeface="Verdana"/>
+        <a:font script="Viet" typeface="Arial"/>
         <a:font script="Uigh" typeface="Microsoft Uighur"/>
         <a:font script="Geor" typeface="Sylfaen"/>
       </a:minorFont>
     </a:fontScheme>
-    <a:fmtScheme name="Mesh">
+    <a:fmtScheme name="Facet">
       <a:fillStyleLst>
         <a:solidFill>
           <a:schemeClr val="phClr"/>
@@ -6719,13 +6699,13 @@
           <a:gsLst>
             <a:gs pos="0">
               <a:schemeClr val="phClr">
-                <a:tint val="60000"/>
+                <a:tint val="65000"/>
                 <a:lumMod val="110000"/>
               </a:schemeClr>
             </a:gs>
-            <a:gs pos="100000">
+            <a:gs pos="88000">
               <a:schemeClr val="phClr">
-                <a:tint val="82000"/>
+                <a:tint val="90000"/>
               </a:schemeClr>
             </a:gs>
           </a:gsLst>
@@ -6736,13 +6716,13 @@
             <a:gs pos="0">
               <a:schemeClr val="phClr">
                 <a:tint val="96000"/>
-                <a:lumMod val="104000"/>
+                <a:lumMod val="100000"/>
               </a:schemeClr>
             </a:gs>
-            <a:gs pos="100000">
+            <a:gs pos="78000">
               <a:schemeClr val="phClr">
-                <a:shade val="84000"/>
-                <a:lumMod val="84000"/>
+                <a:shade val="94000"/>
+                <a:lumMod val="94000"/>
               </a:schemeClr>
             </a:gs>
           </a:gsLst>
@@ -6750,7 +6730,7 @@
         </a:gradFill>
       </a:fillStyleLst>
       <a:lnStyleLst>
-        <a:ln w="9525" cap="rnd" cmpd="sng" algn="ctr">
+        <a:ln w="12700" cap="rnd" cmpd="sng" algn="ctr">
           <a:solidFill>
             <a:schemeClr val="phClr"/>
           </a:solidFill>
@@ -6775,18 +6755,18 @@
         </a:effectStyle>
         <a:effectStyle>
           <a:effectLst>
-            <a:innerShdw blurRad="50800" dist="25400" dir="13500000">
+            <a:outerShdw blurRad="38100" dist="25400" dir="5400000" rotWithShape="0">
               <a:srgbClr val="000000">
-                <a:alpha val="55000"/>
+                <a:alpha val="35000"/>
               </a:srgbClr>
-            </a:innerShdw>
+            </a:outerShdw>
           </a:effectLst>
         </a:effectStyle>
         <a:effectStyle>
           <a:effectLst>
             <a:outerShdw blurRad="50800" dist="38100" dir="5400000" rotWithShape="0">
               <a:srgbClr val="000000">
-                <a:alpha val="60000"/>
+                <a:alpha val="35000"/>
               </a:srgbClr>
             </a:outerShdw>
           </a:effectLst>
@@ -6796,8 +6776,8 @@
             </a:camera>
             <a:lightRig rig="threePt" dir="tl"/>
           </a:scene3d>
-          <a:sp3d>
-            <a:bevelT w="25400" h="25400" prst="slope"/>
+          <a:sp3d prstMaterial="plastic">
+            <a:bevelT w="0" h="0"/>
           </a:sp3d>
         </a:effectStyle>
       </a:effectStyleLst>
@@ -6810,36 +6790,37 @@
             <a:gs pos="0">
               <a:schemeClr val="phClr">
                 <a:tint val="90000"/>
+                <a:lumMod val="104000"/>
+              </a:schemeClr>
+            </a:gs>
+            <a:gs pos="94000">
+              <a:schemeClr val="phClr">
+                <a:shade val="96000"/>
+                <a:lumMod val="82000"/>
+              </a:schemeClr>
+            </a:gs>
+          </a:gsLst>
+          <a:lin ang="5400000" scaled="0"/>
+        </a:gradFill>
+        <a:gradFill rotWithShape="1">
+          <a:gsLst>
+            <a:gs pos="0">
+              <a:schemeClr val="phClr">
+                <a:tint val="90000"/>
                 <a:lumMod val="110000"/>
               </a:schemeClr>
             </a:gs>
             <a:gs pos="100000">
               <a:schemeClr val="phClr">
-                <a:shade val="64000"/>
-                <a:lumMod val="98000"/>
+                <a:shade val="94000"/>
+                <a:lumMod val="96000"/>
               </a:schemeClr>
             </a:gs>
           </a:gsLst>
-          <a:lin ang="5400000" scaled="0"/>
+          <a:path path="circle">
+            <a:fillToRect l="50000" t="50000" r="100000" b="100000"/>
+          </a:path>
         </a:gradFill>
-        <a:blipFill rotWithShape="1">
-          <a:blip xmlns:r="http://schemas.openxmlformats.org/officeDocument/2006/relationships" r:embed="rId1">
-            <a:duotone>
-              <a:schemeClr val="phClr">
-                <a:shade val="28000"/>
-                <a:satMod val="94000"/>
-                <a:lumMod val="20000"/>
-              </a:schemeClr>
-              <a:schemeClr val="phClr">
-                <a:tint val="94000"/>
-                <a:shade val="84000"/>
-                <a:satMod val="148000"/>
-                <a:lumMod val="114000"/>
-              </a:schemeClr>
-            </a:duotone>
-          </a:blip>
-          <a:stretch/>
-        </a:blipFill>
       </a:bgFillStyleLst>
     </a:fmtScheme>
   </a:themeElements>
@@ -6847,7 +6828,7 @@
   <a:extraClrSchemeLst/>
   <a:extLst>
     <a:ext uri="{05A4C25C-085E-4340-85A3-A5531E510DB2}">
-      <thm15:themeFamily xmlns:thm15="http://schemas.microsoft.com/office/thememl/2012/main" name="Mesh" id="{789EC3FE-34FD-429C-9918-760025E6C145}" vid="{B8BE45C0-8141-4D58-8C71-A009BC26FBBB}"/>
+      <thm15:themeFamily xmlns:thm15="http://schemas.microsoft.com/office/thememl/2012/main" name="Facet" id="{C0C680CD-088A-49FC-A102-D699147F32B2}" vid="{CFBC31BA-B70F-4F30-BCAA-4F3011E16C4D}"/>
     </a:ext>
   </a:extLst>
 </a:theme>
